--- a/[文献调研] Automatic Sarcasm Detection A Survey.pptx
+++ b/[文献调研] Automatic Sarcasm Detection A Survey.pptx
@@ -5,7 +5,7 @@
     <p:sldMasterId id="2147483660" r:id="rId1"/>
   </p:sldMasterIdLst>
   <p:notesMasterIdLst>
-    <p:notesMasterId r:id="rId17"/>
+    <p:notesMasterId r:id="rId28"/>
   </p:notesMasterIdLst>
   <p:sldIdLst>
     <p:sldId id="256" r:id="rId2"/>
@@ -22,7 +22,18 @@
     <p:sldId id="270" r:id="rId13"/>
     <p:sldId id="268" r:id="rId14"/>
     <p:sldId id="269" r:id="rId15"/>
-    <p:sldId id="258" r:id="rId16"/>
+    <p:sldId id="271" r:id="rId16"/>
+    <p:sldId id="272" r:id="rId17"/>
+    <p:sldId id="273" r:id="rId18"/>
+    <p:sldId id="275" r:id="rId19"/>
+    <p:sldId id="274" r:id="rId20"/>
+    <p:sldId id="277" r:id="rId21"/>
+    <p:sldId id="276" r:id="rId22"/>
+    <p:sldId id="278" r:id="rId23"/>
+    <p:sldId id="279" r:id="rId24"/>
+    <p:sldId id="280" r:id="rId25"/>
+    <p:sldId id="281" r:id="rId26"/>
+    <p:sldId id="258" r:id="rId27"/>
   </p:sldIdLst>
   <p:sldSz cx="12192000" cy="6858000"/>
   <p:notesSz cx="6858000" cy="9144000"/>
@@ -121,6 +132,11 @@
       </a:defRPr>
     </a:lvl9pPr>
   </p:defaultTextStyle>
+  <p:extLst>
+    <p:ext uri="{EFAFB233-063F-42B5-8137-9DF3F51BA10A}">
+      <p15:sldGuideLst xmlns:p15="http://schemas.microsoft.com/office/powerpoint/2012/main"/>
+    </p:ext>
+  </p:extLst>
 </p:presentation>
 </file>
 
@@ -206,7 +222,7 @@
           <a:p>
             <a:fld id="{37B936CF-E9C1-BA41-95AB-9BBB38C6934C}" type="datetimeFigureOut">
               <a:rPr kumimoji="1" lang="zh-CN" altLang="en-US" smtClean="0"/>
-              <a:t>2018/11/6</a:t>
+              <a:t>2018/11/7</a:t>
             </a:fld>
             <a:endParaRPr kumimoji="1" lang="zh-CN" altLang="en-US"/>
           </a:p>
@@ -784,7 +800,7 @@
           <a:p>
             <a:fld id="{33D19E0F-282C-354B-AB8B-E0DAD0966E5D}" type="datetimeFigureOut">
               <a:rPr kumimoji="1" lang="zh-CN" altLang="en-US" smtClean="0"/>
-              <a:t>2018/11/6</a:t>
+              <a:t>2018/11/7</a:t>
             </a:fld>
             <a:endParaRPr kumimoji="1" lang="zh-CN" altLang="en-US"/>
           </a:p>
@@ -992,7 +1008,7 @@
           <a:p>
             <a:fld id="{33D19E0F-282C-354B-AB8B-E0DAD0966E5D}" type="datetimeFigureOut">
               <a:rPr kumimoji="1" lang="zh-CN" altLang="en-US" smtClean="0"/>
-              <a:t>2018/11/6</a:t>
+              <a:t>2018/11/7</a:t>
             </a:fld>
             <a:endParaRPr kumimoji="1" lang="zh-CN" altLang="en-US"/>
           </a:p>
@@ -1248,7 +1264,7 @@
           <a:p>
             <a:fld id="{33D19E0F-282C-354B-AB8B-E0DAD0966E5D}" type="datetimeFigureOut">
               <a:rPr kumimoji="1" lang="zh-CN" altLang="en-US" smtClean="0"/>
-              <a:t>2018/11/6</a:t>
+              <a:t>2018/11/7</a:t>
             </a:fld>
             <a:endParaRPr kumimoji="1" lang="zh-CN" altLang="en-US"/>
           </a:p>
@@ -1422,7 +1438,7 @@
           <a:p>
             <a:fld id="{33D19E0F-282C-354B-AB8B-E0DAD0966E5D}" type="datetimeFigureOut">
               <a:rPr kumimoji="1" lang="zh-CN" altLang="en-US" smtClean="0"/>
-              <a:t>2018/11/6</a:t>
+              <a:t>2018/11/7</a:t>
             </a:fld>
             <a:endParaRPr kumimoji="1" lang="zh-CN" altLang="en-US"/>
           </a:p>
@@ -1765,7 +1781,7 @@
           <a:p>
             <a:fld id="{33D19E0F-282C-354B-AB8B-E0DAD0966E5D}" type="datetimeFigureOut">
               <a:rPr kumimoji="1" lang="zh-CN" altLang="en-US" smtClean="0"/>
-              <a:t>2018/11/6</a:t>
+              <a:t>2018/11/7</a:t>
             </a:fld>
             <a:endParaRPr kumimoji="1" lang="zh-CN" altLang="en-US"/>
           </a:p>
@@ -2040,7 +2056,7 @@
           <a:p>
             <a:fld id="{33D19E0F-282C-354B-AB8B-E0DAD0966E5D}" type="datetimeFigureOut">
               <a:rPr kumimoji="1" lang="zh-CN" altLang="en-US" smtClean="0"/>
-              <a:t>2018/11/6</a:t>
+              <a:t>2018/11/7</a:t>
             </a:fld>
             <a:endParaRPr kumimoji="1" lang="zh-CN" altLang="en-US"/>
           </a:p>
@@ -2419,7 +2435,7 @@
           <a:p>
             <a:fld id="{33D19E0F-282C-354B-AB8B-E0DAD0966E5D}" type="datetimeFigureOut">
               <a:rPr kumimoji="1" lang="zh-CN" altLang="en-US" smtClean="0"/>
-              <a:t>2018/11/6</a:t>
+              <a:t>2018/11/7</a:t>
             </a:fld>
             <a:endParaRPr kumimoji="1" lang="zh-CN" altLang="en-US"/>
           </a:p>
@@ -2537,7 +2553,7 @@
           <a:p>
             <a:fld id="{33D19E0F-282C-354B-AB8B-E0DAD0966E5D}" type="datetimeFigureOut">
               <a:rPr kumimoji="1" lang="zh-CN" altLang="en-US" smtClean="0"/>
-              <a:t>2018/11/6</a:t>
+              <a:t>2018/11/7</a:t>
             </a:fld>
             <a:endParaRPr kumimoji="1" lang="zh-CN" altLang="en-US"/>
           </a:p>
@@ -2708,7 +2724,7 @@
           <a:p>
             <a:fld id="{33D19E0F-282C-354B-AB8B-E0DAD0966E5D}" type="datetimeFigureOut">
               <a:rPr kumimoji="1" lang="zh-CN" altLang="en-US" smtClean="0"/>
-              <a:t>2018/11/6</a:t>
+              <a:t>2018/11/7</a:t>
             </a:fld>
             <a:endParaRPr kumimoji="1" lang="zh-CN" altLang="en-US"/>
           </a:p>
@@ -3062,7 +3078,7 @@
           <a:p>
             <a:fld id="{33D19E0F-282C-354B-AB8B-E0DAD0966E5D}" type="datetimeFigureOut">
               <a:rPr kumimoji="1" lang="zh-CN" altLang="en-US" smtClean="0"/>
-              <a:t>2018/11/6</a:t>
+              <a:t>2018/11/7</a:t>
             </a:fld>
             <a:endParaRPr kumimoji="1" lang="zh-CN" altLang="en-US"/>
           </a:p>
@@ -3444,7 +3460,7 @@
           <a:p>
             <a:fld id="{33D19E0F-282C-354B-AB8B-E0DAD0966E5D}" type="datetimeFigureOut">
               <a:rPr kumimoji="1" lang="zh-CN" altLang="en-US" smtClean="0"/>
-              <a:t>2018/11/6</a:t>
+              <a:t>2018/11/7</a:t>
             </a:fld>
             <a:endParaRPr kumimoji="1" lang="zh-CN" altLang="en-US"/>
           </a:p>
@@ -3731,7 +3747,7 @@
           <a:p>
             <a:fld id="{33D19E0F-282C-354B-AB8B-E0DAD0966E5D}" type="datetimeFigureOut">
               <a:rPr kumimoji="1" lang="zh-CN" altLang="en-US" smtClean="0"/>
-              <a:t>2018/11/6</a:t>
+              <a:t>2018/11/7</a:t>
             </a:fld>
             <a:endParaRPr kumimoji="1" lang="zh-CN" altLang="en-US"/>
           </a:p>
@@ -5460,7 +5476,15 @@
           <a:bodyPr/>
           <a:lstStyle/>
           <a:p>
-            <a:endParaRPr kumimoji="1" lang="zh-CN" altLang="en-US"/>
+            <a:r>
+              <a:rPr kumimoji="1" lang="en-US" altLang="zh-CN" dirty="0"/>
+              <a:t>Dataset - </a:t>
+            </a:r>
+            <a:r>
+              <a:rPr lang="en-US" altLang="zh-CN" dirty="0"/>
+              <a:t>Short Text</a:t>
+            </a:r>
+            <a:endParaRPr kumimoji="1" lang="zh-CN" altLang="en-US" dirty="0"/>
           </a:p>
         </p:txBody>
       </p:sp>
@@ -5476,10 +5500,212 @@
         </p:nvSpPr>
         <p:spPr/>
         <p:txBody>
-          <a:bodyPr/>
+          <a:bodyPr>
+            <a:normAutofit/>
+          </a:bodyPr>
           <a:lstStyle/>
           <a:p>
-            <a:endParaRPr kumimoji="1" lang="zh-CN" altLang="en-US"/>
+            <a:endParaRPr lang="en-US" altLang="zh-CN" dirty="0" smtClean="0"/>
+          </a:p>
+          <a:p>
+            <a:r>
+              <a:rPr lang="en-US" altLang="zh-CN" dirty="0"/>
+              <a:t>Twitter-based datasets </a:t>
+            </a:r>
+            <a:endParaRPr lang="en-US" altLang="zh-CN" dirty="0" smtClean="0"/>
+          </a:p>
+          <a:p>
+            <a:pPr lvl="1"/>
+            <a:r>
+              <a:rPr lang="en-US" altLang="zh-CN" dirty="0" smtClean="0"/>
+              <a:t>Reference </a:t>
+            </a:r>
+            <a:r>
+              <a:rPr lang="en-US" altLang="zh-CN" dirty="0"/>
+              <a:t>[13] </a:t>
+            </a:r>
+            <a:endParaRPr lang="en-US" altLang="zh-CN" dirty="0" smtClean="0"/>
+          </a:p>
+          <a:p>
+            <a:pPr lvl="2"/>
+            <a:r>
+              <a:rPr lang="en-US" altLang="zh-CN" dirty="0"/>
+              <a:t>A</a:t>
+            </a:r>
+            <a:r>
+              <a:rPr lang="en-US" altLang="zh-CN" dirty="0" smtClean="0"/>
+              <a:t> </a:t>
+            </a:r>
+            <a:r>
+              <a:rPr lang="en-US" altLang="zh-CN" dirty="0"/>
+              <a:t>dataset of tweets that are labeled based on the presence of </a:t>
+            </a:r>
+            <a:r>
+              <a:rPr lang="en-US" altLang="zh-CN" dirty="0" smtClean="0"/>
+              <a:t>sarcasm indicative hashtags</a:t>
+            </a:r>
+          </a:p>
+          <a:p>
+            <a:pPr lvl="3"/>
+            <a:r>
+              <a:rPr lang="en-US" altLang="zh-CN" dirty="0" smtClean="0"/>
+              <a:t>such </a:t>
+            </a:r>
+            <a:r>
+              <a:rPr lang="en-US" altLang="zh-CN" dirty="0"/>
+              <a:t>as #sarcasm, #sarcastic, #not, and so on</a:t>
+            </a:r>
+            <a:r>
+              <a:rPr lang="en-US" altLang="zh-CN" dirty="0" smtClean="0"/>
+              <a:t>.</a:t>
+            </a:r>
+          </a:p>
+          <a:p>
+            <a:pPr lvl="1"/>
+            <a:r>
+              <a:rPr lang="en-US" altLang="zh-CN" dirty="0" smtClean="0"/>
+              <a:t>Reference </a:t>
+            </a:r>
+            <a:r>
+              <a:rPr lang="en-US" altLang="zh-CN" dirty="0"/>
+              <a:t>[26</a:t>
+            </a:r>
+            <a:r>
+              <a:rPr lang="en-US" altLang="zh-CN" dirty="0" smtClean="0"/>
+              <a:t>]</a:t>
+            </a:r>
+            <a:r>
+              <a:rPr lang="en-US" altLang="zh-CN" dirty="0"/>
+              <a:t> [58]</a:t>
+            </a:r>
+            <a:endParaRPr lang="en-US" altLang="zh-CN" dirty="0" smtClean="0"/>
+          </a:p>
+          <a:p>
+            <a:pPr lvl="2"/>
+            <a:r>
+              <a:rPr lang="en-US" altLang="zh-CN" dirty="0" smtClean="0"/>
+              <a:t>Retain </a:t>
+            </a:r>
+            <a:r>
+              <a:rPr lang="en-US" altLang="zh-CN" dirty="0"/>
+              <a:t>only examples where it occurs </a:t>
+            </a:r>
+            <a:r>
+              <a:rPr lang="en-US" altLang="zh-CN" b="1" dirty="0">
+                <a:solidFill>
+                  <a:srgbClr val="FF0000"/>
+                </a:solidFill>
+              </a:rPr>
+              <a:t>at the end of </a:t>
+            </a:r>
+            <a:r>
+              <a:rPr lang="en-US" altLang="zh-CN" b="1" dirty="0" smtClean="0">
+                <a:solidFill>
+                  <a:srgbClr val="FF0000"/>
+                </a:solidFill>
+              </a:rPr>
+              <a:t>a tweet </a:t>
+            </a:r>
+            <a:r>
+              <a:rPr lang="en-US" altLang="zh-CN" dirty="0"/>
+              <a:t>but eliminate cases where the hashtag is a part of the running text</a:t>
+            </a:r>
+            <a:r>
+              <a:rPr lang="en-US" altLang="zh-CN" dirty="0" smtClean="0"/>
+              <a:t>.</a:t>
+            </a:r>
+            <a:endParaRPr lang="en-US" altLang="zh-CN" dirty="0"/>
+          </a:p>
+          <a:p>
+            <a:pPr lvl="1"/>
+            <a:r>
+              <a:rPr lang="en-US" altLang="zh-CN" dirty="0" smtClean="0"/>
+              <a:t>Reference </a:t>
+            </a:r>
+            <a:r>
+              <a:rPr lang="en-US" altLang="zh-CN" dirty="0"/>
+              <a:t>[59</a:t>
+            </a:r>
+            <a:r>
+              <a:rPr lang="en-US" altLang="zh-CN" dirty="0" smtClean="0"/>
+              <a:t>]</a:t>
+            </a:r>
+          </a:p>
+          <a:p>
+            <a:pPr lvl="2"/>
+            <a:r>
+              <a:rPr lang="en-US" altLang="zh-CN" dirty="0"/>
+              <a:t>A</a:t>
+            </a:r>
+            <a:r>
+              <a:rPr lang="en-US" altLang="zh-CN" dirty="0" smtClean="0"/>
+              <a:t> </a:t>
+            </a:r>
+            <a:r>
+              <a:rPr lang="en-US" altLang="zh-CN" dirty="0"/>
+              <a:t>large dataset of 40,000 tweets labeled as sarcastic or not, again using hashtags. </a:t>
+            </a:r>
+            <a:endParaRPr lang="en-US" altLang="zh-CN" dirty="0" smtClean="0"/>
+          </a:p>
+          <a:p>
+            <a:pPr lvl="1"/>
+            <a:r>
+              <a:rPr lang="en-US" altLang="zh-CN" dirty="0" smtClean="0"/>
+              <a:t>Reference </a:t>
+            </a:r>
+            <a:r>
+              <a:rPr lang="en-US" altLang="zh-CN" dirty="0"/>
+              <a:t>[</a:t>
+            </a:r>
+            <a:r>
+              <a:rPr lang="en-US" altLang="zh-CN" dirty="0" smtClean="0"/>
+              <a:t>20]</a:t>
+            </a:r>
+          </a:p>
+          <a:p>
+            <a:pPr lvl="2"/>
+            <a:r>
+              <a:rPr lang="en-US" altLang="zh-CN" dirty="0" smtClean="0"/>
+              <a:t>Hashtag-annotated </a:t>
+            </a:r>
+            <a:r>
+              <a:rPr lang="en-US" altLang="zh-CN" dirty="0"/>
+              <a:t>dataset of </a:t>
+            </a:r>
+            <a:r>
+              <a:rPr lang="en-US" altLang="zh-CN" dirty="0" smtClean="0"/>
+              <a:t>tweets</a:t>
+            </a:r>
+          </a:p>
+          <a:p>
+            <a:pPr lvl="1"/>
+            <a:r>
+              <a:rPr lang="en-US" altLang="zh-CN" dirty="0" smtClean="0"/>
+              <a:t>Reference </a:t>
+            </a:r>
+            <a:r>
+              <a:rPr lang="en-US" altLang="zh-CN" dirty="0"/>
+              <a:t>[41</a:t>
+            </a:r>
+            <a:r>
+              <a:rPr lang="en-US" altLang="zh-CN" dirty="0" smtClean="0"/>
+              <a:t>]</a:t>
+            </a:r>
+          </a:p>
+          <a:p>
+            <a:pPr lvl="2"/>
+            <a:r>
+              <a:rPr lang="en-US" altLang="zh-CN" dirty="0" smtClean="0"/>
+              <a:t>Use </a:t>
+            </a:r>
+            <a:r>
+              <a:rPr lang="en-US" altLang="zh-CN" dirty="0"/>
+              <a:t>“#not” to download and label their </a:t>
+            </a:r>
+            <a:r>
+              <a:rPr lang="en-US" altLang="zh-CN" dirty="0" smtClean="0"/>
+              <a:t>tweets</a:t>
+            </a:r>
           </a:p>
         </p:txBody>
       </p:sp>
@@ -5529,8 +5755,12 @@
           <a:lstStyle/>
           <a:p>
             <a:r>
-              <a:rPr kumimoji="1" lang="en-US" altLang="zh-CN" dirty="0" smtClean="0"/>
-              <a:t>Reference</a:t>
+              <a:rPr kumimoji="1" lang="en-US" altLang="zh-CN" dirty="0"/>
+              <a:t>Dataset - </a:t>
+            </a:r>
+            <a:r>
+              <a:rPr lang="en-US" altLang="zh-CN" dirty="0"/>
+              <a:t>Short Text</a:t>
             </a:r>
             <a:endParaRPr kumimoji="1" lang="zh-CN" altLang="en-US" dirty="0"/>
           </a:p>
@@ -5548,21 +5778,147 @@
         </p:nvSpPr>
         <p:spPr/>
         <p:txBody>
-          <a:bodyPr/>
+          <a:bodyPr>
+            <a:normAutofit/>
+          </a:bodyPr>
           <a:lstStyle/>
           <a:p>
+            <a:endParaRPr kumimoji="1" lang="en-US" altLang="zh-CN" dirty="0" smtClean="0"/>
+          </a:p>
+          <a:p>
+            <a:r>
+              <a:rPr lang="en-US" altLang="zh-CN" dirty="0"/>
+              <a:t>Other </a:t>
+            </a:r>
+            <a:r>
+              <a:rPr lang="en-US" altLang="zh-CN" dirty="0" smtClean="0"/>
+              <a:t>social media text</a:t>
+            </a:r>
+          </a:p>
+          <a:p>
             <a:pPr lvl="1"/>
             <a:r>
-              <a:rPr lang="en-US" altLang="zh-CN" dirty="0"/>
-              <a:t>Carman, M. J., Carman, M. J., &amp; Carman, M. J. (2017). </a:t>
-            </a:r>
-            <a:r>
-              <a:rPr lang="en-US" altLang="zh-CN" i="1" dirty="0"/>
-              <a:t>Automatic Sarcasm Detection: A Survey</a:t>
-            </a:r>
-            <a:r>
-              <a:rPr lang="en-US" altLang="zh-CN" dirty="0"/>
-              <a:t>. ACM.</a:t>
+              <a:rPr lang="en-US" altLang="zh-CN" dirty="0" smtClean="0"/>
+              <a:t>Reference [72]</a:t>
+            </a:r>
+          </a:p>
+          <a:p>
+            <a:pPr lvl="2"/>
+            <a:r>
+              <a:rPr lang="en-US" altLang="zh-CN" dirty="0" smtClean="0"/>
+              <a:t>A corpus </a:t>
+            </a:r>
+            <a:r>
+              <a:rPr lang="en-US" altLang="zh-CN" dirty="0"/>
+              <a:t>of </a:t>
+            </a:r>
+            <a:r>
+              <a:rPr lang="en-US" altLang="zh-CN" b="1" dirty="0">
+                <a:solidFill>
+                  <a:srgbClr val="FF0000"/>
+                </a:solidFill>
+              </a:rPr>
+              <a:t>Reddit posts </a:t>
+            </a:r>
+            <a:r>
+              <a:rPr lang="en-US" altLang="zh-CN" dirty="0"/>
+              <a:t>of 10K sentences, from six Reddit topics</a:t>
+            </a:r>
+            <a:r>
+              <a:rPr lang="en-US" altLang="zh-CN" dirty="0" smtClean="0"/>
+              <a:t>.</a:t>
+            </a:r>
+          </a:p>
+          <a:p>
+            <a:pPr lvl="1"/>
+            <a:r>
+              <a:rPr lang="en-US" altLang="zh-CN" dirty="0" smtClean="0"/>
+              <a:t>Reference </a:t>
+            </a:r>
+            <a:r>
+              <a:rPr lang="en-US" altLang="zh-CN" dirty="0"/>
+              <a:t>[</a:t>
+            </a:r>
+            <a:r>
+              <a:rPr lang="en-US" altLang="zh-CN" dirty="0" smtClean="0"/>
+              <a:t>73]</a:t>
+            </a:r>
+          </a:p>
+          <a:p>
+            <a:pPr lvl="2"/>
+            <a:r>
+              <a:rPr lang="en-US" altLang="zh-CN" dirty="0"/>
+              <a:t>A</a:t>
+            </a:r>
+            <a:r>
+              <a:rPr lang="en-US" altLang="zh-CN" dirty="0" smtClean="0"/>
+              <a:t> </a:t>
+            </a:r>
+            <a:r>
+              <a:rPr lang="en-US" altLang="zh-CN" dirty="0"/>
+              <a:t>dataset of </a:t>
+            </a:r>
+            <a:r>
+              <a:rPr lang="en-US" altLang="zh-CN" b="1" dirty="0">
+                <a:solidFill>
+                  <a:srgbClr val="FF0000"/>
+                </a:solidFill>
+              </a:rPr>
+              <a:t>Reddit comments</a:t>
+            </a:r>
+            <a:r>
+              <a:rPr lang="en-US" altLang="zh-CN" dirty="0"/>
+              <a:t>—5,625 sentences</a:t>
+            </a:r>
+            <a:r>
+              <a:rPr lang="en-US" altLang="zh-CN" dirty="0" smtClean="0"/>
+              <a:t>.</a:t>
+            </a:r>
+          </a:p>
+          <a:p>
+            <a:pPr lvl="1"/>
+            <a:r>
+              <a:rPr lang="en-US" altLang="zh-CN" dirty="0" smtClean="0"/>
+              <a:t>Reference </a:t>
+            </a:r>
+            <a:r>
+              <a:rPr lang="en-US" altLang="zh-CN" dirty="0"/>
+              <a:t>[</a:t>
+            </a:r>
+            <a:r>
+              <a:rPr lang="en-US" altLang="zh-CN" dirty="0" smtClean="0"/>
+              <a:t>37]</a:t>
+            </a:r>
+          </a:p>
+          <a:p>
+            <a:pPr lvl="2"/>
+            <a:r>
+              <a:rPr lang="en-US" altLang="zh-CN" dirty="0" smtClean="0"/>
+              <a:t>A large dataset </a:t>
+            </a:r>
+            <a:r>
+              <a:rPr lang="en-US" altLang="zh-CN" dirty="0"/>
+              <a:t>of manually labeled </a:t>
+            </a:r>
+            <a:r>
+              <a:rPr lang="en-US" altLang="zh-CN" b="1" dirty="0" smtClean="0">
+                <a:solidFill>
+                  <a:srgbClr val="FF0000"/>
+                </a:solidFill>
+              </a:rPr>
+              <a:t>Reddit </a:t>
+            </a:r>
+            <a:r>
+              <a:rPr lang="en-US" altLang="zh-CN" b="1" dirty="0">
+                <a:solidFill>
+                  <a:srgbClr val="FF0000"/>
+                </a:solidFill>
+              </a:rPr>
+              <a:t>comments</a:t>
+            </a:r>
+            <a:r>
+              <a:rPr lang="en-US" altLang="zh-CN" dirty="0"/>
+              <a:t>, including 1.3 million sarcastic comments.</a:t>
             </a:r>
             <a:endParaRPr kumimoji="1" lang="zh-CN" altLang="en-US" dirty="0"/>
           </a:p>
@@ -5571,7 +5927,1340 @@
     </p:spTree>
     <p:extLst>
       <p:ext uri="{BB962C8B-B14F-4D97-AF65-F5344CB8AC3E}">
-        <p14:creationId xmlns:p14="http://schemas.microsoft.com/office/powerpoint/2010/main" val="1302696452"/>
+        <p14:creationId xmlns:p14="http://schemas.microsoft.com/office/powerpoint/2010/main" val="734633138"/>
+      </p:ext>
+    </p:extLst>
+  </p:cSld>
+  <p:clrMapOvr>
+    <a:masterClrMapping/>
+  </p:clrMapOvr>
+</p:sld>
+</file>
+
+<file path=ppt/slides/slide16.xml><?xml version="1.0" encoding="utf-8"?>
+<p:sld xmlns:a="http://schemas.openxmlformats.org/drawingml/2006/main" xmlns:r="http://schemas.openxmlformats.org/officeDocument/2006/relationships" xmlns:p="http://schemas.openxmlformats.org/presentationml/2006/main">
+  <p:cSld>
+    <p:spTree>
+      <p:nvGrpSpPr>
+        <p:cNvPr id="1" name=""/>
+        <p:cNvGrpSpPr/>
+        <p:nvPr/>
+      </p:nvGrpSpPr>
+      <p:grpSpPr>
+        <a:xfrm>
+          <a:off x="0" y="0"/>
+          <a:ext cx="0" cy="0"/>
+          <a:chOff x="0" y="0"/>
+          <a:chExt cx="0" cy="0"/>
+        </a:xfrm>
+      </p:grpSpPr>
+      <p:sp>
+        <p:nvSpPr>
+          <p:cNvPr id="2" name="标题 1"/>
+          <p:cNvSpPr>
+            <a:spLocks noGrp="1"/>
+          </p:cNvSpPr>
+          <p:nvPr>
+            <p:ph type="title"/>
+          </p:nvPr>
+        </p:nvSpPr>
+        <p:spPr/>
+        <p:txBody>
+          <a:bodyPr/>
+          <a:lstStyle/>
+          <a:p>
+            <a:r>
+              <a:rPr kumimoji="1" lang="en-US" altLang="zh-CN" dirty="0" smtClean="0"/>
+              <a:t>Dataset - </a:t>
+            </a:r>
+            <a:r>
+              <a:rPr lang="en-US" altLang="zh-CN" dirty="0"/>
+              <a:t>Long Text</a:t>
+            </a:r>
+            <a:endParaRPr kumimoji="1" lang="zh-CN" altLang="en-US" dirty="0"/>
+          </a:p>
+        </p:txBody>
+      </p:sp>
+      <p:sp>
+        <p:nvSpPr>
+          <p:cNvPr id="3" name="内容占位符 2"/>
+          <p:cNvSpPr>
+            <a:spLocks noGrp="1"/>
+          </p:cNvSpPr>
+          <p:nvPr>
+            <p:ph idx="1"/>
+          </p:nvPr>
+        </p:nvSpPr>
+        <p:spPr>
+          <a:xfrm>
+            <a:off x="1097280" y="1845734"/>
+            <a:ext cx="10058400" cy="4555066"/>
+          </a:xfrm>
+        </p:spPr>
+        <p:txBody>
+          <a:bodyPr>
+            <a:normAutofit fontScale="92500" lnSpcReduction="20000"/>
+          </a:bodyPr>
+          <a:lstStyle/>
+          <a:p>
+            <a:endParaRPr lang="en-US" altLang="zh-CN" b="1" smtClean="0">
+              <a:solidFill>
+                <a:srgbClr val="FF0000"/>
+              </a:solidFill>
+            </a:endParaRPr>
+          </a:p>
+          <a:p>
+            <a:r>
+              <a:rPr lang="en-US" altLang="zh-CN" b="1" dirty="0" smtClean="0">
+                <a:solidFill>
+                  <a:srgbClr val="FF0000"/>
+                </a:solidFill>
+              </a:rPr>
+              <a:t>Reviews</a:t>
+            </a:r>
+            <a:r>
+              <a:rPr lang="en-US" altLang="zh-CN" dirty="0" smtClean="0"/>
+              <a:t> </a:t>
+            </a:r>
+            <a:r>
+              <a:rPr lang="en-US" altLang="zh-CN" dirty="0"/>
+              <a:t>and </a:t>
+            </a:r>
+            <a:r>
+              <a:rPr lang="en-US" altLang="zh-CN" b="1" dirty="0">
+                <a:solidFill>
+                  <a:srgbClr val="FF0000"/>
+                </a:solidFill>
+              </a:rPr>
+              <a:t>discussion forum posts </a:t>
+            </a:r>
+            <a:r>
+              <a:rPr lang="en-US" altLang="zh-CN" dirty="0"/>
+              <a:t>have also been used as sarcasm-labeled datasets</a:t>
+            </a:r>
+            <a:r>
+              <a:rPr lang="en-US" altLang="zh-CN" dirty="0" smtClean="0"/>
+              <a:t>.</a:t>
+            </a:r>
+          </a:p>
+          <a:p>
+            <a:pPr lvl="1"/>
+            <a:r>
+              <a:rPr lang="en-US" altLang="zh-CN" dirty="0" smtClean="0"/>
+              <a:t>Reference[45]</a:t>
+            </a:r>
+          </a:p>
+          <a:p>
+            <a:pPr lvl="2"/>
+            <a:r>
+              <a:rPr lang="en-US" altLang="zh-CN" dirty="0" smtClean="0"/>
+              <a:t>Internet </a:t>
+            </a:r>
+            <a:r>
+              <a:rPr lang="en-US" altLang="zh-CN" dirty="0"/>
+              <a:t>Argument Corpus, which marks a dataset of </a:t>
+            </a:r>
+            <a:r>
+              <a:rPr lang="en-US" altLang="zh-CN" b="1" dirty="0">
+                <a:solidFill>
+                  <a:srgbClr val="FF0000"/>
+                </a:solidFill>
+              </a:rPr>
+              <a:t>discussion forum posts </a:t>
+            </a:r>
+            <a:r>
+              <a:rPr lang="en-US" altLang="zh-CN" dirty="0" smtClean="0"/>
+              <a:t>with multiple </a:t>
+            </a:r>
+            <a:r>
+              <a:rPr lang="en-US" altLang="zh-CN" dirty="0"/>
+              <a:t>labels, one of them being </a:t>
+            </a:r>
+            <a:r>
+              <a:rPr lang="en-US" altLang="zh-CN" dirty="0" smtClean="0"/>
+              <a:t>sarcasm</a:t>
+            </a:r>
+          </a:p>
+          <a:p>
+            <a:pPr lvl="1"/>
+            <a:r>
+              <a:rPr lang="en-US" altLang="zh-CN" dirty="0" smtClean="0"/>
+              <a:t>Reference </a:t>
+            </a:r>
+            <a:r>
+              <a:rPr lang="en-US" altLang="zh-CN" dirty="0"/>
+              <a:t>[57</a:t>
+            </a:r>
+            <a:r>
+              <a:rPr lang="en-US" altLang="zh-CN" dirty="0" smtClean="0"/>
+              <a:t>]</a:t>
+            </a:r>
+          </a:p>
+          <a:p>
+            <a:pPr lvl="2"/>
+            <a:r>
+              <a:rPr lang="en-US" altLang="zh-CN" dirty="0"/>
+              <a:t>A</a:t>
+            </a:r>
+            <a:r>
+              <a:rPr lang="en-US" altLang="zh-CN" dirty="0" smtClean="0"/>
+              <a:t> </a:t>
+            </a:r>
+            <a:r>
+              <a:rPr lang="en-US" altLang="zh-CN" dirty="0"/>
+              <a:t>dataset of </a:t>
+            </a:r>
+            <a:r>
+              <a:rPr lang="en-US" altLang="zh-CN" b="1" dirty="0">
+                <a:solidFill>
+                  <a:srgbClr val="FF0000"/>
+                </a:solidFill>
+              </a:rPr>
+              <a:t>movie reviews, </a:t>
+            </a:r>
+            <a:r>
+              <a:rPr lang="en-US" altLang="zh-CN" b="1" dirty="0" smtClean="0">
+                <a:solidFill>
+                  <a:srgbClr val="FF0000"/>
+                </a:solidFill>
+              </a:rPr>
+              <a:t>book</a:t>
+            </a:r>
+            <a:r>
+              <a:rPr lang="zh-TW" altLang="en-US" b="1" dirty="0" smtClean="0">
+                <a:solidFill>
+                  <a:srgbClr val="FF0000"/>
+                </a:solidFill>
+              </a:rPr>
+              <a:t> </a:t>
+            </a:r>
+            <a:r>
+              <a:rPr lang="en-US" altLang="zh-CN" b="1" dirty="0" smtClean="0">
+                <a:solidFill>
+                  <a:srgbClr val="FF0000"/>
+                </a:solidFill>
+              </a:rPr>
+              <a:t>reviews</a:t>
+            </a:r>
+            <a:r>
+              <a:rPr lang="en-US" altLang="zh-CN" b="1" dirty="0">
+                <a:solidFill>
+                  <a:srgbClr val="FF0000"/>
+                </a:solidFill>
+              </a:rPr>
+              <a:t>, and news articles</a:t>
+            </a:r>
+            <a:r>
+              <a:rPr lang="en-US" altLang="zh-CN" dirty="0"/>
+              <a:t> marked with sarcasm and sentiment</a:t>
+            </a:r>
+            <a:r>
+              <a:rPr lang="en-US" altLang="zh-CN" dirty="0" smtClean="0"/>
+              <a:t>.</a:t>
+            </a:r>
+          </a:p>
+          <a:p>
+            <a:pPr lvl="1"/>
+            <a:r>
+              <a:rPr lang="en-US" altLang="zh-CN" dirty="0" smtClean="0"/>
+              <a:t>Reference </a:t>
+            </a:r>
+            <a:r>
+              <a:rPr lang="en-US" altLang="zh-CN" dirty="0"/>
+              <a:t>[56</a:t>
+            </a:r>
+            <a:r>
+              <a:rPr lang="en-US" altLang="zh-CN" dirty="0" smtClean="0"/>
+              <a:t>]</a:t>
+            </a:r>
+          </a:p>
+          <a:p>
+            <a:pPr lvl="2"/>
+            <a:r>
+              <a:rPr lang="en-US" altLang="zh-CN" dirty="0" smtClean="0"/>
+              <a:t>Deals </a:t>
+            </a:r>
+            <a:r>
+              <a:rPr lang="en-US" altLang="zh-CN" dirty="0"/>
+              <a:t>with </a:t>
+            </a:r>
+            <a:r>
+              <a:rPr lang="en-US" altLang="zh-CN" b="1" dirty="0" smtClean="0">
+                <a:solidFill>
+                  <a:srgbClr val="FF0000"/>
+                </a:solidFill>
+              </a:rPr>
+              <a:t>products</a:t>
+            </a:r>
+            <a:r>
+              <a:rPr lang="zh-TW" altLang="en-US" dirty="0" smtClean="0">
+                <a:solidFill>
+                  <a:srgbClr val="FF0000"/>
+                </a:solidFill>
+              </a:rPr>
+              <a:t> </a:t>
+            </a:r>
+            <a:r>
+              <a:rPr lang="en-US" altLang="zh-CN" dirty="0" smtClean="0"/>
+              <a:t>that </a:t>
+            </a:r>
+            <a:r>
+              <a:rPr lang="en-US" altLang="zh-CN" dirty="0"/>
+              <a:t>saw a spate of sarcastic </a:t>
+            </a:r>
+            <a:r>
+              <a:rPr lang="en-US" altLang="zh-CN" b="1" dirty="0">
+                <a:solidFill>
+                  <a:srgbClr val="FF0000"/>
+                </a:solidFill>
+              </a:rPr>
+              <a:t>reviews</a:t>
+            </a:r>
+            <a:r>
+              <a:rPr lang="en-US" altLang="zh-CN" dirty="0"/>
+              <a:t> all of a sudden. Their dataset consists of 11,000 reviews.</a:t>
+            </a:r>
+          </a:p>
+          <a:p>
+            <a:pPr lvl="1"/>
+            <a:r>
+              <a:rPr lang="en-US" altLang="zh-CN" dirty="0"/>
+              <a:t>Reference [19</a:t>
+            </a:r>
+            <a:r>
+              <a:rPr lang="en-US" altLang="zh-CN" dirty="0" smtClean="0"/>
+              <a:t>]</a:t>
+            </a:r>
+          </a:p>
+          <a:p>
+            <a:pPr lvl="2"/>
+            <a:r>
+              <a:rPr lang="en-US" altLang="zh-CN" dirty="0" smtClean="0"/>
+              <a:t>uses </a:t>
+            </a:r>
+            <a:r>
+              <a:rPr lang="en-US" altLang="zh-CN" dirty="0"/>
+              <a:t>a sarcasm-labeled dataset of around 1,000 </a:t>
+            </a:r>
+            <a:r>
+              <a:rPr lang="en-US" altLang="zh-CN" b="1" dirty="0">
+                <a:solidFill>
+                  <a:srgbClr val="FF0000"/>
+                </a:solidFill>
+              </a:rPr>
+              <a:t>reviews</a:t>
+            </a:r>
+            <a:r>
+              <a:rPr lang="en-US" altLang="zh-CN" dirty="0" smtClean="0"/>
+              <a:t>.</a:t>
+            </a:r>
+          </a:p>
+          <a:p>
+            <a:pPr lvl="1"/>
+            <a:r>
+              <a:rPr lang="en-US" altLang="zh-CN" dirty="0" smtClean="0"/>
+              <a:t>Reference </a:t>
+            </a:r>
+            <a:r>
+              <a:rPr lang="en-US" altLang="zh-CN" dirty="0"/>
+              <a:t>[9</a:t>
+            </a:r>
+            <a:r>
+              <a:rPr lang="en-US" altLang="zh-CN" dirty="0" smtClean="0"/>
+              <a:t>]</a:t>
+            </a:r>
+          </a:p>
+          <a:p>
+            <a:pPr lvl="2"/>
+            <a:r>
+              <a:rPr lang="en-US" altLang="zh-CN" dirty="0" smtClean="0"/>
+              <a:t>Creates a</a:t>
+            </a:r>
+            <a:r>
+              <a:rPr lang="zh-TW" altLang="en-US" dirty="0" smtClean="0"/>
+              <a:t> </a:t>
+            </a:r>
+            <a:r>
+              <a:rPr lang="en-US" altLang="zh-CN" dirty="0" smtClean="0"/>
+              <a:t>labeled </a:t>
+            </a:r>
+            <a:r>
+              <a:rPr lang="en-US" altLang="zh-CN" dirty="0"/>
+              <a:t>set of 1,254 </a:t>
+            </a:r>
+            <a:r>
+              <a:rPr lang="en-US" altLang="zh-CN" b="1" dirty="0">
+                <a:solidFill>
+                  <a:srgbClr val="FF0000"/>
+                </a:solidFill>
+              </a:rPr>
+              <a:t>Amazon reviews</a:t>
+            </a:r>
+            <a:r>
+              <a:rPr lang="en-US" altLang="zh-CN" dirty="0"/>
+              <a:t>, out of which 437 are ironic</a:t>
+            </a:r>
+            <a:r>
+              <a:rPr lang="en-US" altLang="zh-CN" dirty="0" smtClean="0"/>
+              <a:t>.</a:t>
+            </a:r>
+          </a:p>
+          <a:p>
+            <a:pPr lvl="1"/>
+            <a:r>
+              <a:rPr lang="en-US" altLang="zh-CN" dirty="0" smtClean="0"/>
+              <a:t>Reference </a:t>
+            </a:r>
+            <a:r>
+              <a:rPr lang="en-US" altLang="zh-CN" dirty="0"/>
+              <a:t>[68</a:t>
+            </a:r>
+            <a:r>
+              <a:rPr lang="en-US" altLang="zh-CN" dirty="0" smtClean="0"/>
+              <a:t>]</a:t>
+            </a:r>
+          </a:p>
+          <a:p>
+            <a:pPr lvl="2"/>
+            <a:r>
+              <a:rPr lang="en-US" altLang="zh-CN" dirty="0" smtClean="0"/>
+              <a:t>Consider </a:t>
+            </a:r>
+            <a:r>
+              <a:rPr lang="en-US" altLang="zh-CN" dirty="0"/>
+              <a:t>a </a:t>
+            </a:r>
+            <a:r>
+              <a:rPr lang="en-US" altLang="zh-CN" dirty="0" smtClean="0"/>
+              <a:t>large</a:t>
+            </a:r>
+            <a:r>
+              <a:rPr lang="zh-TW" altLang="en-US" dirty="0" smtClean="0"/>
+              <a:t> </a:t>
+            </a:r>
+            <a:r>
+              <a:rPr lang="en-US" altLang="zh-CN" dirty="0" smtClean="0"/>
+              <a:t>dataset </a:t>
+            </a:r>
+            <a:r>
+              <a:rPr lang="en-US" altLang="zh-CN" dirty="0"/>
+              <a:t>of 66,000 </a:t>
+            </a:r>
+            <a:r>
+              <a:rPr lang="en-US" altLang="zh-CN" b="1" dirty="0">
+                <a:solidFill>
+                  <a:srgbClr val="FF0000"/>
+                </a:solidFill>
+              </a:rPr>
+              <a:t>Amazon reviews</a:t>
+            </a:r>
+            <a:r>
+              <a:rPr lang="en-US" altLang="zh-CN" dirty="0" smtClean="0"/>
+              <a:t>.</a:t>
+            </a:r>
+          </a:p>
+          <a:p>
+            <a:pPr lvl="1"/>
+            <a:r>
+              <a:rPr lang="en-US" altLang="zh-CN" dirty="0" smtClean="0"/>
+              <a:t>Reference </a:t>
+            </a:r>
+            <a:r>
+              <a:rPr lang="en-US" altLang="zh-CN" dirty="0"/>
+              <a:t>[43</a:t>
+            </a:r>
+            <a:r>
+              <a:rPr lang="en-US" altLang="zh-CN" dirty="0" smtClean="0"/>
+              <a:t>]</a:t>
+            </a:r>
+          </a:p>
+          <a:p>
+            <a:pPr lvl="2"/>
+            <a:r>
+              <a:rPr lang="en-US" altLang="zh-CN" dirty="0"/>
+              <a:t>A</a:t>
+            </a:r>
+            <a:r>
+              <a:rPr lang="en-US" altLang="zh-CN" dirty="0" smtClean="0"/>
+              <a:t> </a:t>
+            </a:r>
+            <a:r>
+              <a:rPr lang="en-US" altLang="zh-CN" dirty="0"/>
+              <a:t>dataset of </a:t>
+            </a:r>
+            <a:r>
+              <a:rPr lang="en-US" altLang="zh-CN" b="1" dirty="0">
+                <a:solidFill>
+                  <a:srgbClr val="FF0000"/>
+                </a:solidFill>
+              </a:rPr>
+              <a:t>reviews, comments</a:t>
+            </a:r>
+            <a:r>
+              <a:rPr lang="en-US" altLang="zh-CN" dirty="0"/>
+              <a:t>, and so </a:t>
+            </a:r>
+            <a:r>
+              <a:rPr lang="en-US" altLang="zh-CN" dirty="0" smtClean="0"/>
+              <a:t>on</a:t>
+            </a:r>
+            <a:r>
+              <a:rPr lang="zh-TW" altLang="en-US" dirty="0" smtClean="0"/>
+              <a:t> </a:t>
+            </a:r>
+            <a:r>
+              <a:rPr lang="en-US" altLang="zh-CN" dirty="0" smtClean="0"/>
+              <a:t>from </a:t>
+            </a:r>
+            <a:r>
+              <a:rPr lang="en-US" altLang="zh-CN" dirty="0"/>
+              <a:t>multiple sources, such as Amazon, Twitter, </a:t>
+            </a:r>
+            <a:r>
+              <a:rPr lang="en-US" altLang="zh-CN" dirty="0" err="1"/>
+              <a:t>Netease</a:t>
+            </a:r>
+            <a:r>
+              <a:rPr lang="en-US" altLang="zh-CN" dirty="0"/>
+              <a:t>, and </a:t>
+            </a:r>
+            <a:r>
+              <a:rPr lang="en-US" altLang="zh-CN" dirty="0" err="1"/>
+              <a:t>Netcena</a:t>
+            </a:r>
+            <a:r>
+              <a:rPr lang="en-US" altLang="zh-CN" dirty="0" smtClean="0"/>
+              <a:t>.</a:t>
+            </a:r>
+          </a:p>
+          <a:p>
+            <a:r>
+              <a:rPr lang="en-US" altLang="zh-CN" dirty="0" smtClean="0"/>
+              <a:t>In these cases, the datasets</a:t>
+            </a:r>
+            <a:r>
+              <a:rPr lang="zh-TW" altLang="en-US" dirty="0" smtClean="0"/>
+              <a:t> </a:t>
+            </a:r>
+            <a:r>
+              <a:rPr lang="en-US" altLang="zh-CN" dirty="0" smtClean="0"/>
+              <a:t>are manually annotated, because markers like hashtags are not available.</a:t>
+            </a:r>
+            <a:endParaRPr kumimoji="1" lang="zh-CN" altLang="en-US" dirty="0"/>
+          </a:p>
+        </p:txBody>
+      </p:sp>
+    </p:spTree>
+    <p:extLst>
+      <p:ext uri="{BB962C8B-B14F-4D97-AF65-F5344CB8AC3E}">
+        <p14:creationId xmlns:p14="http://schemas.microsoft.com/office/powerpoint/2010/main" val="472919002"/>
+      </p:ext>
+    </p:extLst>
+  </p:cSld>
+  <p:clrMapOvr>
+    <a:masterClrMapping/>
+  </p:clrMapOvr>
+</p:sld>
+</file>
+
+<file path=ppt/slides/slide17.xml><?xml version="1.0" encoding="utf-8"?>
+<p:sld xmlns:a="http://schemas.openxmlformats.org/drawingml/2006/main" xmlns:r="http://schemas.openxmlformats.org/officeDocument/2006/relationships" xmlns:p="http://schemas.openxmlformats.org/presentationml/2006/main">
+  <p:cSld>
+    <p:spTree>
+      <p:nvGrpSpPr>
+        <p:cNvPr id="1" name=""/>
+        <p:cNvGrpSpPr/>
+        <p:nvPr/>
+      </p:nvGrpSpPr>
+      <p:grpSpPr>
+        <a:xfrm>
+          <a:off x="0" y="0"/>
+          <a:ext cx="0" cy="0"/>
+          <a:chOff x="0" y="0"/>
+          <a:chExt cx="0" cy="0"/>
+        </a:xfrm>
+      </p:grpSpPr>
+      <p:sp>
+        <p:nvSpPr>
+          <p:cNvPr id="2" name="标题 1"/>
+          <p:cNvSpPr>
+            <a:spLocks noGrp="1"/>
+          </p:cNvSpPr>
+          <p:nvPr>
+            <p:ph type="title"/>
+          </p:nvPr>
+        </p:nvSpPr>
+        <p:spPr/>
+        <p:txBody>
+          <a:bodyPr/>
+          <a:lstStyle/>
+          <a:p>
+            <a:r>
+              <a:rPr kumimoji="1" lang="en-US" altLang="zh-CN" dirty="0" smtClean="0"/>
+              <a:t>Dataset - </a:t>
+            </a:r>
+            <a:r>
+              <a:rPr kumimoji="1" lang="en-US" altLang="zh-CN" dirty="0"/>
+              <a:t>Transcripts and </a:t>
+            </a:r>
+            <a:r>
+              <a:rPr kumimoji="1" lang="en-US" altLang="zh-CN" dirty="0" smtClean="0"/>
+              <a:t>Dialogue</a:t>
+            </a:r>
+            <a:endParaRPr kumimoji="1" lang="zh-CN" altLang="en-US" dirty="0"/>
+          </a:p>
+        </p:txBody>
+      </p:sp>
+      <p:sp>
+        <p:nvSpPr>
+          <p:cNvPr id="3" name="内容占位符 2"/>
+          <p:cNvSpPr>
+            <a:spLocks noGrp="1"/>
+          </p:cNvSpPr>
+          <p:nvPr>
+            <p:ph idx="1"/>
+          </p:nvPr>
+        </p:nvSpPr>
+        <p:spPr/>
+        <p:txBody>
+          <a:bodyPr/>
+          <a:lstStyle/>
+          <a:p>
+            <a:endParaRPr kumimoji="1" lang="en-US" altLang="zh-CN" dirty="0" smtClean="0"/>
+          </a:p>
+          <a:p>
+            <a:r>
+              <a:rPr kumimoji="1" lang="en-US" altLang="zh-CN" dirty="0" smtClean="0"/>
+              <a:t>A form </a:t>
+            </a:r>
+            <a:r>
+              <a:rPr kumimoji="1" lang="en-US" altLang="zh-CN" dirty="0"/>
+              <a:t>of verbal irony and is often expressed in the context of a </a:t>
+            </a:r>
+            <a:r>
+              <a:rPr kumimoji="1" lang="en-US" altLang="zh-CN" dirty="0" smtClean="0"/>
+              <a:t>conversation</a:t>
+            </a:r>
+          </a:p>
+          <a:p>
+            <a:pPr lvl="1"/>
+            <a:r>
+              <a:rPr kumimoji="1" lang="en-US" altLang="zh-CN" dirty="0" smtClean="0"/>
+              <a:t>Reference </a:t>
+            </a:r>
+            <a:r>
+              <a:rPr kumimoji="1" lang="en-US" altLang="zh-CN" dirty="0"/>
+              <a:t>[67</a:t>
+            </a:r>
+            <a:r>
+              <a:rPr kumimoji="1" lang="en-US" altLang="zh-CN" dirty="0" smtClean="0"/>
+              <a:t>]</a:t>
+            </a:r>
+          </a:p>
+          <a:p>
+            <a:pPr lvl="2"/>
+            <a:r>
+              <a:rPr kumimoji="1" lang="en-US" altLang="zh-CN" dirty="0" smtClean="0"/>
+              <a:t>131 </a:t>
+            </a:r>
+            <a:r>
+              <a:rPr kumimoji="1" lang="en-US" altLang="zh-CN" b="1" dirty="0" smtClean="0">
+                <a:solidFill>
+                  <a:srgbClr val="FF0000"/>
+                </a:solidFill>
+              </a:rPr>
+              <a:t>call center </a:t>
+            </a:r>
+            <a:r>
+              <a:rPr kumimoji="1" lang="en-US" altLang="zh-CN" b="1" dirty="0">
+                <a:solidFill>
+                  <a:srgbClr val="FF0000"/>
+                </a:solidFill>
+              </a:rPr>
+              <a:t>transcripts</a:t>
+            </a:r>
+            <a:r>
+              <a:rPr kumimoji="1" lang="en-US" altLang="zh-CN" dirty="0"/>
+              <a:t>. Each occurrence of “yeah right” is marked as sarcastic or not</a:t>
+            </a:r>
+            <a:r>
+              <a:rPr kumimoji="1" lang="en-US" altLang="zh-CN" dirty="0" smtClean="0"/>
+              <a:t>.</a:t>
+            </a:r>
+          </a:p>
+          <a:p>
+            <a:pPr lvl="2"/>
+            <a:r>
+              <a:rPr kumimoji="1" lang="en-US" altLang="zh-CN" dirty="0" smtClean="0"/>
+              <a:t>The </a:t>
+            </a:r>
+            <a:r>
+              <a:rPr kumimoji="1" lang="en-US" altLang="zh-CN" dirty="0"/>
+              <a:t>goal is </a:t>
+            </a:r>
+            <a:r>
+              <a:rPr kumimoji="1" lang="en-US" altLang="zh-CN" dirty="0" smtClean="0"/>
+              <a:t>to identify </a:t>
+            </a:r>
+            <a:r>
+              <a:rPr kumimoji="1" lang="en-US" altLang="zh-CN" dirty="0"/>
+              <a:t>which “yeah right” is sarcastic</a:t>
+            </a:r>
+            <a:r>
+              <a:rPr kumimoji="1" lang="en-US" altLang="zh-CN" dirty="0" smtClean="0"/>
+              <a:t>.</a:t>
+            </a:r>
+          </a:p>
+          <a:p>
+            <a:pPr lvl="1"/>
+            <a:r>
+              <a:rPr kumimoji="1" lang="en-US" altLang="zh-CN" dirty="0" smtClean="0"/>
+              <a:t>Reference </a:t>
+            </a:r>
+            <a:r>
+              <a:rPr kumimoji="1" lang="en-US" altLang="zh-CN" dirty="0"/>
+              <a:t>[55</a:t>
+            </a:r>
+            <a:r>
+              <a:rPr kumimoji="1" lang="en-US" altLang="zh-CN" dirty="0" smtClean="0"/>
+              <a:t>]</a:t>
+            </a:r>
+          </a:p>
+          <a:p>
+            <a:pPr lvl="2"/>
+            <a:r>
+              <a:rPr kumimoji="1" lang="en-US" altLang="zh-CN" dirty="0" smtClean="0"/>
+              <a:t>creates </a:t>
+            </a:r>
+            <a:r>
+              <a:rPr kumimoji="1" lang="en-US" altLang="zh-CN" dirty="0"/>
+              <a:t>a crowd-sourced </a:t>
+            </a:r>
+            <a:r>
+              <a:rPr kumimoji="1" lang="en-US" altLang="zh-CN" dirty="0" smtClean="0"/>
+              <a:t>dataset of </a:t>
+            </a:r>
+            <a:r>
+              <a:rPr kumimoji="1" lang="en-US" altLang="zh-CN" dirty="0"/>
+              <a:t>sentences from an </a:t>
+            </a:r>
+            <a:r>
+              <a:rPr kumimoji="1" lang="en-US" altLang="zh-CN" b="1" dirty="0">
+                <a:solidFill>
+                  <a:srgbClr val="FF0000"/>
+                </a:solidFill>
+              </a:rPr>
+              <a:t>MTV show </a:t>
+            </a:r>
+            <a:r>
+              <a:rPr kumimoji="1" lang="en-US" altLang="zh-CN" dirty="0"/>
+              <a:t>“Daria</a:t>
+            </a:r>
+            <a:r>
+              <a:rPr kumimoji="1" lang="en-US" altLang="zh-CN" dirty="0" smtClean="0"/>
+              <a:t>.”</a:t>
+            </a:r>
+          </a:p>
+          <a:p>
+            <a:pPr lvl="1"/>
+            <a:r>
+              <a:rPr kumimoji="1" lang="en-US" altLang="zh-CN" dirty="0" smtClean="0"/>
+              <a:t>Reference </a:t>
+            </a:r>
+            <a:r>
+              <a:rPr kumimoji="1" lang="en-US" altLang="zh-CN" dirty="0"/>
+              <a:t>[33</a:t>
+            </a:r>
+            <a:r>
+              <a:rPr kumimoji="1" lang="en-US" altLang="zh-CN" dirty="0" smtClean="0"/>
+              <a:t>]</a:t>
+            </a:r>
+          </a:p>
+          <a:p>
+            <a:pPr lvl="2"/>
+            <a:r>
+              <a:rPr kumimoji="1" lang="en-US" altLang="zh-CN" dirty="0"/>
+              <a:t>A</a:t>
+            </a:r>
+            <a:r>
+              <a:rPr kumimoji="1" lang="en-US" altLang="zh-CN" dirty="0" smtClean="0"/>
+              <a:t> </a:t>
+            </a:r>
+            <a:r>
+              <a:rPr kumimoji="1" lang="en-US" altLang="zh-CN" dirty="0"/>
+              <a:t>manually annotated </a:t>
+            </a:r>
+            <a:r>
+              <a:rPr kumimoji="1" lang="en-US" altLang="zh-CN" b="1" dirty="0">
+                <a:solidFill>
+                  <a:srgbClr val="FF0000"/>
+                </a:solidFill>
+              </a:rPr>
+              <a:t>transcript</a:t>
+            </a:r>
+            <a:r>
+              <a:rPr kumimoji="1" lang="en-US" altLang="zh-CN" dirty="0"/>
+              <a:t> of the </a:t>
+            </a:r>
+            <a:r>
+              <a:rPr kumimoji="1" lang="en-US" altLang="zh-CN" b="1" dirty="0">
+                <a:solidFill>
+                  <a:srgbClr val="FF0000"/>
+                </a:solidFill>
+              </a:rPr>
+              <a:t>TV Series </a:t>
+            </a:r>
+            <a:r>
+              <a:rPr kumimoji="1" lang="en-US" altLang="zh-CN" dirty="0"/>
+              <a:t>“Friends</a:t>
+            </a:r>
+            <a:r>
+              <a:rPr kumimoji="1" lang="en-US" altLang="zh-CN" dirty="0" smtClean="0"/>
+              <a:t>.”</a:t>
+            </a:r>
+          </a:p>
+          <a:p>
+            <a:pPr lvl="2"/>
+            <a:r>
+              <a:rPr kumimoji="1" lang="en-US" altLang="zh-CN" dirty="0" smtClean="0"/>
+              <a:t>Every </a:t>
+            </a:r>
+            <a:r>
+              <a:rPr kumimoji="1" lang="en-US" altLang="zh-CN" dirty="0"/>
+              <a:t>“utterance” in a scene </a:t>
+            </a:r>
+            <a:r>
+              <a:rPr kumimoji="1" lang="en-US" altLang="zh-CN" dirty="0" smtClean="0"/>
+              <a:t>is annotated </a:t>
+            </a:r>
+            <a:r>
+              <a:rPr kumimoji="1" lang="en-US" altLang="zh-CN" dirty="0"/>
+              <a:t>with two labels: sarcastic or not sarcastic.</a:t>
+            </a:r>
+            <a:endParaRPr kumimoji="1" lang="zh-CN" altLang="en-US" dirty="0"/>
+          </a:p>
+        </p:txBody>
+      </p:sp>
+    </p:spTree>
+    <p:extLst>
+      <p:ext uri="{BB962C8B-B14F-4D97-AF65-F5344CB8AC3E}">
+        <p14:creationId xmlns:p14="http://schemas.microsoft.com/office/powerpoint/2010/main" val="7156000"/>
+      </p:ext>
+    </p:extLst>
+  </p:cSld>
+  <p:clrMapOvr>
+    <a:masterClrMapping/>
+  </p:clrMapOvr>
+</p:sld>
+</file>
+
+<file path=ppt/slides/slide18.xml><?xml version="1.0" encoding="utf-8"?>
+<p:sld xmlns:a="http://schemas.openxmlformats.org/drawingml/2006/main" xmlns:r="http://schemas.openxmlformats.org/officeDocument/2006/relationships" xmlns:p="http://schemas.openxmlformats.org/presentationml/2006/main">
+  <p:cSld>
+    <p:spTree>
+      <p:nvGrpSpPr>
+        <p:cNvPr id="1" name=""/>
+        <p:cNvGrpSpPr/>
+        <p:nvPr/>
+      </p:nvGrpSpPr>
+      <p:grpSpPr>
+        <a:xfrm>
+          <a:off x="0" y="0"/>
+          <a:ext cx="0" cy="0"/>
+          <a:chOff x="0" y="0"/>
+          <a:chExt cx="0" cy="0"/>
+        </a:xfrm>
+      </p:grpSpPr>
+      <p:sp>
+        <p:nvSpPr>
+          <p:cNvPr id="2" name="标题 1"/>
+          <p:cNvSpPr>
+            <a:spLocks noGrp="1"/>
+          </p:cNvSpPr>
+          <p:nvPr>
+            <p:ph type="title"/>
+          </p:nvPr>
+        </p:nvSpPr>
+        <p:spPr/>
+        <p:txBody>
+          <a:bodyPr/>
+          <a:lstStyle/>
+          <a:p>
+            <a:r>
+              <a:rPr kumimoji="1" lang="en-US" altLang="zh-CN" dirty="0" smtClean="0"/>
+              <a:t>Dataset - </a:t>
+            </a:r>
+            <a:r>
+              <a:rPr lang="en-US" altLang="zh-CN" dirty="0"/>
+              <a:t> Miscellaneous </a:t>
+            </a:r>
+            <a:r>
+              <a:rPr lang="en-US" altLang="zh-CN" dirty="0" smtClean="0"/>
+              <a:t>Datasets</a:t>
+            </a:r>
+            <a:endParaRPr kumimoji="1" lang="zh-CN" altLang="en-US" dirty="0"/>
+          </a:p>
+        </p:txBody>
+      </p:sp>
+      <p:sp>
+        <p:nvSpPr>
+          <p:cNvPr id="3" name="内容占位符 2"/>
+          <p:cNvSpPr>
+            <a:spLocks noGrp="1"/>
+          </p:cNvSpPr>
+          <p:nvPr>
+            <p:ph idx="1"/>
+          </p:nvPr>
+        </p:nvSpPr>
+        <p:spPr/>
+        <p:txBody>
+          <a:bodyPr>
+            <a:normAutofit fontScale="92500" lnSpcReduction="10000"/>
+          </a:bodyPr>
+          <a:lstStyle/>
+          <a:p>
+            <a:r>
+              <a:rPr lang="en-US" altLang="zh-CN" dirty="0" smtClean="0"/>
+              <a:t>In </a:t>
+            </a:r>
+            <a:r>
+              <a:rPr lang="en-US" altLang="zh-CN" dirty="0"/>
+              <a:t>addition to the three kinds of datasets above, several other datasets have been reported</a:t>
+            </a:r>
+            <a:r>
+              <a:rPr lang="en-US" altLang="zh-CN" dirty="0" smtClean="0"/>
+              <a:t>.</a:t>
+            </a:r>
+          </a:p>
+          <a:p>
+            <a:pPr lvl="1"/>
+            <a:r>
+              <a:rPr lang="en-US" altLang="zh-CN" dirty="0" smtClean="0"/>
+              <a:t>Reference</a:t>
+            </a:r>
+            <a:r>
+              <a:rPr lang="en-US" altLang="zh-CN" dirty="0"/>
+              <a:t> </a:t>
+            </a:r>
+            <a:r>
+              <a:rPr lang="en-US" altLang="zh-CN" dirty="0" smtClean="0"/>
+              <a:t>[38]</a:t>
+            </a:r>
+          </a:p>
+          <a:p>
+            <a:pPr lvl="2"/>
+            <a:r>
+              <a:rPr lang="en-US" altLang="zh-CN" dirty="0" smtClean="0"/>
+              <a:t>uses </a:t>
+            </a:r>
+            <a:r>
+              <a:rPr lang="en-US" altLang="zh-CN" dirty="0"/>
+              <a:t>20 sarcastic and 15 non-sarcastic </a:t>
+            </a:r>
+            <a:r>
+              <a:rPr lang="en-US" altLang="zh-CN" b="1" dirty="0">
+                <a:solidFill>
+                  <a:srgbClr val="FF0000"/>
+                </a:solidFill>
+              </a:rPr>
+              <a:t>book excerpts</a:t>
+            </a:r>
+            <a:r>
+              <a:rPr lang="en-US" altLang="zh-CN" dirty="0"/>
+              <a:t>, which are marked by 101 </a:t>
+            </a:r>
+            <a:r>
+              <a:rPr lang="en-US" altLang="zh-CN" dirty="0" smtClean="0"/>
+              <a:t>annotators.</a:t>
+            </a:r>
+          </a:p>
+          <a:p>
+            <a:pPr lvl="2"/>
+            <a:r>
+              <a:rPr lang="en-US" altLang="zh-CN" dirty="0" smtClean="0"/>
+              <a:t>The </a:t>
+            </a:r>
+            <a:r>
+              <a:rPr lang="en-US" altLang="zh-CN" dirty="0"/>
+              <a:t>goal is to identify lexical indicators of sarcasm</a:t>
+            </a:r>
+            <a:r>
+              <a:rPr lang="en-US" altLang="zh-CN" dirty="0" smtClean="0"/>
+              <a:t>.</a:t>
+            </a:r>
+          </a:p>
+          <a:p>
+            <a:pPr lvl="1"/>
+            <a:r>
+              <a:rPr lang="en-US" altLang="zh-CN" dirty="0" smtClean="0"/>
+              <a:t>Reference </a:t>
+            </a:r>
+            <a:r>
+              <a:rPr lang="en-US" altLang="zh-CN" dirty="0"/>
+              <a:t>[69</a:t>
+            </a:r>
+            <a:r>
+              <a:rPr lang="en-US" altLang="zh-CN" dirty="0" smtClean="0"/>
+              <a:t>]</a:t>
+            </a:r>
+          </a:p>
+          <a:p>
+            <a:pPr lvl="2"/>
+            <a:r>
+              <a:rPr lang="en-US" altLang="zh-CN" dirty="0" smtClean="0"/>
+              <a:t>focuses </a:t>
+            </a:r>
+            <a:r>
+              <a:rPr lang="en-US" altLang="zh-CN" dirty="0"/>
+              <a:t>on </a:t>
+            </a:r>
+            <a:r>
+              <a:rPr lang="en-US" altLang="zh-CN" dirty="0" smtClean="0"/>
+              <a:t>identifying which </a:t>
+            </a:r>
+            <a:r>
+              <a:rPr lang="en-US" altLang="zh-CN" b="1" dirty="0" smtClean="0">
+                <a:solidFill>
+                  <a:srgbClr val="FF0000"/>
+                </a:solidFill>
+              </a:rPr>
+              <a:t>similes</a:t>
+            </a:r>
+            <a:r>
+              <a:rPr lang="en-US" altLang="zh-CN" dirty="0" smtClean="0"/>
+              <a:t>(</a:t>
+            </a:r>
+            <a:r>
+              <a:rPr lang="zh-CN" altLang="en-US" dirty="0"/>
+              <a:t>明喻</a:t>
+            </a:r>
+            <a:r>
+              <a:rPr lang="en-US" altLang="zh-CN" dirty="0" smtClean="0"/>
+              <a:t>) </a:t>
+            </a:r>
+            <a:r>
+              <a:rPr lang="en-US" altLang="zh-CN" dirty="0"/>
+              <a:t>are sarcastic</a:t>
+            </a:r>
+            <a:r>
+              <a:rPr lang="en-US" altLang="zh-CN" dirty="0" smtClean="0"/>
+              <a:t>.</a:t>
+            </a:r>
+          </a:p>
+          <a:p>
+            <a:pPr lvl="2"/>
+            <a:r>
+              <a:rPr lang="en-US" altLang="zh-CN" dirty="0" smtClean="0"/>
+              <a:t>For </a:t>
+            </a:r>
+            <a:r>
+              <a:rPr lang="en-US" altLang="zh-CN" dirty="0"/>
+              <a:t>example, the simile “as useful as a chocolate teapot” is to be </a:t>
+            </a:r>
+            <a:r>
+              <a:rPr lang="en-US" altLang="zh-CN" dirty="0" smtClean="0"/>
+              <a:t>predicted as </a:t>
+            </a:r>
+            <a:r>
+              <a:rPr lang="en-US" altLang="zh-CN" dirty="0"/>
+              <a:t>sarcastic, while the simile “as big as a plum” is not</a:t>
+            </a:r>
+            <a:r>
+              <a:rPr lang="en-US" altLang="zh-CN" dirty="0" smtClean="0"/>
+              <a:t>. </a:t>
+            </a:r>
+          </a:p>
+          <a:p>
+            <a:pPr lvl="1"/>
+            <a:r>
+              <a:rPr lang="en-US" altLang="zh-CN" dirty="0" smtClean="0"/>
+              <a:t>Reference</a:t>
+            </a:r>
+            <a:r>
+              <a:rPr lang="en-US" altLang="zh-CN" dirty="0"/>
+              <a:t> </a:t>
+            </a:r>
+            <a:r>
+              <a:rPr lang="en-US" altLang="zh-CN" dirty="0" smtClean="0"/>
+              <a:t>[22]</a:t>
+            </a:r>
+          </a:p>
+          <a:p>
+            <a:pPr lvl="2"/>
+            <a:r>
+              <a:rPr lang="en-US" altLang="zh-CN" dirty="0" smtClean="0"/>
+              <a:t>uses a crowd-sourcing tool to obtain a non-sarcastic version of a sentence if applicable.</a:t>
+            </a:r>
+          </a:p>
+          <a:p>
+            <a:pPr lvl="2"/>
+            <a:r>
+              <a:rPr lang="en-US" altLang="zh-CN" dirty="0" smtClean="0"/>
+              <a:t>For example, “Who doesn’t love being ignored” is expected to be corrected to “Not many love being ignored.”</a:t>
+            </a:r>
+          </a:p>
+          <a:p>
+            <a:pPr lvl="1"/>
+            <a:r>
+              <a:rPr lang="en-US" altLang="zh-CN" dirty="0" smtClean="0"/>
+              <a:t>Reference </a:t>
+            </a:r>
+            <a:r>
+              <a:rPr lang="en-US" altLang="zh-CN" dirty="0"/>
+              <a:t>[48</a:t>
+            </a:r>
+            <a:r>
+              <a:rPr lang="en-US" altLang="zh-CN" dirty="0" smtClean="0"/>
+              <a:t>]</a:t>
+            </a:r>
+          </a:p>
+          <a:p>
+            <a:pPr lvl="2"/>
+            <a:r>
+              <a:rPr lang="en-US" altLang="zh-CN" dirty="0" smtClean="0"/>
+              <a:t>creates </a:t>
+            </a:r>
+            <a:r>
+              <a:rPr lang="en-US" altLang="zh-CN" dirty="0"/>
+              <a:t>a manually labeled dataset of </a:t>
+            </a:r>
+            <a:r>
+              <a:rPr lang="en-US" altLang="zh-CN" b="1" dirty="0">
+                <a:solidFill>
+                  <a:srgbClr val="FF0000"/>
+                </a:solidFill>
+              </a:rPr>
+              <a:t>quotes</a:t>
+            </a:r>
+            <a:r>
+              <a:rPr lang="en-US" altLang="zh-CN" dirty="0"/>
+              <a:t> from a website </a:t>
+            </a:r>
+            <a:r>
+              <a:rPr lang="en-US" altLang="zh-CN" dirty="0" smtClean="0"/>
+              <a:t>called </a:t>
+            </a:r>
+            <a:r>
+              <a:rPr lang="en-US" altLang="zh-CN" dirty="0" err="1" smtClean="0"/>
+              <a:t>sarcasmsociety.com</a:t>
+            </a:r>
+            <a:r>
+              <a:rPr lang="en-US" altLang="zh-CN" dirty="0" smtClean="0"/>
+              <a:t>.</a:t>
+            </a:r>
+          </a:p>
+          <a:p>
+            <a:pPr lvl="1"/>
+            <a:r>
+              <a:rPr lang="en-US" altLang="zh-CN" dirty="0" smtClean="0"/>
+              <a:t>Reference </a:t>
+            </a:r>
+            <a:r>
+              <a:rPr lang="en-US" altLang="zh-CN" dirty="0"/>
+              <a:t>[34</a:t>
+            </a:r>
+            <a:r>
+              <a:rPr lang="en-US" altLang="zh-CN" dirty="0" smtClean="0"/>
+              <a:t>]</a:t>
+            </a:r>
+          </a:p>
+          <a:p>
+            <a:pPr lvl="2"/>
+            <a:r>
+              <a:rPr lang="en-US" altLang="zh-CN" dirty="0" smtClean="0"/>
+              <a:t>creates </a:t>
+            </a:r>
+            <a:r>
+              <a:rPr lang="en-US" altLang="zh-CN" dirty="0"/>
+              <a:t>a similar dataset of </a:t>
+            </a:r>
+            <a:r>
+              <a:rPr lang="en-US" altLang="zh-CN" b="1" dirty="0">
+                <a:solidFill>
+                  <a:srgbClr val="FF0000"/>
+                </a:solidFill>
+              </a:rPr>
+              <a:t>quotes from </a:t>
+            </a:r>
+            <a:r>
+              <a:rPr lang="en-US" altLang="zh-CN" b="1" dirty="0" err="1">
+                <a:solidFill>
+                  <a:srgbClr val="FF0000"/>
+                </a:solidFill>
+              </a:rPr>
+              <a:t>GoodReads</a:t>
+            </a:r>
+            <a:r>
+              <a:rPr lang="en-US" altLang="zh-CN" dirty="0"/>
+              <a:t>, a </a:t>
+            </a:r>
+            <a:r>
+              <a:rPr lang="en-US" altLang="zh-CN" dirty="0" smtClean="0"/>
+              <a:t>book recommendation </a:t>
+            </a:r>
+            <a:r>
+              <a:rPr lang="en-US" altLang="zh-CN" dirty="0"/>
+              <a:t>website</a:t>
+            </a:r>
+            <a:r>
+              <a:rPr lang="en-US" altLang="zh-CN" dirty="0" smtClean="0"/>
+              <a:t>.</a:t>
+            </a:r>
+          </a:p>
+          <a:p>
+            <a:pPr lvl="2"/>
+            <a:r>
+              <a:rPr lang="en-US" altLang="zh-CN" dirty="0" smtClean="0"/>
+              <a:t>However</a:t>
+            </a:r>
+            <a:r>
+              <a:rPr lang="en-US" altLang="zh-CN" dirty="0"/>
+              <a:t>, in this case, they use user-determined tags to assign </a:t>
+            </a:r>
+            <a:r>
+              <a:rPr lang="en-US" altLang="zh-CN" dirty="0" smtClean="0"/>
+              <a:t>sarcasm labels</a:t>
+            </a:r>
+            <a:r>
+              <a:rPr lang="en-US" altLang="zh-CN" dirty="0"/>
+              <a:t>.</a:t>
+            </a:r>
+            <a:endParaRPr kumimoji="1" lang="zh-CN" altLang="en-US" dirty="0"/>
+          </a:p>
+        </p:txBody>
+      </p:sp>
+    </p:spTree>
+    <p:extLst>
+      <p:ext uri="{BB962C8B-B14F-4D97-AF65-F5344CB8AC3E}">
+        <p14:creationId xmlns:p14="http://schemas.microsoft.com/office/powerpoint/2010/main" val="1199852375"/>
+      </p:ext>
+    </p:extLst>
+  </p:cSld>
+  <p:clrMapOvr>
+    <a:masterClrMapping/>
+  </p:clrMapOvr>
+</p:sld>
+</file>
+
+<file path=ppt/slides/slide19.xml><?xml version="1.0" encoding="utf-8"?>
+<p:sld xmlns:a="http://schemas.openxmlformats.org/drawingml/2006/main" xmlns:r="http://schemas.openxmlformats.org/officeDocument/2006/relationships" xmlns:p="http://schemas.openxmlformats.org/presentationml/2006/main">
+  <p:cSld>
+    <p:spTree>
+      <p:nvGrpSpPr>
+        <p:cNvPr id="1" name=""/>
+        <p:cNvGrpSpPr/>
+        <p:nvPr/>
+      </p:nvGrpSpPr>
+      <p:grpSpPr>
+        <a:xfrm>
+          <a:off x="0" y="0"/>
+          <a:ext cx="0" cy="0"/>
+          <a:chOff x="0" y="0"/>
+          <a:chExt cx="0" cy="0"/>
+        </a:xfrm>
+      </p:grpSpPr>
+      <p:sp>
+        <p:nvSpPr>
+          <p:cNvPr id="2" name="标题 1"/>
+          <p:cNvSpPr>
+            <a:spLocks noGrp="1"/>
+          </p:cNvSpPr>
+          <p:nvPr>
+            <p:ph type="title"/>
+          </p:nvPr>
+        </p:nvSpPr>
+        <p:spPr/>
+        <p:txBody>
+          <a:bodyPr/>
+          <a:lstStyle/>
+          <a:p>
+            <a:r>
+              <a:rPr kumimoji="1" lang="en-US" altLang="zh-CN" dirty="0" smtClean="0"/>
+              <a:t>Approaches</a:t>
+            </a:r>
+            <a:endParaRPr kumimoji="1" lang="zh-CN" altLang="en-US" dirty="0"/>
+          </a:p>
+        </p:txBody>
+      </p:sp>
+      <p:sp>
+        <p:nvSpPr>
+          <p:cNvPr id="3" name="内容占位符 2"/>
+          <p:cNvSpPr>
+            <a:spLocks noGrp="1"/>
+          </p:cNvSpPr>
+          <p:nvPr>
+            <p:ph idx="1"/>
+          </p:nvPr>
+        </p:nvSpPr>
+        <p:spPr/>
+        <p:txBody>
+          <a:bodyPr/>
+          <a:lstStyle/>
+          <a:p>
+            <a:endParaRPr lang="en-US" altLang="zh-CN" dirty="0" smtClean="0"/>
+          </a:p>
+          <a:p>
+            <a:r>
+              <a:rPr lang="en-US" altLang="zh-CN" dirty="0" smtClean="0"/>
+              <a:t>Approaches </a:t>
+            </a:r>
+            <a:r>
+              <a:rPr lang="en-US" altLang="zh-CN" dirty="0"/>
+              <a:t>to </a:t>
+            </a:r>
+            <a:r>
+              <a:rPr lang="en-US" altLang="zh-CN" dirty="0" smtClean="0"/>
+              <a:t>sarcasm detection </a:t>
+            </a:r>
+            <a:r>
+              <a:rPr lang="en-US" altLang="zh-CN" dirty="0"/>
+              <a:t>can be classified into</a:t>
+            </a:r>
+            <a:r>
+              <a:rPr lang="en-US" altLang="zh-CN" dirty="0" smtClean="0"/>
+              <a:t>:</a:t>
+            </a:r>
+          </a:p>
+          <a:p>
+            <a:pPr lvl="1"/>
+            <a:r>
+              <a:rPr lang="en-US" altLang="zh-CN" dirty="0" smtClean="0"/>
+              <a:t>Rule-based</a:t>
+            </a:r>
+          </a:p>
+          <a:p>
+            <a:pPr lvl="1"/>
+            <a:r>
+              <a:rPr lang="en-US" altLang="zh-CN" dirty="0" smtClean="0"/>
+              <a:t>Statistical</a:t>
+            </a:r>
+          </a:p>
+          <a:p>
+            <a:pPr lvl="1"/>
+            <a:r>
+              <a:rPr lang="en-US" altLang="zh-CN" dirty="0"/>
+              <a:t>D</a:t>
+            </a:r>
+            <a:r>
+              <a:rPr lang="en-US" altLang="zh-CN" dirty="0" smtClean="0"/>
+              <a:t>eep </a:t>
+            </a:r>
+            <a:r>
+              <a:rPr lang="en-US" altLang="zh-CN" dirty="0"/>
+              <a:t>learning-based </a:t>
+            </a:r>
+            <a:r>
+              <a:rPr lang="en-US" altLang="zh-CN" dirty="0" smtClean="0"/>
+              <a:t>approaches</a:t>
+            </a:r>
+            <a:endParaRPr lang="en-US" altLang="zh-CN" dirty="0"/>
+          </a:p>
+        </p:txBody>
+      </p:sp>
+    </p:spTree>
+    <p:extLst>
+      <p:ext uri="{BB962C8B-B14F-4D97-AF65-F5344CB8AC3E}">
+        <p14:creationId xmlns:p14="http://schemas.microsoft.com/office/powerpoint/2010/main" val="738829300"/>
       </p:ext>
     </p:extLst>
   </p:cSld>
@@ -5880,6 +7569,1993 @@
     <p:extLst>
       <p:ext uri="{BB962C8B-B14F-4D97-AF65-F5344CB8AC3E}">
         <p14:creationId xmlns:p14="http://schemas.microsoft.com/office/powerpoint/2010/main" val="985388705"/>
+      </p:ext>
+    </p:extLst>
+  </p:cSld>
+  <p:clrMapOvr>
+    <a:masterClrMapping/>
+  </p:clrMapOvr>
+</p:sld>
+</file>
+
+<file path=ppt/slides/slide20.xml><?xml version="1.0" encoding="utf-8"?>
+<p:sld xmlns:a="http://schemas.openxmlformats.org/drawingml/2006/main" xmlns:r="http://schemas.openxmlformats.org/officeDocument/2006/relationships" xmlns:p="http://schemas.openxmlformats.org/presentationml/2006/main">
+  <p:cSld>
+    <p:spTree>
+      <p:nvGrpSpPr>
+        <p:cNvPr id="1" name=""/>
+        <p:cNvGrpSpPr/>
+        <p:nvPr/>
+      </p:nvGrpSpPr>
+      <p:grpSpPr>
+        <a:xfrm>
+          <a:off x="0" y="0"/>
+          <a:ext cx="0" cy="0"/>
+          <a:chOff x="0" y="0"/>
+          <a:chExt cx="0" cy="0"/>
+        </a:xfrm>
+      </p:grpSpPr>
+      <p:sp>
+        <p:nvSpPr>
+          <p:cNvPr id="2" name="标题 1"/>
+          <p:cNvSpPr>
+            <a:spLocks noGrp="1"/>
+          </p:cNvSpPr>
+          <p:nvPr>
+            <p:ph type="title"/>
+          </p:nvPr>
+        </p:nvSpPr>
+        <p:spPr/>
+        <p:txBody>
+          <a:bodyPr/>
+          <a:lstStyle/>
+          <a:p>
+            <a:r>
+              <a:rPr lang="en-US" altLang="zh-CN" dirty="0"/>
+              <a:t>Rule-Based Approaches</a:t>
+            </a:r>
+            <a:endParaRPr lang="en-US" altLang="zh-CN" dirty="0"/>
+          </a:p>
+        </p:txBody>
+      </p:sp>
+      <p:sp>
+        <p:nvSpPr>
+          <p:cNvPr id="3" name="内容占位符 2"/>
+          <p:cNvSpPr>
+            <a:spLocks noGrp="1"/>
+          </p:cNvSpPr>
+          <p:nvPr>
+            <p:ph idx="1"/>
+          </p:nvPr>
+        </p:nvSpPr>
+        <p:spPr/>
+        <p:txBody>
+          <a:bodyPr>
+            <a:normAutofit fontScale="92500" lnSpcReduction="10000"/>
+          </a:bodyPr>
+          <a:lstStyle/>
+          <a:p>
+            <a:r>
+              <a:rPr lang="en-US" altLang="zh-CN" dirty="0" smtClean="0"/>
+              <a:t>Attempt </a:t>
+            </a:r>
+            <a:r>
+              <a:rPr lang="en-US" altLang="zh-CN" dirty="0"/>
+              <a:t>to identify sarcasm through specific </a:t>
+            </a:r>
+            <a:r>
+              <a:rPr lang="en-US" altLang="zh-CN" dirty="0" smtClean="0"/>
+              <a:t>evidence ( </a:t>
+            </a:r>
+            <a:r>
+              <a:rPr lang="en-US" altLang="zh-CN" b="1" dirty="0">
+                <a:solidFill>
+                  <a:srgbClr val="FF0000"/>
+                </a:solidFill>
+              </a:rPr>
+              <a:t>indicators</a:t>
+            </a:r>
+            <a:r>
+              <a:rPr lang="en-US" altLang="zh-CN" dirty="0"/>
+              <a:t> of </a:t>
+            </a:r>
+            <a:r>
+              <a:rPr lang="en-US" altLang="zh-CN" dirty="0" smtClean="0"/>
+              <a:t>sarcasm )</a:t>
+            </a:r>
+          </a:p>
+          <a:p>
+            <a:pPr lvl="1"/>
+            <a:r>
+              <a:rPr lang="en-US" altLang="zh-CN" dirty="0" smtClean="0"/>
+              <a:t>Reference [69]</a:t>
+            </a:r>
+          </a:p>
+          <a:p>
+            <a:pPr lvl="2"/>
+            <a:r>
+              <a:rPr lang="en-US" altLang="zh-CN" dirty="0" smtClean="0"/>
+              <a:t>Identifies sarcasm in </a:t>
+            </a:r>
+            <a:r>
+              <a:rPr lang="en-US" altLang="zh-CN" b="1" dirty="0" smtClean="0">
+                <a:solidFill>
+                  <a:srgbClr val="FF0000"/>
+                </a:solidFill>
+              </a:rPr>
+              <a:t>similes</a:t>
+            </a:r>
+            <a:r>
+              <a:rPr lang="en-US" altLang="zh-CN" dirty="0" smtClean="0"/>
+              <a:t> using </a:t>
+            </a:r>
+            <a:r>
+              <a:rPr lang="en-US" altLang="zh-CN" b="1" dirty="0" smtClean="0">
+                <a:solidFill>
+                  <a:srgbClr val="FF0000"/>
+                </a:solidFill>
+              </a:rPr>
+              <a:t>Google searches </a:t>
+            </a:r>
+            <a:r>
+              <a:rPr lang="en-US" altLang="zh-CN" dirty="0" smtClean="0"/>
+              <a:t>to determine how likely a simile is.</a:t>
+            </a:r>
+          </a:p>
+          <a:p>
+            <a:pPr lvl="2"/>
+            <a:r>
+              <a:rPr lang="en-US" altLang="zh-CN" dirty="0"/>
+              <a:t>P</a:t>
+            </a:r>
+            <a:r>
+              <a:rPr lang="en-US" altLang="zh-CN" dirty="0" smtClean="0"/>
+              <a:t>resent a nine-step approach where at each step/rule, a simile is validated as non-sarcastic using the number of search results.</a:t>
+            </a:r>
+          </a:p>
+          <a:p>
+            <a:pPr lvl="1"/>
+            <a:r>
+              <a:rPr lang="en-US" altLang="zh-CN" dirty="0" smtClean="0"/>
+              <a:t>Reference [47]</a:t>
+            </a:r>
+          </a:p>
+          <a:p>
+            <a:pPr lvl="2"/>
+            <a:r>
+              <a:rPr lang="en-US" altLang="zh-CN" dirty="0" smtClean="0"/>
+              <a:t>Proposes that </a:t>
+            </a:r>
+            <a:r>
+              <a:rPr lang="en-US" altLang="zh-CN" b="1" dirty="0" smtClean="0">
+                <a:solidFill>
+                  <a:srgbClr val="FF0000"/>
+                </a:solidFill>
+              </a:rPr>
+              <a:t>hashtag sentiment</a:t>
+            </a:r>
+            <a:r>
+              <a:rPr lang="en-US" altLang="zh-CN" dirty="0" smtClean="0"/>
+              <a:t> is a key indicator of sarcasm.</a:t>
+            </a:r>
+          </a:p>
+          <a:p>
+            <a:pPr lvl="2"/>
+            <a:r>
+              <a:rPr lang="en-US" altLang="zh-CN" dirty="0" smtClean="0"/>
+              <a:t>Hashtags are often used by tweet authors to highlight sarcasm, and hence, if the sentiment expressed by a hashtag does not </a:t>
+            </a:r>
+            <a:r>
+              <a:rPr lang="en-US" altLang="zh-CN" b="1" dirty="0" smtClean="0">
+                <a:solidFill>
+                  <a:srgbClr val="FF0000"/>
+                </a:solidFill>
+              </a:rPr>
+              <a:t>agree with rest of the tweet</a:t>
+            </a:r>
+            <a:r>
+              <a:rPr lang="en-US" altLang="zh-CN" dirty="0" smtClean="0"/>
+              <a:t>, the tweet is predicted as sarcastic.</a:t>
+            </a:r>
+          </a:p>
+          <a:p>
+            <a:pPr lvl="1"/>
+            <a:r>
+              <a:rPr lang="en-US" altLang="zh-CN" dirty="0" smtClean="0"/>
+              <a:t>Reference [6]</a:t>
+            </a:r>
+          </a:p>
+          <a:p>
+            <a:pPr lvl="2"/>
+            <a:r>
+              <a:rPr lang="en-US" altLang="zh-CN" dirty="0" smtClean="0"/>
+              <a:t>The first algorithm uses a parse-based lexicon generation algorithm that creates parse trees of sentences and identifies </a:t>
+            </a:r>
+            <a:r>
+              <a:rPr lang="en-US" altLang="zh-CN" b="1" dirty="0" smtClean="0">
+                <a:solidFill>
+                  <a:srgbClr val="FF0000"/>
+                </a:solidFill>
+              </a:rPr>
+              <a:t>situation phrases that bear sentiment</a:t>
+            </a:r>
+            <a:r>
+              <a:rPr lang="en-US" altLang="zh-CN" dirty="0" smtClean="0"/>
+              <a:t>.</a:t>
+            </a:r>
+          </a:p>
+          <a:p>
+            <a:pPr lvl="3"/>
+            <a:r>
+              <a:rPr lang="en-US" altLang="zh-CN" dirty="0" smtClean="0"/>
+              <a:t>If a negative phrase occurs in a positive sentence, then the sentence is predicted as sarcastic. </a:t>
+            </a:r>
+          </a:p>
+          <a:p>
+            <a:pPr lvl="2"/>
+            <a:r>
+              <a:rPr lang="en-US" altLang="zh-CN" dirty="0" smtClean="0"/>
+              <a:t>The second algorithm aims to capture </a:t>
+            </a:r>
+            <a:r>
+              <a:rPr lang="en-US" altLang="zh-CN" b="1" dirty="0" smtClean="0">
+                <a:solidFill>
+                  <a:srgbClr val="FF0000"/>
+                </a:solidFill>
+              </a:rPr>
+              <a:t>hyperbolic sarcasm</a:t>
+            </a:r>
+            <a:r>
+              <a:rPr lang="en-US" altLang="zh-CN" dirty="0" smtClean="0"/>
+              <a:t> </a:t>
+            </a:r>
+          </a:p>
+          <a:p>
+            <a:pPr lvl="3"/>
+            <a:r>
+              <a:rPr lang="en-US" altLang="zh-CN" dirty="0" smtClean="0"/>
+              <a:t>i.e., by using interjections (such as “wow” ) and intensifiers (such as “absolutely”) that occur together.</a:t>
+            </a:r>
+          </a:p>
+          <a:p>
+            <a:pPr lvl="1"/>
+            <a:r>
+              <a:rPr lang="en-US" altLang="zh-CN" dirty="0" smtClean="0"/>
+              <a:t>Reference [60]</a:t>
+            </a:r>
+          </a:p>
+          <a:p>
+            <a:pPr lvl="2"/>
+            <a:r>
+              <a:rPr lang="en-US" altLang="zh-CN" dirty="0" smtClean="0"/>
+              <a:t>Look for a </a:t>
+            </a:r>
+            <a:r>
+              <a:rPr lang="en-US" altLang="zh-CN" b="1" dirty="0" smtClean="0">
+                <a:solidFill>
+                  <a:srgbClr val="FF0000"/>
+                </a:solidFill>
+              </a:rPr>
+              <a:t>positive verb </a:t>
+            </a:r>
+            <a:r>
+              <a:rPr lang="en-US" altLang="zh-CN" dirty="0" smtClean="0"/>
+              <a:t>and a </a:t>
+            </a:r>
+            <a:r>
+              <a:rPr lang="en-US" altLang="zh-CN" b="1" dirty="0" smtClean="0">
+                <a:solidFill>
+                  <a:srgbClr val="FF0000"/>
+                </a:solidFill>
+              </a:rPr>
+              <a:t>negative situation </a:t>
+            </a:r>
+            <a:r>
+              <a:rPr lang="en-US" altLang="zh-CN" dirty="0" smtClean="0"/>
+              <a:t>phrase in a sentence</a:t>
+            </a:r>
+            <a:endParaRPr kumimoji="1" lang="zh-CN" altLang="en-US" dirty="0"/>
+          </a:p>
+        </p:txBody>
+      </p:sp>
+    </p:spTree>
+    <p:extLst>
+      <p:ext uri="{BB962C8B-B14F-4D97-AF65-F5344CB8AC3E}">
+        <p14:creationId xmlns:p14="http://schemas.microsoft.com/office/powerpoint/2010/main" val="1620767682"/>
+      </p:ext>
+    </p:extLst>
+  </p:cSld>
+  <p:clrMapOvr>
+    <a:masterClrMapping/>
+  </p:clrMapOvr>
+</p:sld>
+</file>
+
+<file path=ppt/slides/slide21.xml><?xml version="1.0" encoding="utf-8"?>
+<p:sld xmlns:a="http://schemas.openxmlformats.org/drawingml/2006/main" xmlns:r="http://schemas.openxmlformats.org/officeDocument/2006/relationships" xmlns:p="http://schemas.openxmlformats.org/presentationml/2006/main">
+  <p:cSld>
+    <p:spTree>
+      <p:nvGrpSpPr>
+        <p:cNvPr id="1" name=""/>
+        <p:cNvGrpSpPr/>
+        <p:nvPr/>
+      </p:nvGrpSpPr>
+      <p:grpSpPr>
+        <a:xfrm>
+          <a:off x="0" y="0"/>
+          <a:ext cx="0" cy="0"/>
+          <a:chOff x="0" y="0"/>
+          <a:chExt cx="0" cy="0"/>
+        </a:xfrm>
+      </p:grpSpPr>
+      <p:sp>
+        <p:nvSpPr>
+          <p:cNvPr id="2" name="标题 1"/>
+          <p:cNvSpPr>
+            <a:spLocks noGrp="1"/>
+          </p:cNvSpPr>
+          <p:nvPr>
+            <p:ph type="title"/>
+          </p:nvPr>
+        </p:nvSpPr>
+        <p:spPr/>
+        <p:txBody>
+          <a:bodyPr/>
+          <a:lstStyle/>
+          <a:p>
+            <a:r>
+              <a:rPr kumimoji="1" lang="en-US" altLang="zh-CN" dirty="0" smtClean="0"/>
+              <a:t>Feature Sets</a:t>
+            </a:r>
+            <a:endParaRPr kumimoji="1" lang="zh-CN" altLang="en-US" dirty="0"/>
+          </a:p>
+        </p:txBody>
+      </p:sp>
+      <p:pic>
+        <p:nvPicPr>
+          <p:cNvPr id="5" name="图片 4"/>
+          <p:cNvPicPr>
+            <a:picLocks noChangeAspect="1"/>
+          </p:cNvPicPr>
+          <p:nvPr/>
+        </p:nvPicPr>
+        <p:blipFill>
+          <a:blip r:embed="rId2">
+            <a:extLst>
+              <a:ext uri="{28A0092B-C50C-407E-A947-70E740481C1C}">
+                <a14:useLocalDpi xmlns:a14="http://schemas.microsoft.com/office/drawing/2010/main" val="0"/>
+              </a:ext>
+            </a:extLst>
+          </a:blip>
+          <a:stretch>
+            <a:fillRect/>
+          </a:stretch>
+        </p:blipFill>
+        <p:spPr>
+          <a:xfrm>
+            <a:off x="3145437" y="1828527"/>
+            <a:ext cx="6195333" cy="4466653"/>
+          </a:xfrm>
+          <a:prstGeom prst="rect">
+            <a:avLst/>
+          </a:prstGeom>
+        </p:spPr>
+      </p:pic>
+    </p:spTree>
+    <p:extLst>
+      <p:ext uri="{BB962C8B-B14F-4D97-AF65-F5344CB8AC3E}">
+        <p14:creationId xmlns:p14="http://schemas.microsoft.com/office/powerpoint/2010/main" val="463909346"/>
+      </p:ext>
+    </p:extLst>
+  </p:cSld>
+  <p:clrMapOvr>
+    <a:masterClrMapping/>
+  </p:clrMapOvr>
+</p:sld>
+</file>
+
+<file path=ppt/slides/slide22.xml><?xml version="1.0" encoding="utf-8"?>
+<p:sld xmlns:a="http://schemas.openxmlformats.org/drawingml/2006/main" xmlns:r="http://schemas.openxmlformats.org/officeDocument/2006/relationships" xmlns:p="http://schemas.openxmlformats.org/presentationml/2006/main">
+  <p:cSld>
+    <p:spTree>
+      <p:nvGrpSpPr>
+        <p:cNvPr id="1" name=""/>
+        <p:cNvGrpSpPr/>
+        <p:nvPr/>
+      </p:nvGrpSpPr>
+      <p:grpSpPr>
+        <a:xfrm>
+          <a:off x="0" y="0"/>
+          <a:ext cx="0" cy="0"/>
+          <a:chOff x="0" y="0"/>
+          <a:chExt cx="0" cy="0"/>
+        </a:xfrm>
+      </p:grpSpPr>
+      <p:sp>
+        <p:nvSpPr>
+          <p:cNvPr id="2" name="标题 1"/>
+          <p:cNvSpPr>
+            <a:spLocks noGrp="1"/>
+          </p:cNvSpPr>
+          <p:nvPr>
+            <p:ph type="title"/>
+          </p:nvPr>
+        </p:nvSpPr>
+        <p:spPr/>
+        <p:txBody>
+          <a:bodyPr/>
+          <a:lstStyle/>
+          <a:p>
+            <a:r>
+              <a:rPr lang="en-US" altLang="zh-CN" dirty="0"/>
+              <a:t>Learning Algorithms</a:t>
+            </a:r>
+            <a:endParaRPr lang="en-US" altLang="zh-CN" dirty="0"/>
+          </a:p>
+        </p:txBody>
+      </p:sp>
+      <p:sp>
+        <p:nvSpPr>
+          <p:cNvPr id="3" name="内容占位符 2"/>
+          <p:cNvSpPr>
+            <a:spLocks noGrp="1"/>
+          </p:cNvSpPr>
+          <p:nvPr>
+            <p:ph idx="1"/>
+          </p:nvPr>
+        </p:nvSpPr>
+        <p:spPr/>
+        <p:txBody>
+          <a:bodyPr>
+            <a:normAutofit fontScale="92500" lnSpcReduction="10000"/>
+          </a:bodyPr>
+          <a:lstStyle/>
+          <a:p>
+            <a:pPr lvl="1"/>
+            <a:r>
+              <a:rPr lang="en-US" altLang="zh-CN" dirty="0" smtClean="0"/>
+              <a:t>Most </a:t>
+            </a:r>
+            <a:r>
+              <a:rPr lang="en-US" altLang="zh-CN" dirty="0"/>
+              <a:t>work </a:t>
+            </a:r>
+            <a:r>
+              <a:rPr lang="en-US" altLang="zh-CN" dirty="0" smtClean="0"/>
+              <a:t>use </a:t>
+            </a:r>
+            <a:r>
+              <a:rPr lang="en-US" altLang="zh-CN" dirty="0"/>
+              <a:t>different forms of Support Vector </a:t>
+            </a:r>
+            <a:r>
+              <a:rPr lang="en-US" altLang="zh-CN" dirty="0" smtClean="0"/>
+              <a:t>Machines (</a:t>
+            </a:r>
+            <a:r>
+              <a:rPr lang="en-US" altLang="zh-CN" b="1" dirty="0" smtClean="0">
+                <a:solidFill>
+                  <a:srgbClr val="FF0000"/>
+                </a:solidFill>
+              </a:rPr>
+              <a:t>SVM</a:t>
+            </a:r>
+            <a:r>
+              <a:rPr lang="en-US" altLang="zh-CN" dirty="0"/>
+              <a:t>) [13, 32, 38, 56, 67, 68</a:t>
+            </a:r>
+            <a:r>
+              <a:rPr lang="en-US" altLang="zh-CN" dirty="0" smtClean="0"/>
+              <a:t>]</a:t>
+            </a:r>
+          </a:p>
+          <a:p>
+            <a:pPr lvl="1"/>
+            <a:r>
+              <a:rPr lang="en-US" altLang="zh-CN" dirty="0"/>
+              <a:t>Reference [34</a:t>
+            </a:r>
+            <a:r>
+              <a:rPr lang="en-US" altLang="zh-CN" dirty="0" smtClean="0"/>
+              <a:t>] uses </a:t>
+            </a:r>
+            <a:r>
+              <a:rPr lang="en-US" altLang="zh-CN" b="1" dirty="0" smtClean="0">
+                <a:solidFill>
+                  <a:srgbClr val="FF0000"/>
+                </a:solidFill>
+              </a:rPr>
+              <a:t>SVM-Perf</a:t>
+            </a:r>
+          </a:p>
+          <a:p>
+            <a:pPr lvl="1"/>
+            <a:r>
+              <a:rPr lang="en-US" altLang="zh-CN" dirty="0" smtClean="0"/>
+              <a:t>Reference </a:t>
+            </a:r>
+            <a:r>
+              <a:rPr lang="en-US" altLang="zh-CN" dirty="0"/>
+              <a:t>[26] </a:t>
+            </a:r>
+            <a:r>
+              <a:rPr lang="en-US" altLang="zh-CN" dirty="0" smtClean="0"/>
+              <a:t>uses SVM </a:t>
+            </a:r>
+            <a:r>
+              <a:rPr lang="en-US" altLang="zh-CN" dirty="0"/>
+              <a:t>and </a:t>
+            </a:r>
+            <a:r>
+              <a:rPr lang="en-US" altLang="zh-CN" b="1" dirty="0">
+                <a:solidFill>
+                  <a:srgbClr val="FF0000"/>
+                </a:solidFill>
+              </a:rPr>
+              <a:t>Logistic Regression</a:t>
+            </a:r>
+            <a:r>
+              <a:rPr lang="en-US" altLang="zh-CN" dirty="0"/>
+              <a:t>, with the </a:t>
+            </a:r>
+            <a:r>
+              <a:rPr lang="en-US" altLang="zh-CN" b="1" dirty="0">
+                <a:solidFill>
+                  <a:srgbClr val="FF0000"/>
+                </a:solidFill>
+              </a:rPr>
+              <a:t>χ2 test </a:t>
+            </a:r>
+            <a:r>
+              <a:rPr lang="en-US" altLang="zh-CN" dirty="0"/>
+              <a:t>used to </a:t>
+            </a:r>
+            <a:r>
+              <a:rPr lang="en-US" altLang="zh-CN" b="1" dirty="0">
+                <a:solidFill>
+                  <a:srgbClr val="FF0000"/>
+                </a:solidFill>
+              </a:rPr>
+              <a:t>identify discriminating features</a:t>
+            </a:r>
+            <a:r>
+              <a:rPr lang="en-US" altLang="zh-CN" dirty="0" smtClean="0"/>
+              <a:t>.</a:t>
+            </a:r>
+          </a:p>
+          <a:p>
+            <a:pPr lvl="1"/>
+            <a:r>
+              <a:rPr lang="en-US" altLang="zh-CN" dirty="0" smtClean="0"/>
+              <a:t>Reference</a:t>
+            </a:r>
+            <a:r>
+              <a:rPr lang="en-US" altLang="zh-CN" dirty="0"/>
+              <a:t> </a:t>
+            </a:r>
+            <a:r>
+              <a:rPr lang="en-US" altLang="zh-CN" dirty="0" smtClean="0"/>
+              <a:t>[60</a:t>
+            </a:r>
+            <a:r>
+              <a:rPr lang="en-US" altLang="zh-CN" dirty="0"/>
+              <a:t>] compares rule-based techniques with a SVM-based classifier</a:t>
+            </a:r>
+            <a:r>
+              <a:rPr lang="en-US" altLang="zh-CN" dirty="0" smtClean="0"/>
+              <a:t>.</a:t>
+            </a:r>
+          </a:p>
+          <a:p>
+            <a:pPr lvl="1"/>
+            <a:r>
+              <a:rPr lang="en-US" altLang="zh-CN" dirty="0" smtClean="0"/>
+              <a:t>Reference </a:t>
+            </a:r>
+            <a:r>
+              <a:rPr lang="en-US" altLang="zh-CN" dirty="0"/>
+              <a:t>[41] uses the </a:t>
+            </a:r>
+            <a:r>
+              <a:rPr lang="en-US" altLang="zh-CN" b="1" dirty="0" smtClean="0">
+                <a:solidFill>
+                  <a:srgbClr val="FF0000"/>
+                </a:solidFill>
+              </a:rPr>
+              <a:t>balanced winnow </a:t>
+            </a:r>
+            <a:r>
+              <a:rPr lang="en-US" altLang="zh-CN" b="1" dirty="0">
+                <a:solidFill>
+                  <a:srgbClr val="FF0000"/>
+                </a:solidFill>
+              </a:rPr>
+              <a:t>algorithm </a:t>
+            </a:r>
+            <a:r>
+              <a:rPr lang="en-US" altLang="zh-CN" dirty="0"/>
+              <a:t>to determine high-ranking features</a:t>
+            </a:r>
+            <a:r>
+              <a:rPr lang="en-US" altLang="zh-CN" dirty="0" smtClean="0"/>
+              <a:t>.</a:t>
+            </a:r>
+          </a:p>
+          <a:p>
+            <a:pPr lvl="1"/>
+            <a:r>
+              <a:rPr lang="en-US" altLang="zh-CN" dirty="0" smtClean="0"/>
+              <a:t>Reference </a:t>
+            </a:r>
+            <a:r>
+              <a:rPr lang="en-US" altLang="zh-CN" dirty="0"/>
+              <a:t>[59] uses </a:t>
+            </a:r>
+            <a:r>
+              <a:rPr lang="en-US" altLang="zh-CN" b="1" dirty="0">
+                <a:solidFill>
+                  <a:srgbClr val="FF0000"/>
+                </a:solidFill>
+              </a:rPr>
+              <a:t>Naive Bayes</a:t>
+            </a:r>
+            <a:r>
+              <a:rPr lang="en-US" altLang="zh-CN" dirty="0"/>
+              <a:t> and </a:t>
+            </a:r>
+            <a:r>
+              <a:rPr lang="en-US" altLang="zh-CN" b="1" dirty="0" smtClean="0">
+                <a:solidFill>
+                  <a:srgbClr val="FF0000"/>
+                </a:solidFill>
+              </a:rPr>
+              <a:t>Decision Trees </a:t>
+            </a:r>
+            <a:r>
+              <a:rPr lang="en-US" altLang="zh-CN" dirty="0"/>
+              <a:t>for multiple pairs of labels among irony, humor, politics and education</a:t>
+            </a:r>
+            <a:r>
+              <a:rPr lang="en-US" altLang="zh-CN" dirty="0" smtClean="0"/>
+              <a:t>.</a:t>
+            </a:r>
+          </a:p>
+          <a:p>
+            <a:pPr lvl="1"/>
+            <a:r>
+              <a:rPr lang="en-US" altLang="zh-CN" dirty="0" smtClean="0"/>
+              <a:t>Reference </a:t>
+            </a:r>
+            <a:r>
+              <a:rPr lang="en-US" altLang="zh-CN" dirty="0"/>
+              <a:t>[</a:t>
+            </a:r>
+            <a:r>
+              <a:rPr lang="en-US" altLang="zh-CN" dirty="0" smtClean="0"/>
+              <a:t>2] uses </a:t>
+            </a:r>
+            <a:r>
+              <a:rPr lang="en-US" altLang="zh-CN" b="1" dirty="0">
+                <a:solidFill>
+                  <a:srgbClr val="FF0000"/>
+                </a:solidFill>
+              </a:rPr>
+              <a:t>binary Logistic Regression</a:t>
+            </a:r>
+            <a:r>
+              <a:rPr lang="en-US" altLang="zh-CN" dirty="0" smtClean="0"/>
+              <a:t>.</a:t>
+            </a:r>
+          </a:p>
+          <a:p>
+            <a:pPr lvl="1"/>
+            <a:r>
+              <a:rPr lang="en-US" altLang="zh-CN" dirty="0" smtClean="0"/>
+              <a:t>Reference </a:t>
+            </a:r>
+            <a:r>
+              <a:rPr lang="en-US" altLang="zh-CN" dirty="0"/>
+              <a:t>[75] uses </a:t>
+            </a:r>
+            <a:r>
+              <a:rPr lang="en-US" altLang="zh-CN" b="1" dirty="0">
+                <a:solidFill>
+                  <a:srgbClr val="FF0000"/>
+                </a:solidFill>
+              </a:rPr>
+              <a:t>SVM-HMM</a:t>
+            </a:r>
+            <a:r>
+              <a:rPr lang="en-US" altLang="zh-CN" dirty="0"/>
+              <a:t> to incorporate </a:t>
+            </a:r>
+            <a:r>
+              <a:rPr lang="en-US" altLang="zh-CN" b="1" dirty="0">
+                <a:solidFill>
+                  <a:srgbClr val="FF0000"/>
+                </a:solidFill>
+              </a:rPr>
+              <a:t>sequence</a:t>
+            </a:r>
+            <a:r>
+              <a:rPr lang="en-US" altLang="zh-CN" dirty="0"/>
+              <a:t> </a:t>
+            </a:r>
+            <a:r>
+              <a:rPr lang="en-US" altLang="zh-CN" dirty="0" smtClean="0"/>
+              <a:t>nature of </a:t>
+            </a:r>
+            <a:r>
+              <a:rPr lang="en-US" altLang="zh-CN" dirty="0"/>
+              <a:t>output labels in a conversation</a:t>
+            </a:r>
+            <a:r>
+              <a:rPr lang="en-US" altLang="zh-CN" dirty="0" smtClean="0"/>
+              <a:t>.</a:t>
+            </a:r>
+          </a:p>
+          <a:p>
+            <a:pPr lvl="1"/>
+            <a:r>
+              <a:rPr lang="en-US" altLang="zh-CN" dirty="0" smtClean="0"/>
+              <a:t>Reference </a:t>
+            </a:r>
+            <a:r>
+              <a:rPr lang="en-US" altLang="zh-CN" dirty="0"/>
+              <a:t>[33] validates that for </a:t>
+            </a:r>
+            <a:r>
+              <a:rPr lang="en-US" altLang="zh-CN" b="1" dirty="0">
+                <a:solidFill>
+                  <a:srgbClr val="FF0000"/>
+                </a:solidFill>
+              </a:rPr>
+              <a:t>conversational </a:t>
+            </a:r>
+            <a:r>
+              <a:rPr lang="en-US" altLang="zh-CN" b="1" dirty="0" smtClean="0">
+                <a:solidFill>
+                  <a:srgbClr val="FF0000"/>
+                </a:solidFill>
+              </a:rPr>
+              <a:t>data</a:t>
+            </a:r>
+            <a:r>
+              <a:rPr lang="en-US" altLang="zh-CN" dirty="0" smtClean="0"/>
+              <a:t>, sequence </a:t>
+            </a:r>
+            <a:r>
+              <a:rPr lang="en-US" altLang="zh-CN" dirty="0"/>
+              <a:t>labeling algorithms perform better than classification algorithms</a:t>
+            </a:r>
+            <a:r>
+              <a:rPr lang="en-US" altLang="zh-CN" dirty="0" smtClean="0"/>
+              <a:t>.</a:t>
+            </a:r>
+          </a:p>
+          <a:p>
+            <a:pPr lvl="2"/>
+            <a:r>
+              <a:rPr lang="en-US" altLang="zh-CN" dirty="0" smtClean="0"/>
+              <a:t>They </a:t>
+            </a:r>
+            <a:r>
+              <a:rPr lang="en-US" altLang="zh-CN" dirty="0"/>
+              <a:t>use </a:t>
+            </a:r>
+            <a:r>
+              <a:rPr lang="en-US" altLang="zh-CN" b="1" dirty="0" smtClean="0">
+                <a:solidFill>
+                  <a:srgbClr val="FF0000"/>
+                </a:solidFill>
+              </a:rPr>
+              <a:t>SVM-HMM and </a:t>
+            </a:r>
+            <a:r>
+              <a:rPr lang="en-US" altLang="zh-CN" b="1" dirty="0">
+                <a:solidFill>
+                  <a:srgbClr val="FF0000"/>
+                </a:solidFill>
+              </a:rPr>
+              <a:t>SEARN </a:t>
+            </a:r>
+            <a:r>
+              <a:rPr lang="en-US" altLang="zh-CN" dirty="0"/>
+              <a:t>as the sequence labeling algorithms</a:t>
+            </a:r>
+            <a:r>
+              <a:rPr lang="en-US" altLang="zh-CN" dirty="0" smtClean="0"/>
+              <a:t>.</a:t>
+            </a:r>
+          </a:p>
+          <a:p>
+            <a:pPr lvl="1"/>
+            <a:r>
+              <a:rPr lang="en-US" altLang="zh-CN" dirty="0" smtClean="0"/>
+              <a:t>Reference </a:t>
+            </a:r>
+            <a:r>
+              <a:rPr lang="en-US" altLang="zh-CN" dirty="0"/>
+              <a:t>[43] compare several </a:t>
+            </a:r>
+            <a:r>
+              <a:rPr lang="en-US" altLang="zh-CN" b="1" dirty="0" smtClean="0">
+                <a:solidFill>
+                  <a:srgbClr val="FF0000"/>
+                </a:solidFill>
+              </a:rPr>
+              <a:t>ensemble</a:t>
+            </a:r>
+            <a:r>
+              <a:rPr lang="en-US" altLang="zh-CN" dirty="0" smtClean="0">
+                <a:solidFill>
+                  <a:srgbClr val="40403D"/>
+                </a:solidFill>
+              </a:rPr>
+              <a:t>-based classification </a:t>
+            </a:r>
+            <a:r>
+              <a:rPr lang="en-US" altLang="zh-CN" dirty="0"/>
+              <a:t>approaches including </a:t>
+            </a:r>
+            <a:r>
+              <a:rPr lang="en-US" altLang="zh-CN" b="1" dirty="0">
+                <a:solidFill>
+                  <a:srgbClr val="FF0000"/>
+                </a:solidFill>
+              </a:rPr>
+              <a:t>Bagging, Boosting</a:t>
+            </a:r>
+            <a:r>
+              <a:rPr lang="en-US" altLang="zh-CN" dirty="0"/>
+              <a:t>, and so </a:t>
+            </a:r>
+            <a:r>
+              <a:rPr lang="en-US" altLang="zh-CN" dirty="0" smtClean="0"/>
+              <a:t>on.</a:t>
+            </a:r>
+            <a:endParaRPr lang="en-US" altLang="zh-CN" dirty="0"/>
+          </a:p>
+          <a:p>
+            <a:pPr lvl="1"/>
+            <a:r>
+              <a:rPr lang="en-US" altLang="zh-CN" dirty="0" smtClean="0"/>
+              <a:t>Reference </a:t>
+            </a:r>
+            <a:r>
+              <a:rPr lang="en-US" altLang="zh-CN" dirty="0"/>
+              <a:t>[49] uses </a:t>
+            </a:r>
+            <a:r>
+              <a:rPr lang="en-US" altLang="zh-CN" b="1" dirty="0">
+                <a:solidFill>
+                  <a:srgbClr val="FF0000"/>
+                </a:solidFill>
+              </a:rPr>
+              <a:t>fuzzy Clustering</a:t>
+            </a:r>
+            <a:r>
+              <a:rPr lang="en-US" altLang="zh-CN" dirty="0"/>
+              <a:t> for sarcasm detection.</a:t>
+            </a:r>
+            <a:endParaRPr kumimoji="1" lang="zh-CN" altLang="en-US" dirty="0"/>
+          </a:p>
+        </p:txBody>
+      </p:sp>
+    </p:spTree>
+    <p:extLst>
+      <p:ext uri="{BB962C8B-B14F-4D97-AF65-F5344CB8AC3E}">
+        <p14:creationId xmlns:p14="http://schemas.microsoft.com/office/powerpoint/2010/main" val="418067800"/>
+      </p:ext>
+    </p:extLst>
+  </p:cSld>
+  <p:clrMapOvr>
+    <a:masterClrMapping/>
+  </p:clrMapOvr>
+</p:sld>
+</file>
+
+<file path=ppt/slides/slide23.xml><?xml version="1.0" encoding="utf-8"?>
+<p:sld xmlns:a="http://schemas.openxmlformats.org/drawingml/2006/main" xmlns:r="http://schemas.openxmlformats.org/officeDocument/2006/relationships" xmlns:p="http://schemas.openxmlformats.org/presentationml/2006/main">
+  <p:cSld>
+    <p:spTree>
+      <p:nvGrpSpPr>
+        <p:cNvPr id="1" name=""/>
+        <p:cNvGrpSpPr/>
+        <p:nvPr/>
+      </p:nvGrpSpPr>
+      <p:grpSpPr>
+        <a:xfrm>
+          <a:off x="0" y="0"/>
+          <a:ext cx="0" cy="0"/>
+          <a:chOff x="0" y="0"/>
+          <a:chExt cx="0" cy="0"/>
+        </a:xfrm>
+      </p:grpSpPr>
+      <p:sp>
+        <p:nvSpPr>
+          <p:cNvPr id="2" name="标题 1"/>
+          <p:cNvSpPr>
+            <a:spLocks noGrp="1"/>
+          </p:cNvSpPr>
+          <p:nvPr>
+            <p:ph type="title"/>
+          </p:nvPr>
+        </p:nvSpPr>
+        <p:spPr/>
+        <p:txBody>
+          <a:bodyPr/>
+          <a:lstStyle/>
+          <a:p>
+            <a:r>
+              <a:rPr lang="en-US" altLang="zh-CN" dirty="0"/>
+              <a:t>Deep Learning-Based </a:t>
+            </a:r>
+            <a:r>
+              <a:rPr lang="en-US" altLang="zh-CN" dirty="0" smtClean="0"/>
+              <a:t>Approaches</a:t>
+            </a:r>
+            <a:endParaRPr kumimoji="1" lang="zh-CN" altLang="en-US" dirty="0"/>
+          </a:p>
+        </p:txBody>
+      </p:sp>
+      <p:sp>
+        <p:nvSpPr>
+          <p:cNvPr id="3" name="内容占位符 2"/>
+          <p:cNvSpPr>
+            <a:spLocks noGrp="1"/>
+          </p:cNvSpPr>
+          <p:nvPr>
+            <p:ph idx="1"/>
+          </p:nvPr>
+        </p:nvSpPr>
+        <p:spPr/>
+        <p:txBody>
+          <a:bodyPr>
+            <a:normAutofit/>
+          </a:bodyPr>
+          <a:lstStyle/>
+          <a:p>
+            <a:pPr lvl="1"/>
+            <a:endParaRPr lang="en-US" altLang="zh-CN" dirty="0" smtClean="0"/>
+          </a:p>
+          <a:p>
+            <a:pPr lvl="1"/>
+            <a:r>
+              <a:rPr lang="en-US" altLang="zh-CN" dirty="0" smtClean="0"/>
+              <a:t>Reference </a:t>
+            </a:r>
+            <a:r>
+              <a:rPr lang="en-US" altLang="zh-CN" dirty="0"/>
+              <a:t>[34] uses </a:t>
+            </a:r>
+            <a:r>
+              <a:rPr lang="en-US" altLang="zh-CN" b="1" dirty="0">
+                <a:solidFill>
+                  <a:srgbClr val="FF0000"/>
+                </a:solidFill>
+              </a:rPr>
+              <a:t>similarity</a:t>
+            </a:r>
+            <a:r>
+              <a:rPr lang="en-US" altLang="zh-CN" dirty="0"/>
+              <a:t> between </a:t>
+            </a:r>
+            <a:r>
+              <a:rPr lang="en-US" altLang="zh-CN" b="1" dirty="0">
+                <a:solidFill>
+                  <a:srgbClr val="FF0000"/>
+                </a:solidFill>
+              </a:rPr>
+              <a:t>word </a:t>
+            </a:r>
+            <a:r>
+              <a:rPr lang="en-US" altLang="zh-CN" b="1" dirty="0" err="1">
+                <a:solidFill>
+                  <a:srgbClr val="FF0000"/>
+                </a:solidFill>
+              </a:rPr>
+              <a:t>embeddings</a:t>
+            </a:r>
+            <a:r>
+              <a:rPr lang="en-US" altLang="zh-CN" dirty="0"/>
+              <a:t> as features for </a:t>
+            </a:r>
+            <a:r>
+              <a:rPr lang="en-US" altLang="zh-CN" dirty="0" smtClean="0"/>
+              <a:t>sarcasm</a:t>
+            </a:r>
+            <a:r>
+              <a:rPr lang="zh-TW" altLang="en-US" dirty="0" smtClean="0"/>
+              <a:t> </a:t>
+            </a:r>
+            <a:r>
+              <a:rPr lang="en-US" altLang="zh-CN" dirty="0" smtClean="0"/>
+              <a:t>detection</a:t>
+            </a:r>
+            <a:r>
+              <a:rPr lang="en-US" altLang="zh-CN" dirty="0"/>
+              <a:t>. </a:t>
+            </a:r>
+            <a:endParaRPr lang="en-US" altLang="zh-CN" dirty="0" smtClean="0"/>
+          </a:p>
+          <a:p>
+            <a:pPr lvl="1"/>
+            <a:endParaRPr lang="en-US" altLang="zh-CN" dirty="0" smtClean="0"/>
+          </a:p>
+          <a:p>
+            <a:pPr lvl="1"/>
+            <a:r>
+              <a:rPr lang="en-US" altLang="zh-CN" dirty="0" smtClean="0"/>
+              <a:t>Reference </a:t>
+            </a:r>
+            <a:r>
+              <a:rPr lang="en-US" altLang="zh-CN" dirty="0"/>
+              <a:t>[63] presents a novel </a:t>
+            </a:r>
+            <a:r>
+              <a:rPr lang="en-US" altLang="zh-CN" b="1" dirty="0">
+                <a:solidFill>
+                  <a:srgbClr val="FF0000"/>
+                </a:solidFill>
+              </a:rPr>
+              <a:t>Convolutional </a:t>
+            </a:r>
+            <a:r>
+              <a:rPr lang="en-US" altLang="zh-CN" b="1" dirty="0" smtClean="0">
+                <a:solidFill>
+                  <a:srgbClr val="FF0000"/>
+                </a:solidFill>
+              </a:rPr>
+              <a:t>Network</a:t>
+            </a:r>
+            <a:r>
+              <a:rPr lang="zh-TW" altLang="en-US" b="1" dirty="0" smtClean="0">
+                <a:solidFill>
+                  <a:srgbClr val="FF0000"/>
+                </a:solidFill>
+              </a:rPr>
+              <a:t> </a:t>
+            </a:r>
+            <a:r>
+              <a:rPr lang="en-US" altLang="zh-CN" dirty="0" smtClean="0"/>
+              <a:t>based</a:t>
+            </a:r>
+            <a:r>
+              <a:rPr lang="zh-TW" altLang="en-US" dirty="0"/>
+              <a:t> </a:t>
+            </a:r>
+            <a:r>
+              <a:rPr lang="en-US" altLang="zh-CN" dirty="0" smtClean="0"/>
+              <a:t>architecture </a:t>
+            </a:r>
+            <a:r>
+              <a:rPr lang="en-US" altLang="zh-CN" dirty="0"/>
+              <a:t>that learns </a:t>
+            </a:r>
+            <a:r>
+              <a:rPr lang="en-US" altLang="zh-CN" b="1" dirty="0">
+                <a:solidFill>
+                  <a:srgbClr val="FF0000"/>
+                </a:solidFill>
+              </a:rPr>
+              <a:t>user </a:t>
+            </a:r>
+            <a:r>
+              <a:rPr lang="en-US" altLang="zh-CN" b="1" dirty="0" err="1">
+                <a:solidFill>
+                  <a:srgbClr val="FF0000"/>
+                </a:solidFill>
+              </a:rPr>
+              <a:t>embeddings</a:t>
+            </a:r>
+            <a:r>
+              <a:rPr lang="en-US" altLang="zh-CN" dirty="0"/>
+              <a:t> in addition to utterance-based </a:t>
+            </a:r>
+            <a:r>
+              <a:rPr lang="en-US" altLang="zh-CN" dirty="0" err="1"/>
+              <a:t>embeddings</a:t>
+            </a:r>
+            <a:r>
+              <a:rPr lang="en-US" altLang="zh-CN" dirty="0" smtClean="0"/>
+              <a:t>.</a:t>
+            </a:r>
+          </a:p>
+          <a:p>
+            <a:pPr lvl="2"/>
+            <a:r>
+              <a:rPr lang="en-US" altLang="zh-CN" dirty="0" smtClean="0"/>
+              <a:t>The</a:t>
+            </a:r>
+            <a:r>
+              <a:rPr lang="zh-TW" altLang="en-US" dirty="0" smtClean="0"/>
+              <a:t> </a:t>
+            </a:r>
+            <a:r>
+              <a:rPr lang="en-US" altLang="zh-CN" dirty="0" smtClean="0"/>
+              <a:t>authors </a:t>
+            </a:r>
+            <a:r>
+              <a:rPr lang="en-US" altLang="zh-CN" dirty="0"/>
+              <a:t>state that it allows them to learn </a:t>
+            </a:r>
+            <a:r>
+              <a:rPr lang="en-US" altLang="zh-CN" b="1" dirty="0">
+                <a:solidFill>
+                  <a:srgbClr val="FF0000"/>
+                </a:solidFill>
+              </a:rPr>
+              <a:t>user-specific context</a:t>
+            </a:r>
+            <a:r>
+              <a:rPr lang="en-US" altLang="zh-CN" dirty="0" smtClean="0"/>
+              <a:t>.</a:t>
+            </a:r>
+          </a:p>
+          <a:p>
+            <a:pPr lvl="1"/>
+            <a:endParaRPr lang="en-US" altLang="zh-CN" dirty="0" smtClean="0"/>
+          </a:p>
+          <a:p>
+            <a:pPr lvl="1"/>
+            <a:r>
+              <a:rPr lang="en-US" altLang="zh-CN" dirty="0" smtClean="0"/>
+              <a:t>Reference </a:t>
+            </a:r>
+            <a:r>
+              <a:rPr lang="en-US" altLang="zh-CN" dirty="0"/>
+              <a:t>[21] uses a </a:t>
+            </a:r>
+            <a:r>
+              <a:rPr lang="en-US" altLang="zh-CN" b="1" dirty="0" smtClean="0">
+                <a:solidFill>
+                  <a:srgbClr val="FF0000"/>
+                </a:solidFill>
+              </a:rPr>
+              <a:t>combination</a:t>
+            </a:r>
+            <a:r>
+              <a:rPr lang="zh-TW" altLang="en-US" dirty="0" smtClean="0">
+                <a:solidFill>
+                  <a:srgbClr val="FF0000"/>
+                </a:solidFill>
+              </a:rPr>
+              <a:t> </a:t>
+            </a:r>
+            <a:r>
+              <a:rPr lang="en-US" altLang="zh-CN" dirty="0" smtClean="0"/>
+              <a:t>of </a:t>
+            </a:r>
+            <a:r>
+              <a:rPr lang="en-US" altLang="zh-CN" dirty="0"/>
+              <a:t>a </a:t>
+            </a:r>
+            <a:r>
+              <a:rPr lang="en-US" altLang="zh-CN" b="1" dirty="0">
+                <a:solidFill>
+                  <a:srgbClr val="FF0000"/>
+                </a:solidFill>
+              </a:rPr>
+              <a:t>Convolutional</a:t>
+            </a:r>
+            <a:r>
+              <a:rPr lang="en-US" altLang="zh-CN" dirty="0"/>
+              <a:t> Neural Network, a </a:t>
+            </a:r>
+            <a:r>
+              <a:rPr lang="en-US" altLang="zh-CN" b="1" dirty="0">
+                <a:solidFill>
+                  <a:srgbClr val="FF0000"/>
+                </a:solidFill>
+              </a:rPr>
+              <a:t>Recurrent</a:t>
+            </a:r>
+            <a:r>
+              <a:rPr lang="en-US" altLang="zh-CN" dirty="0"/>
+              <a:t> Neural Network (Long Short-Term Memory) </a:t>
+            </a:r>
+            <a:r>
+              <a:rPr lang="en-US" altLang="zh-CN" dirty="0" smtClean="0"/>
+              <a:t>followed</a:t>
+            </a:r>
+            <a:r>
+              <a:rPr lang="zh-TW" altLang="en-US" dirty="0" smtClean="0"/>
+              <a:t> </a:t>
+            </a:r>
+            <a:r>
+              <a:rPr lang="en-US" altLang="zh-CN" dirty="0" smtClean="0"/>
+              <a:t>by </a:t>
+            </a:r>
+            <a:r>
+              <a:rPr lang="en-US" altLang="zh-CN" dirty="0"/>
+              <a:t>a Deep Neural Network</a:t>
+            </a:r>
+            <a:r>
+              <a:rPr lang="en-US" altLang="zh-CN" dirty="0" smtClean="0"/>
+              <a:t>.</a:t>
+            </a:r>
+          </a:p>
+          <a:p>
+            <a:pPr lvl="2"/>
+            <a:r>
+              <a:rPr lang="en-US" altLang="zh-CN" dirty="0" smtClean="0"/>
+              <a:t>They </a:t>
+            </a:r>
+            <a:r>
+              <a:rPr lang="en-US" altLang="zh-CN" dirty="0"/>
+              <a:t>compare their approach against recursive SVM and </a:t>
+            </a:r>
+            <a:r>
+              <a:rPr lang="en-US" altLang="zh-CN" dirty="0" smtClean="0"/>
+              <a:t>show</a:t>
+            </a:r>
+            <a:r>
+              <a:rPr lang="zh-TW" altLang="en-US" dirty="0" smtClean="0"/>
+              <a:t> </a:t>
+            </a:r>
+            <a:r>
+              <a:rPr lang="en-US" altLang="zh-CN" dirty="0" smtClean="0"/>
+              <a:t>an </a:t>
+            </a:r>
+            <a:r>
+              <a:rPr lang="en-US" altLang="zh-CN" dirty="0"/>
+              <a:t>improvement for the deep learning architecture</a:t>
+            </a:r>
+            <a:r>
+              <a:rPr lang="en-US" altLang="zh-CN" dirty="0" smtClean="0"/>
+              <a:t>.</a:t>
+            </a:r>
+          </a:p>
+          <a:p>
+            <a:pPr lvl="1"/>
+            <a:endParaRPr lang="en-US" altLang="zh-CN" dirty="0" smtClean="0"/>
+          </a:p>
+          <a:p>
+            <a:pPr lvl="1"/>
+            <a:r>
+              <a:rPr lang="en-US" altLang="zh-CN" dirty="0" smtClean="0"/>
+              <a:t>Reference </a:t>
+            </a:r>
+            <a:r>
+              <a:rPr lang="en-US" altLang="zh-CN" dirty="0"/>
+              <a:t>[52] investigates the use of </a:t>
+            </a:r>
+            <a:r>
+              <a:rPr lang="en-US" altLang="zh-CN" b="1" dirty="0" smtClean="0">
+                <a:solidFill>
+                  <a:srgbClr val="FF0000"/>
+                </a:solidFill>
+              </a:rPr>
+              <a:t>Deep</a:t>
+            </a:r>
+            <a:r>
+              <a:rPr lang="zh-TW" altLang="en-US" b="1" dirty="0" smtClean="0">
+                <a:solidFill>
+                  <a:srgbClr val="FF0000"/>
+                </a:solidFill>
+              </a:rPr>
+              <a:t> </a:t>
+            </a:r>
+            <a:r>
+              <a:rPr lang="en-US" altLang="zh-CN" b="1" dirty="0" smtClean="0">
+                <a:solidFill>
+                  <a:srgbClr val="FF0000"/>
+                </a:solidFill>
+              </a:rPr>
+              <a:t>Convolutional </a:t>
+            </a:r>
+            <a:r>
+              <a:rPr lang="en-US" altLang="zh-CN" dirty="0"/>
+              <a:t>Networks for sarcasm detection.</a:t>
+            </a:r>
+            <a:endParaRPr kumimoji="1" lang="zh-CN" altLang="en-US" dirty="0"/>
+          </a:p>
+        </p:txBody>
+      </p:sp>
+    </p:spTree>
+    <p:extLst>
+      <p:ext uri="{BB962C8B-B14F-4D97-AF65-F5344CB8AC3E}">
+        <p14:creationId xmlns:p14="http://schemas.microsoft.com/office/powerpoint/2010/main" val="1535192500"/>
+      </p:ext>
+    </p:extLst>
+  </p:cSld>
+  <p:clrMapOvr>
+    <a:masterClrMapping/>
+  </p:clrMapOvr>
+</p:sld>
+</file>
+
+<file path=ppt/slides/slide24.xml><?xml version="1.0" encoding="utf-8"?>
+<p:sld xmlns:a="http://schemas.openxmlformats.org/drawingml/2006/main" xmlns:r="http://schemas.openxmlformats.org/officeDocument/2006/relationships" xmlns:p="http://schemas.openxmlformats.org/presentationml/2006/main">
+  <p:cSld>
+    <p:spTree>
+      <p:nvGrpSpPr>
+        <p:cNvPr id="1" name=""/>
+        <p:cNvGrpSpPr/>
+        <p:nvPr/>
+      </p:nvGrpSpPr>
+      <p:grpSpPr>
+        <a:xfrm>
+          <a:off x="0" y="0"/>
+          <a:ext cx="0" cy="0"/>
+          <a:chOff x="0" y="0"/>
+          <a:chExt cx="0" cy="0"/>
+        </a:xfrm>
+      </p:grpSpPr>
+      <p:sp>
+        <p:nvSpPr>
+          <p:cNvPr id="2" name="标题 1"/>
+          <p:cNvSpPr>
+            <a:spLocks noGrp="1"/>
+          </p:cNvSpPr>
+          <p:nvPr>
+            <p:ph type="title"/>
+          </p:nvPr>
+        </p:nvSpPr>
+        <p:spPr/>
+        <p:txBody>
+          <a:bodyPr/>
+          <a:lstStyle/>
+          <a:p>
+            <a:r>
+              <a:rPr lang="en-US" altLang="zh-CN" dirty="0" smtClean="0"/>
+              <a:t>Shared </a:t>
+            </a:r>
+            <a:r>
+              <a:rPr lang="en-US" altLang="zh-CN" dirty="0"/>
+              <a:t>Tasks &amp; Benchmark </a:t>
+            </a:r>
+            <a:r>
+              <a:rPr lang="en-US" altLang="zh-CN" dirty="0" smtClean="0"/>
+              <a:t>Datasets</a:t>
+            </a:r>
+            <a:endParaRPr kumimoji="1" lang="zh-CN" altLang="en-US" dirty="0"/>
+          </a:p>
+        </p:txBody>
+      </p:sp>
+      <p:sp>
+        <p:nvSpPr>
+          <p:cNvPr id="3" name="内容占位符 2"/>
+          <p:cNvSpPr>
+            <a:spLocks noGrp="1"/>
+          </p:cNvSpPr>
+          <p:nvPr>
+            <p:ph idx="1"/>
+          </p:nvPr>
+        </p:nvSpPr>
+        <p:spPr/>
+        <p:txBody>
+          <a:bodyPr>
+            <a:normAutofit fontScale="85000" lnSpcReduction="10000"/>
+          </a:bodyPr>
+          <a:lstStyle/>
+          <a:p>
+            <a:r>
+              <a:rPr lang="en-US" altLang="zh-CN" dirty="0" smtClean="0"/>
+              <a:t>Reference</a:t>
+            </a:r>
+            <a:r>
+              <a:rPr lang="zh-TW" altLang="en-US" dirty="0" smtClean="0"/>
+              <a:t> </a:t>
+            </a:r>
+            <a:r>
+              <a:rPr lang="en-US" altLang="zh-CN" dirty="0" smtClean="0"/>
+              <a:t>[61</a:t>
+            </a:r>
+            <a:r>
+              <a:rPr lang="en-US" altLang="zh-CN" dirty="0"/>
+              <a:t>] describes a shared task on </a:t>
+            </a:r>
+            <a:r>
+              <a:rPr lang="en-US" altLang="zh-CN" b="1" dirty="0">
+                <a:solidFill>
+                  <a:srgbClr val="FF0000"/>
+                </a:solidFill>
+              </a:rPr>
+              <a:t>sentiment analysis</a:t>
+            </a:r>
+            <a:r>
+              <a:rPr lang="en-US" altLang="zh-CN" dirty="0">
+                <a:solidFill>
+                  <a:srgbClr val="40403D"/>
+                </a:solidFill>
+              </a:rPr>
+              <a:t> in </a:t>
+            </a:r>
+            <a:r>
+              <a:rPr lang="en-US" altLang="zh-CN" b="1" dirty="0">
+                <a:solidFill>
+                  <a:srgbClr val="FF0000"/>
+                </a:solidFill>
+              </a:rPr>
+              <a:t>Twitter</a:t>
+            </a:r>
+            <a:r>
+              <a:rPr lang="en-US" altLang="zh-CN" dirty="0"/>
+              <a:t>, from </a:t>
+            </a:r>
+            <a:r>
+              <a:rPr lang="en-US" altLang="zh-CN" b="1" dirty="0">
+                <a:solidFill>
+                  <a:srgbClr val="FF0000"/>
+                </a:solidFill>
+              </a:rPr>
+              <a:t>SemEval-2014</a:t>
+            </a:r>
+            <a:r>
+              <a:rPr lang="en-US" altLang="zh-CN" dirty="0" smtClean="0"/>
+              <a:t>.</a:t>
+            </a:r>
+          </a:p>
+          <a:p>
+            <a:pPr lvl="1"/>
+            <a:r>
+              <a:rPr lang="en-US" altLang="zh-CN" dirty="0" smtClean="0"/>
+              <a:t>Multiple </a:t>
+            </a:r>
+            <a:r>
+              <a:rPr lang="en-US" altLang="zh-CN" dirty="0"/>
+              <a:t>datasets (SMS, LiveJournal, etc.), one of which was a dataset of sarcastic </a:t>
+            </a:r>
+            <a:r>
+              <a:rPr lang="en-US" altLang="zh-CN" dirty="0" smtClean="0"/>
+              <a:t>tweets.</a:t>
+            </a:r>
+          </a:p>
+          <a:p>
+            <a:pPr lvl="1"/>
+            <a:r>
+              <a:rPr lang="en-US" altLang="zh-CN" dirty="0" smtClean="0"/>
+              <a:t>The </a:t>
+            </a:r>
+            <a:r>
+              <a:rPr lang="en-US" altLang="zh-CN" dirty="0"/>
+              <a:t>best performance for the dataset </a:t>
+            </a:r>
+            <a:r>
+              <a:rPr lang="en-US" altLang="zh-CN" dirty="0" smtClean="0"/>
+              <a:t>of</a:t>
+            </a:r>
+            <a:r>
+              <a:rPr lang="zh-TW" altLang="en-US" dirty="0" smtClean="0"/>
+              <a:t> </a:t>
+            </a:r>
+            <a:r>
+              <a:rPr lang="en-US" altLang="zh-CN" dirty="0" smtClean="0"/>
+              <a:t>sarcastic </a:t>
+            </a:r>
+            <a:r>
+              <a:rPr lang="en-US" altLang="zh-CN" dirty="0"/>
+              <a:t>tweets (82.75, versus 77.13, which was the performance of the system that ranked highest</a:t>
+            </a:r>
+            <a:r>
+              <a:rPr lang="en-US" altLang="zh-CN" dirty="0" smtClean="0"/>
+              <a:t>) was </a:t>
+            </a:r>
+            <a:r>
+              <a:rPr lang="en-US" altLang="zh-CN" dirty="0"/>
+              <a:t>by Reference [62</a:t>
+            </a:r>
+            <a:r>
+              <a:rPr lang="en-US" altLang="zh-CN" dirty="0" smtClean="0"/>
+              <a:t>]. They </a:t>
+            </a:r>
+            <a:r>
+              <a:rPr lang="en-US" altLang="zh-CN" dirty="0"/>
+              <a:t>use features that </a:t>
+            </a:r>
+            <a:r>
+              <a:rPr lang="en-US" altLang="zh-CN" b="1" dirty="0">
+                <a:solidFill>
+                  <a:srgbClr val="FF0000"/>
+                </a:solidFill>
+              </a:rPr>
+              <a:t>separately </a:t>
+            </a:r>
+            <a:r>
+              <a:rPr lang="en-US" altLang="zh-CN" b="1" dirty="0" smtClean="0">
+                <a:solidFill>
+                  <a:srgbClr val="FF0000"/>
+                </a:solidFill>
+              </a:rPr>
+              <a:t>capture</a:t>
+            </a:r>
+            <a:r>
+              <a:rPr lang="zh-TW" altLang="en-US" b="1" dirty="0" smtClean="0">
+                <a:solidFill>
+                  <a:srgbClr val="FF0000"/>
+                </a:solidFill>
+              </a:rPr>
+              <a:t> </a:t>
+            </a:r>
+            <a:r>
+              <a:rPr lang="en-US" altLang="zh-CN" b="1" dirty="0" smtClean="0">
+                <a:solidFill>
+                  <a:srgbClr val="FF0000"/>
+                </a:solidFill>
+              </a:rPr>
+              <a:t>message </a:t>
+            </a:r>
+            <a:r>
+              <a:rPr lang="en-US" altLang="zh-CN" b="1" dirty="0">
+                <a:solidFill>
+                  <a:srgbClr val="FF0000"/>
+                </a:solidFill>
+              </a:rPr>
+              <a:t>and contextual polarity</a:t>
+            </a:r>
+            <a:r>
+              <a:rPr lang="en-US" altLang="zh-CN" dirty="0" smtClean="0"/>
+              <a:t>.</a:t>
+            </a:r>
+          </a:p>
+          <a:p>
+            <a:endParaRPr lang="en-US" altLang="zh-CN" dirty="0" smtClean="0"/>
+          </a:p>
+          <a:p>
+            <a:r>
+              <a:rPr lang="en-US" altLang="zh-CN" dirty="0" smtClean="0"/>
+              <a:t>Reference </a:t>
+            </a:r>
+            <a:r>
+              <a:rPr lang="en-US" altLang="zh-CN" dirty="0"/>
+              <a:t>[20] describes a shared task </a:t>
+            </a:r>
+            <a:r>
+              <a:rPr lang="en-US" altLang="zh-CN" dirty="0" smtClean="0"/>
+              <a:t>on </a:t>
+            </a:r>
+            <a:r>
+              <a:rPr lang="en-US" altLang="zh-CN" b="1" dirty="0">
+                <a:solidFill>
+                  <a:srgbClr val="FF0000"/>
+                </a:solidFill>
+              </a:rPr>
+              <a:t>sentiment</a:t>
+            </a:r>
+            <a:r>
+              <a:rPr lang="en-US" altLang="zh-CN" dirty="0"/>
+              <a:t> </a:t>
+            </a:r>
+            <a:r>
+              <a:rPr lang="en-US" altLang="zh-CN" b="1" dirty="0">
+                <a:solidFill>
+                  <a:srgbClr val="FF0000"/>
+                </a:solidFill>
+              </a:rPr>
+              <a:t>analysis</a:t>
+            </a:r>
+            <a:r>
+              <a:rPr lang="en-US" altLang="zh-CN" dirty="0"/>
+              <a:t> of </a:t>
+            </a:r>
+            <a:r>
+              <a:rPr lang="en-US" altLang="zh-CN" b="1" dirty="0">
+                <a:solidFill>
+                  <a:srgbClr val="FF0000"/>
+                </a:solidFill>
+              </a:rPr>
+              <a:t>figurative </a:t>
+            </a:r>
+            <a:r>
+              <a:rPr lang="en-US" altLang="zh-CN" b="1" dirty="0" smtClean="0">
+                <a:solidFill>
+                  <a:srgbClr val="FF0000"/>
+                </a:solidFill>
+              </a:rPr>
+              <a:t>language</a:t>
+            </a:r>
+            <a:r>
+              <a:rPr lang="en-US" altLang="zh-CN" dirty="0" smtClean="0">
+                <a:solidFill>
+                  <a:srgbClr val="40403D"/>
+                </a:solidFill>
+              </a:rPr>
+              <a:t>, </a:t>
+            </a:r>
+            <a:r>
+              <a:rPr lang="en-US" altLang="zh-CN" dirty="0" smtClean="0"/>
+              <a:t>from </a:t>
+            </a:r>
+            <a:r>
+              <a:rPr lang="en-US" altLang="zh-CN" b="1" dirty="0" smtClean="0">
+                <a:solidFill>
+                  <a:srgbClr val="FF0000"/>
+                </a:solidFill>
+              </a:rPr>
+              <a:t>SemEval-2015</a:t>
+            </a:r>
+            <a:r>
+              <a:rPr lang="en-US" altLang="zh-CN" dirty="0" smtClean="0"/>
+              <a:t>.</a:t>
+            </a:r>
+          </a:p>
+          <a:p>
+            <a:pPr lvl="1"/>
+            <a:r>
+              <a:rPr lang="en-US" altLang="zh-CN" dirty="0" smtClean="0"/>
+              <a:t>A </a:t>
+            </a:r>
+            <a:r>
+              <a:rPr lang="en-US" altLang="zh-CN" dirty="0"/>
+              <a:t>dataset of </a:t>
+            </a:r>
+            <a:r>
+              <a:rPr lang="en-US" altLang="zh-CN" b="1" dirty="0" smtClean="0">
+                <a:solidFill>
+                  <a:srgbClr val="FF0000"/>
+                </a:solidFill>
+              </a:rPr>
+              <a:t>ironic</a:t>
+            </a:r>
+            <a:r>
+              <a:rPr lang="zh-TW" altLang="en-US" dirty="0" smtClean="0">
+                <a:solidFill>
+                  <a:srgbClr val="FF0000"/>
+                </a:solidFill>
+              </a:rPr>
+              <a:t> </a:t>
+            </a:r>
+            <a:r>
+              <a:rPr lang="en-US" altLang="zh-CN" dirty="0" smtClean="0"/>
+              <a:t>and </a:t>
+            </a:r>
+            <a:r>
+              <a:rPr lang="en-US" altLang="zh-CN" b="1" dirty="0">
+                <a:solidFill>
+                  <a:srgbClr val="FF0000"/>
+                </a:solidFill>
+              </a:rPr>
+              <a:t>metaphorical</a:t>
+            </a:r>
+            <a:r>
+              <a:rPr lang="en-US" altLang="zh-CN" dirty="0"/>
+              <a:t> statements labeled as </a:t>
+            </a:r>
+            <a:r>
+              <a:rPr lang="en-US" altLang="zh-CN" b="1" dirty="0">
+                <a:solidFill>
+                  <a:srgbClr val="FF0000"/>
+                </a:solidFill>
+              </a:rPr>
+              <a:t>positive, negative and </a:t>
+            </a:r>
+            <a:r>
+              <a:rPr lang="en-US" altLang="zh-CN" b="1" dirty="0" smtClean="0">
+                <a:solidFill>
+                  <a:srgbClr val="FF0000"/>
+                </a:solidFill>
+              </a:rPr>
+              <a:t>neutral</a:t>
+            </a:r>
+            <a:r>
+              <a:rPr lang="en-US" altLang="zh-CN" dirty="0" smtClean="0"/>
+              <a:t>.</a:t>
+            </a:r>
+          </a:p>
+          <a:p>
+            <a:pPr lvl="1"/>
+            <a:r>
+              <a:rPr lang="en-US" altLang="zh-CN" dirty="0" smtClean="0"/>
+              <a:t>The </a:t>
+            </a:r>
+            <a:r>
+              <a:rPr lang="en-US" altLang="zh-CN" dirty="0"/>
+              <a:t>teams that participated in the shared task used </a:t>
+            </a:r>
+            <a:r>
+              <a:rPr lang="en-US" altLang="zh-CN" b="1" dirty="0">
+                <a:solidFill>
+                  <a:srgbClr val="FF0000"/>
+                </a:solidFill>
+              </a:rPr>
+              <a:t>affective resources, character n-grams</a:t>
+            </a:r>
+            <a:r>
+              <a:rPr lang="en-US" altLang="zh-CN" dirty="0"/>
+              <a:t>, and </a:t>
+            </a:r>
+            <a:r>
+              <a:rPr lang="en-US" altLang="zh-CN" dirty="0" smtClean="0"/>
+              <a:t>so</a:t>
+            </a:r>
+            <a:r>
+              <a:rPr lang="zh-TW" altLang="en-US" dirty="0" smtClean="0"/>
+              <a:t> </a:t>
+            </a:r>
+            <a:r>
+              <a:rPr lang="en-US" altLang="zh-CN" dirty="0" smtClean="0"/>
+              <a:t>on.</a:t>
+            </a:r>
+          </a:p>
+          <a:p>
+            <a:pPr lvl="1"/>
+            <a:r>
+              <a:rPr lang="en-US" altLang="zh-CN" dirty="0" smtClean="0"/>
+              <a:t>The </a:t>
+            </a:r>
+            <a:r>
+              <a:rPr lang="en-US" altLang="zh-CN" dirty="0"/>
+              <a:t>winning team used “</a:t>
+            </a:r>
+            <a:r>
+              <a:rPr lang="en-US" altLang="zh-CN" b="1" dirty="0">
+                <a:solidFill>
+                  <a:srgbClr val="FF0000"/>
+                </a:solidFill>
+              </a:rPr>
+              <a:t>four lexica</a:t>
+            </a:r>
+            <a:r>
+              <a:rPr lang="en-US" altLang="zh-CN" dirty="0"/>
+              <a:t>, one that was automatically generated and three </a:t>
+            </a:r>
+            <a:r>
+              <a:rPr lang="en-US" altLang="zh-CN" dirty="0" smtClean="0"/>
+              <a:t>that were</a:t>
+            </a:r>
+            <a:r>
+              <a:rPr lang="zh-TW" altLang="en-US" dirty="0" smtClean="0"/>
+              <a:t> </a:t>
+            </a:r>
+            <a:r>
+              <a:rPr lang="en-US" altLang="zh-CN" dirty="0" smtClean="0"/>
+              <a:t>manually </a:t>
+            </a:r>
+            <a:r>
+              <a:rPr lang="en-US" altLang="zh-CN" dirty="0"/>
+              <a:t>crafted (sic).” </a:t>
+            </a:r>
+            <a:endParaRPr lang="en-US" altLang="zh-CN" dirty="0" smtClean="0"/>
+          </a:p>
+          <a:p>
+            <a:endParaRPr lang="en-US" altLang="zh-CN" dirty="0" smtClean="0"/>
+          </a:p>
+          <a:p>
+            <a:r>
+              <a:rPr lang="en-US" altLang="zh-CN" dirty="0" smtClean="0"/>
+              <a:t>PAKDD 2016</a:t>
+            </a:r>
+          </a:p>
+          <a:p>
+            <a:pPr lvl="1"/>
+            <a:r>
+              <a:rPr lang="en-US" altLang="zh-CN" dirty="0" smtClean="0"/>
+              <a:t>The </a:t>
+            </a:r>
+            <a:r>
+              <a:rPr lang="en-US" altLang="zh-CN" dirty="0"/>
+              <a:t>competition dataset consisted of </a:t>
+            </a:r>
+            <a:r>
+              <a:rPr lang="en-US" altLang="zh-CN" b="1" dirty="0">
+                <a:solidFill>
+                  <a:srgbClr val="FF0000"/>
+                </a:solidFill>
+              </a:rPr>
+              <a:t>Reddit comments </a:t>
+            </a:r>
+            <a:r>
+              <a:rPr lang="en-US" altLang="zh-CN" dirty="0"/>
+              <a:t>labeled as either </a:t>
+            </a:r>
+            <a:r>
+              <a:rPr lang="en-US" altLang="zh-CN" b="1" dirty="0" smtClean="0">
+                <a:solidFill>
+                  <a:srgbClr val="FF0000"/>
+                </a:solidFill>
+              </a:rPr>
+              <a:t>sarcastic</a:t>
+            </a:r>
+            <a:r>
+              <a:rPr lang="zh-TW" altLang="en-US" dirty="0" smtClean="0">
+                <a:solidFill>
+                  <a:srgbClr val="FF0000"/>
+                </a:solidFill>
+              </a:rPr>
+              <a:t> </a:t>
+            </a:r>
+            <a:r>
+              <a:rPr lang="en-US" altLang="zh-CN" dirty="0" smtClean="0"/>
+              <a:t>or </a:t>
+            </a:r>
+            <a:r>
+              <a:rPr lang="en-US" altLang="zh-CN" b="1" dirty="0">
+                <a:solidFill>
+                  <a:srgbClr val="FF0000"/>
+                </a:solidFill>
+              </a:rPr>
+              <a:t>non-sarcastic</a:t>
+            </a:r>
+            <a:r>
+              <a:rPr lang="en-US" altLang="zh-CN" dirty="0" smtClean="0"/>
+              <a:t>.</a:t>
+            </a:r>
+          </a:p>
+          <a:p>
+            <a:pPr lvl="1"/>
+            <a:r>
+              <a:rPr lang="en-US" altLang="zh-CN" dirty="0">
+                <a:solidFill>
+                  <a:srgbClr val="40403D"/>
+                </a:solidFill>
+                <a:latin typeface=""/>
+                <a:hlinkClick r:id="rId2"/>
+              </a:rPr>
+              <a:t>http://www.parrotanalytics.com/pacific-asia-knowledge-discovery-and-data-mining-conference-2016-contest</a:t>
+            </a:r>
+            <a:r>
+              <a:rPr lang="en-US" altLang="zh-CN" dirty="0" smtClean="0">
+                <a:solidFill>
+                  <a:srgbClr val="40403D"/>
+                </a:solidFill>
+                <a:latin typeface=""/>
+                <a:hlinkClick r:id="rId2"/>
+              </a:rPr>
+              <a:t>/</a:t>
+            </a:r>
+            <a:endParaRPr lang="en-US" altLang="zh-CN" dirty="0"/>
+          </a:p>
+        </p:txBody>
+      </p:sp>
+    </p:spTree>
+    <p:extLst>
+      <p:ext uri="{BB962C8B-B14F-4D97-AF65-F5344CB8AC3E}">
+        <p14:creationId xmlns:p14="http://schemas.microsoft.com/office/powerpoint/2010/main" val="257805139"/>
+      </p:ext>
+    </p:extLst>
+  </p:cSld>
+  <p:clrMapOvr>
+    <a:masterClrMapping/>
+  </p:clrMapOvr>
+</p:sld>
+</file>
+
+<file path=ppt/slides/slide25.xml><?xml version="1.0" encoding="utf-8"?>
+<p:sld xmlns:a="http://schemas.openxmlformats.org/drawingml/2006/main" xmlns:r="http://schemas.openxmlformats.org/officeDocument/2006/relationships" xmlns:p="http://schemas.openxmlformats.org/presentationml/2006/main">
+  <p:cSld>
+    <p:spTree>
+      <p:nvGrpSpPr>
+        <p:cNvPr id="1" name=""/>
+        <p:cNvGrpSpPr/>
+        <p:nvPr/>
+      </p:nvGrpSpPr>
+      <p:grpSpPr>
+        <a:xfrm>
+          <a:off x="0" y="0"/>
+          <a:ext cx="0" cy="0"/>
+          <a:chOff x="0" y="0"/>
+          <a:chExt cx="0" cy="0"/>
+        </a:xfrm>
+      </p:grpSpPr>
+      <p:sp>
+        <p:nvSpPr>
+          <p:cNvPr id="2" name="标题 1"/>
+          <p:cNvSpPr>
+            <a:spLocks noGrp="1"/>
+          </p:cNvSpPr>
+          <p:nvPr>
+            <p:ph type="title"/>
+          </p:nvPr>
+        </p:nvSpPr>
+        <p:spPr/>
+        <p:txBody>
+          <a:bodyPr/>
+          <a:lstStyle/>
+          <a:p>
+            <a:endParaRPr kumimoji="1" lang="zh-CN" altLang="en-US"/>
+          </a:p>
+        </p:txBody>
+      </p:sp>
+      <p:sp>
+        <p:nvSpPr>
+          <p:cNvPr id="3" name="内容占位符 2"/>
+          <p:cNvSpPr>
+            <a:spLocks noGrp="1"/>
+          </p:cNvSpPr>
+          <p:nvPr>
+            <p:ph idx="1"/>
+          </p:nvPr>
+        </p:nvSpPr>
+        <p:spPr/>
+        <p:txBody>
+          <a:bodyPr/>
+          <a:lstStyle/>
+          <a:p>
+            <a:endParaRPr kumimoji="1" lang="zh-CN" altLang="en-US"/>
+          </a:p>
+        </p:txBody>
+      </p:sp>
+    </p:spTree>
+    <p:extLst>
+      <p:ext uri="{BB962C8B-B14F-4D97-AF65-F5344CB8AC3E}">
+        <p14:creationId xmlns:p14="http://schemas.microsoft.com/office/powerpoint/2010/main" val="1820382076"/>
+      </p:ext>
+    </p:extLst>
+  </p:cSld>
+  <p:clrMapOvr>
+    <a:masterClrMapping/>
+  </p:clrMapOvr>
+</p:sld>
+</file>
+
+<file path=ppt/slides/slide26.xml><?xml version="1.0" encoding="utf-8"?>
+<p:sld xmlns:a="http://schemas.openxmlformats.org/drawingml/2006/main" xmlns:r="http://schemas.openxmlformats.org/officeDocument/2006/relationships" xmlns:p="http://schemas.openxmlformats.org/presentationml/2006/main">
+  <p:cSld>
+    <p:spTree>
+      <p:nvGrpSpPr>
+        <p:cNvPr id="1" name=""/>
+        <p:cNvGrpSpPr/>
+        <p:nvPr/>
+      </p:nvGrpSpPr>
+      <p:grpSpPr>
+        <a:xfrm>
+          <a:off x="0" y="0"/>
+          <a:ext cx="0" cy="0"/>
+          <a:chOff x="0" y="0"/>
+          <a:chExt cx="0" cy="0"/>
+        </a:xfrm>
+      </p:grpSpPr>
+      <p:sp>
+        <p:nvSpPr>
+          <p:cNvPr id="2" name="标题 1"/>
+          <p:cNvSpPr>
+            <a:spLocks noGrp="1"/>
+          </p:cNvSpPr>
+          <p:nvPr>
+            <p:ph type="title"/>
+          </p:nvPr>
+        </p:nvSpPr>
+        <p:spPr/>
+        <p:txBody>
+          <a:bodyPr/>
+          <a:lstStyle/>
+          <a:p>
+            <a:r>
+              <a:rPr kumimoji="1" lang="en-US" altLang="zh-CN" dirty="0" smtClean="0"/>
+              <a:t>Reference</a:t>
+            </a:r>
+            <a:endParaRPr kumimoji="1" lang="zh-CN" altLang="en-US" dirty="0"/>
+          </a:p>
+        </p:txBody>
+      </p:sp>
+      <p:sp>
+        <p:nvSpPr>
+          <p:cNvPr id="3" name="内容占位符 2"/>
+          <p:cNvSpPr>
+            <a:spLocks noGrp="1"/>
+          </p:cNvSpPr>
+          <p:nvPr>
+            <p:ph idx="1"/>
+          </p:nvPr>
+        </p:nvSpPr>
+        <p:spPr/>
+        <p:txBody>
+          <a:bodyPr/>
+          <a:lstStyle/>
+          <a:p>
+            <a:pPr lvl="1"/>
+            <a:r>
+              <a:rPr lang="en-US" altLang="zh-CN" dirty="0"/>
+              <a:t>Carman, M. J., Carman, M. J., &amp; Carman, M. J. (2017). </a:t>
+            </a:r>
+            <a:r>
+              <a:rPr lang="en-US" altLang="zh-CN" i="1" dirty="0"/>
+              <a:t>Automatic Sarcasm Detection: A Survey</a:t>
+            </a:r>
+            <a:r>
+              <a:rPr lang="en-US" altLang="zh-CN" dirty="0"/>
+              <a:t>. ACM.</a:t>
+            </a:r>
+            <a:endParaRPr kumimoji="1" lang="zh-CN" altLang="en-US" dirty="0"/>
+          </a:p>
+        </p:txBody>
+      </p:sp>
+    </p:spTree>
+    <p:extLst>
+      <p:ext uri="{BB962C8B-B14F-4D97-AF65-F5344CB8AC3E}">
+        <p14:creationId xmlns:p14="http://schemas.microsoft.com/office/powerpoint/2010/main" val="1302696452"/>
       </p:ext>
     </p:extLst>
   </p:cSld>

--- a/[文献调研] Automatic Sarcasm Detection A Survey.pptx
+++ b/[文献调研] Automatic Sarcasm Detection A Survey.pptx
@@ -5,7 +5,7 @@
     <p:sldMasterId id="2147483660" r:id="rId1"/>
   </p:sldMasterIdLst>
   <p:notesMasterIdLst>
-    <p:notesMasterId r:id="rId28"/>
+    <p:notesMasterId r:id="rId38"/>
   </p:notesMasterIdLst>
   <p:sldIdLst>
     <p:sldId id="256" r:id="rId2"/>
@@ -33,7 +33,17 @@
     <p:sldId id="279" r:id="rId24"/>
     <p:sldId id="280" r:id="rId25"/>
     <p:sldId id="281" r:id="rId26"/>
-    <p:sldId id="258" r:id="rId27"/>
+    <p:sldId id="282" r:id="rId27"/>
+    <p:sldId id="283" r:id="rId28"/>
+    <p:sldId id="284" r:id="rId29"/>
+    <p:sldId id="285" r:id="rId30"/>
+    <p:sldId id="286" r:id="rId31"/>
+    <p:sldId id="287" r:id="rId32"/>
+    <p:sldId id="288" r:id="rId33"/>
+    <p:sldId id="290" r:id="rId34"/>
+    <p:sldId id="292" r:id="rId35"/>
+    <p:sldId id="291" r:id="rId36"/>
+    <p:sldId id="258" r:id="rId37"/>
   </p:sldIdLst>
   <p:sldSz cx="12192000" cy="6858000"/>
   <p:notesSz cx="6858000" cy="9144000"/>
@@ -222,7 +232,7 @@
           <a:p>
             <a:fld id="{37B936CF-E9C1-BA41-95AB-9BBB38C6934C}" type="datetimeFigureOut">
               <a:rPr kumimoji="1" lang="zh-CN" altLang="en-US" smtClean="0"/>
-              <a:t>2018/11/7</a:t>
+              <a:t>2018/11/9</a:t>
             </a:fld>
             <a:endParaRPr kumimoji="1" lang="zh-CN" altLang="en-US"/>
           </a:p>
@@ -574,6 +584,258 @@
 </p:notes>
 </file>
 
+<file path=ppt/notesSlides/notesSlide2.xml><?xml version="1.0" encoding="utf-8"?>
+<p:notes xmlns:a="http://schemas.openxmlformats.org/drawingml/2006/main" xmlns:r="http://schemas.openxmlformats.org/officeDocument/2006/relationships" xmlns:p="http://schemas.openxmlformats.org/presentationml/2006/main">
+  <p:cSld>
+    <p:spTree>
+      <p:nvGrpSpPr>
+        <p:cNvPr id="1" name=""/>
+        <p:cNvGrpSpPr/>
+        <p:nvPr/>
+      </p:nvGrpSpPr>
+      <p:grpSpPr>
+        <a:xfrm>
+          <a:off x="0" y="0"/>
+          <a:ext cx="0" cy="0"/>
+          <a:chOff x="0" y="0"/>
+          <a:chExt cx="0" cy="0"/>
+        </a:xfrm>
+      </p:grpSpPr>
+      <p:sp>
+        <p:nvSpPr>
+          <p:cNvPr id="2" name="幻灯片图像占位符 1"/>
+          <p:cNvSpPr>
+            <a:spLocks noGrp="1" noRot="1" noChangeAspect="1"/>
+          </p:cNvSpPr>
+          <p:nvPr>
+            <p:ph type="sldImg"/>
+          </p:nvPr>
+        </p:nvSpPr>
+        <p:spPr/>
+      </p:sp>
+      <p:sp>
+        <p:nvSpPr>
+          <p:cNvPr id="3" name="备注占位符 2"/>
+          <p:cNvSpPr>
+            <a:spLocks noGrp="1"/>
+          </p:cNvSpPr>
+          <p:nvPr>
+            <p:ph type="body" idx="1"/>
+          </p:nvPr>
+        </p:nvSpPr>
+        <p:spPr/>
+        <p:txBody>
+          <a:bodyPr/>
+          <a:lstStyle/>
+          <a:p>
+            <a:endParaRPr kumimoji="1" lang="zh-CN" altLang="en-US" dirty="0"/>
+          </a:p>
+        </p:txBody>
+      </p:sp>
+      <p:sp>
+        <p:nvSpPr>
+          <p:cNvPr id="4" name="幻灯片编号占位符 3"/>
+          <p:cNvSpPr>
+            <a:spLocks noGrp="1"/>
+          </p:cNvSpPr>
+          <p:nvPr>
+            <p:ph type="sldNum" sz="quarter" idx="10"/>
+          </p:nvPr>
+        </p:nvSpPr>
+        <p:spPr/>
+        <p:txBody>
+          <a:bodyPr/>
+          <a:lstStyle/>
+          <a:p>
+            <a:fld id="{AB04AAE2-2946-964C-AAB1-9B05B46D9512}" type="slidenum">
+              <a:rPr kumimoji="1" lang="zh-CN" altLang="en-US" smtClean="0"/>
+              <a:t>27</a:t>
+            </a:fld>
+            <a:endParaRPr kumimoji="1" lang="zh-CN" altLang="en-US"/>
+          </a:p>
+        </p:txBody>
+      </p:sp>
+    </p:spTree>
+    <p:extLst>
+      <p:ext uri="{BB962C8B-B14F-4D97-AF65-F5344CB8AC3E}">
+        <p14:creationId xmlns:p14="http://schemas.microsoft.com/office/powerpoint/2010/main" val="285315350"/>
+      </p:ext>
+    </p:extLst>
+  </p:cSld>
+  <p:clrMapOvr>
+    <a:masterClrMapping/>
+  </p:clrMapOvr>
+</p:notes>
+</file>
+
+<file path=ppt/notesSlides/notesSlide3.xml><?xml version="1.0" encoding="utf-8"?>
+<p:notes xmlns:a="http://schemas.openxmlformats.org/drawingml/2006/main" xmlns:r="http://schemas.openxmlformats.org/officeDocument/2006/relationships" xmlns:p="http://schemas.openxmlformats.org/presentationml/2006/main">
+  <p:cSld>
+    <p:spTree>
+      <p:nvGrpSpPr>
+        <p:cNvPr id="1" name=""/>
+        <p:cNvGrpSpPr/>
+        <p:nvPr/>
+      </p:nvGrpSpPr>
+      <p:grpSpPr>
+        <a:xfrm>
+          <a:off x="0" y="0"/>
+          <a:ext cx="0" cy="0"/>
+          <a:chOff x="0" y="0"/>
+          <a:chExt cx="0" cy="0"/>
+        </a:xfrm>
+      </p:grpSpPr>
+      <p:sp>
+        <p:nvSpPr>
+          <p:cNvPr id="2" name="幻灯片图像占位符 1"/>
+          <p:cNvSpPr>
+            <a:spLocks noGrp="1" noRot="1" noChangeAspect="1"/>
+          </p:cNvSpPr>
+          <p:nvPr>
+            <p:ph type="sldImg"/>
+          </p:nvPr>
+        </p:nvSpPr>
+        <p:spPr/>
+      </p:sp>
+      <p:sp>
+        <p:nvSpPr>
+          <p:cNvPr id="3" name="备注占位符 2"/>
+          <p:cNvSpPr>
+            <a:spLocks noGrp="1"/>
+          </p:cNvSpPr>
+          <p:nvPr>
+            <p:ph type="body" idx="1"/>
+          </p:nvPr>
+        </p:nvSpPr>
+        <p:spPr/>
+        <p:txBody>
+          <a:bodyPr/>
+          <a:lstStyle/>
+          <a:p>
+            <a:endParaRPr kumimoji="1" lang="zh-CN" altLang="en-US" dirty="0"/>
+          </a:p>
+        </p:txBody>
+      </p:sp>
+      <p:sp>
+        <p:nvSpPr>
+          <p:cNvPr id="4" name="幻灯片编号占位符 3"/>
+          <p:cNvSpPr>
+            <a:spLocks noGrp="1"/>
+          </p:cNvSpPr>
+          <p:nvPr>
+            <p:ph type="sldNum" sz="quarter" idx="10"/>
+          </p:nvPr>
+        </p:nvSpPr>
+        <p:spPr/>
+        <p:txBody>
+          <a:bodyPr/>
+          <a:lstStyle/>
+          <a:p>
+            <a:fld id="{AB04AAE2-2946-964C-AAB1-9B05B46D9512}" type="slidenum">
+              <a:rPr kumimoji="1" lang="zh-CN" altLang="en-US" smtClean="0"/>
+              <a:t>29</a:t>
+            </a:fld>
+            <a:endParaRPr kumimoji="1" lang="zh-CN" altLang="en-US"/>
+          </a:p>
+        </p:txBody>
+      </p:sp>
+    </p:spTree>
+    <p:extLst>
+      <p:ext uri="{BB962C8B-B14F-4D97-AF65-F5344CB8AC3E}">
+        <p14:creationId xmlns:p14="http://schemas.microsoft.com/office/powerpoint/2010/main" val="1387086504"/>
+      </p:ext>
+    </p:extLst>
+  </p:cSld>
+  <p:clrMapOvr>
+    <a:masterClrMapping/>
+  </p:clrMapOvr>
+</p:notes>
+</file>
+
+<file path=ppt/notesSlides/notesSlide4.xml><?xml version="1.0" encoding="utf-8"?>
+<p:notes xmlns:a="http://schemas.openxmlformats.org/drawingml/2006/main" xmlns:r="http://schemas.openxmlformats.org/officeDocument/2006/relationships" xmlns:p="http://schemas.openxmlformats.org/presentationml/2006/main">
+  <p:cSld>
+    <p:spTree>
+      <p:nvGrpSpPr>
+        <p:cNvPr id="1" name=""/>
+        <p:cNvGrpSpPr/>
+        <p:nvPr/>
+      </p:nvGrpSpPr>
+      <p:grpSpPr>
+        <a:xfrm>
+          <a:off x="0" y="0"/>
+          <a:ext cx="0" cy="0"/>
+          <a:chOff x="0" y="0"/>
+          <a:chExt cx="0" cy="0"/>
+        </a:xfrm>
+      </p:grpSpPr>
+      <p:sp>
+        <p:nvSpPr>
+          <p:cNvPr id="2" name="幻灯片图像占位符 1"/>
+          <p:cNvSpPr>
+            <a:spLocks noGrp="1" noRot="1" noChangeAspect="1"/>
+          </p:cNvSpPr>
+          <p:nvPr>
+            <p:ph type="sldImg"/>
+          </p:nvPr>
+        </p:nvSpPr>
+        <p:spPr/>
+      </p:sp>
+      <p:sp>
+        <p:nvSpPr>
+          <p:cNvPr id="3" name="备注占位符 2"/>
+          <p:cNvSpPr>
+            <a:spLocks noGrp="1"/>
+          </p:cNvSpPr>
+          <p:nvPr>
+            <p:ph type="body" idx="1"/>
+          </p:nvPr>
+        </p:nvSpPr>
+        <p:spPr/>
+        <p:txBody>
+          <a:bodyPr/>
+          <a:lstStyle/>
+          <a:p>
+            <a:endParaRPr kumimoji="1" lang="zh-CN" altLang="en-US" dirty="0"/>
+          </a:p>
+        </p:txBody>
+      </p:sp>
+      <p:sp>
+        <p:nvSpPr>
+          <p:cNvPr id="4" name="幻灯片编号占位符 3"/>
+          <p:cNvSpPr>
+            <a:spLocks noGrp="1"/>
+          </p:cNvSpPr>
+          <p:nvPr>
+            <p:ph type="sldNum" sz="quarter" idx="10"/>
+          </p:nvPr>
+        </p:nvSpPr>
+        <p:spPr/>
+        <p:txBody>
+          <a:bodyPr/>
+          <a:lstStyle/>
+          <a:p>
+            <a:fld id="{AB04AAE2-2946-964C-AAB1-9B05B46D9512}" type="slidenum">
+              <a:rPr kumimoji="1" lang="zh-CN" altLang="en-US" smtClean="0"/>
+              <a:t>33</a:t>
+            </a:fld>
+            <a:endParaRPr kumimoji="1" lang="zh-CN" altLang="en-US"/>
+          </a:p>
+        </p:txBody>
+      </p:sp>
+    </p:spTree>
+    <p:extLst>
+      <p:ext uri="{BB962C8B-B14F-4D97-AF65-F5344CB8AC3E}">
+        <p14:creationId xmlns:p14="http://schemas.microsoft.com/office/powerpoint/2010/main" val="1459116705"/>
+      </p:ext>
+    </p:extLst>
+  </p:cSld>
+  <p:clrMapOvr>
+    <a:masterClrMapping/>
+  </p:clrMapOvr>
+</p:notes>
+</file>
+
 <file path=ppt/slideLayouts/slideLayout1.xml><?xml version="1.0" encoding="utf-8"?>
 <p:sldLayout xmlns:a="http://schemas.openxmlformats.org/drawingml/2006/main" xmlns:r="http://schemas.openxmlformats.org/officeDocument/2006/relationships" xmlns:p="http://schemas.openxmlformats.org/presentationml/2006/main" showMasterSp="0" type="title" preserve="1">
   <p:cSld name="标题幻灯片">
@@ -800,7 +1062,7 @@
           <a:p>
             <a:fld id="{33D19E0F-282C-354B-AB8B-E0DAD0966E5D}" type="datetimeFigureOut">
               <a:rPr kumimoji="1" lang="zh-CN" altLang="en-US" smtClean="0"/>
-              <a:t>2018/11/7</a:t>
+              <a:t>2018/11/9</a:t>
             </a:fld>
             <a:endParaRPr kumimoji="1" lang="zh-CN" altLang="en-US"/>
           </a:p>
@@ -1008,7 +1270,7 @@
           <a:p>
             <a:fld id="{33D19E0F-282C-354B-AB8B-E0DAD0966E5D}" type="datetimeFigureOut">
               <a:rPr kumimoji="1" lang="zh-CN" altLang="en-US" smtClean="0"/>
-              <a:t>2018/11/7</a:t>
+              <a:t>2018/11/9</a:t>
             </a:fld>
             <a:endParaRPr kumimoji="1" lang="zh-CN" altLang="en-US"/>
           </a:p>
@@ -1264,7 +1526,7 @@
           <a:p>
             <a:fld id="{33D19E0F-282C-354B-AB8B-E0DAD0966E5D}" type="datetimeFigureOut">
               <a:rPr kumimoji="1" lang="zh-CN" altLang="en-US" smtClean="0"/>
-              <a:t>2018/11/7</a:t>
+              <a:t>2018/11/9</a:t>
             </a:fld>
             <a:endParaRPr kumimoji="1" lang="zh-CN" altLang="en-US"/>
           </a:p>
@@ -1438,7 +1700,7 @@
           <a:p>
             <a:fld id="{33D19E0F-282C-354B-AB8B-E0DAD0966E5D}" type="datetimeFigureOut">
               <a:rPr kumimoji="1" lang="zh-CN" altLang="en-US" smtClean="0"/>
-              <a:t>2018/11/7</a:t>
+              <a:t>2018/11/9</a:t>
             </a:fld>
             <a:endParaRPr kumimoji="1" lang="zh-CN" altLang="en-US"/>
           </a:p>
@@ -1781,7 +2043,7 @@
           <a:p>
             <a:fld id="{33D19E0F-282C-354B-AB8B-E0DAD0966E5D}" type="datetimeFigureOut">
               <a:rPr kumimoji="1" lang="zh-CN" altLang="en-US" smtClean="0"/>
-              <a:t>2018/11/7</a:t>
+              <a:t>2018/11/9</a:t>
             </a:fld>
             <a:endParaRPr kumimoji="1" lang="zh-CN" altLang="en-US"/>
           </a:p>
@@ -2056,7 +2318,7 @@
           <a:p>
             <a:fld id="{33D19E0F-282C-354B-AB8B-E0DAD0966E5D}" type="datetimeFigureOut">
               <a:rPr kumimoji="1" lang="zh-CN" altLang="en-US" smtClean="0"/>
-              <a:t>2018/11/7</a:t>
+              <a:t>2018/11/9</a:t>
             </a:fld>
             <a:endParaRPr kumimoji="1" lang="zh-CN" altLang="en-US"/>
           </a:p>
@@ -2435,7 +2697,7 @@
           <a:p>
             <a:fld id="{33D19E0F-282C-354B-AB8B-E0DAD0966E5D}" type="datetimeFigureOut">
               <a:rPr kumimoji="1" lang="zh-CN" altLang="en-US" smtClean="0"/>
-              <a:t>2018/11/7</a:t>
+              <a:t>2018/11/9</a:t>
             </a:fld>
             <a:endParaRPr kumimoji="1" lang="zh-CN" altLang="en-US"/>
           </a:p>
@@ -2553,7 +2815,7 @@
           <a:p>
             <a:fld id="{33D19E0F-282C-354B-AB8B-E0DAD0966E5D}" type="datetimeFigureOut">
               <a:rPr kumimoji="1" lang="zh-CN" altLang="en-US" smtClean="0"/>
-              <a:t>2018/11/7</a:t>
+              <a:t>2018/11/9</a:t>
             </a:fld>
             <a:endParaRPr kumimoji="1" lang="zh-CN" altLang="en-US"/>
           </a:p>
@@ -2724,7 +2986,7 @@
           <a:p>
             <a:fld id="{33D19E0F-282C-354B-AB8B-E0DAD0966E5D}" type="datetimeFigureOut">
               <a:rPr kumimoji="1" lang="zh-CN" altLang="en-US" smtClean="0"/>
-              <a:t>2018/11/7</a:t>
+              <a:t>2018/11/9</a:t>
             </a:fld>
             <a:endParaRPr kumimoji="1" lang="zh-CN" altLang="en-US"/>
           </a:p>
@@ -3078,7 +3340,7 @@
           <a:p>
             <a:fld id="{33D19E0F-282C-354B-AB8B-E0DAD0966E5D}" type="datetimeFigureOut">
               <a:rPr kumimoji="1" lang="zh-CN" altLang="en-US" smtClean="0"/>
-              <a:t>2018/11/7</a:t>
+              <a:t>2018/11/9</a:t>
             </a:fld>
             <a:endParaRPr kumimoji="1" lang="zh-CN" altLang="en-US"/>
           </a:p>
@@ -3460,7 +3722,7 @@
           <a:p>
             <a:fld id="{33D19E0F-282C-354B-AB8B-E0DAD0966E5D}" type="datetimeFigureOut">
               <a:rPr kumimoji="1" lang="zh-CN" altLang="en-US" smtClean="0"/>
-              <a:t>2018/11/7</a:t>
+              <a:t>2018/11/9</a:t>
             </a:fld>
             <a:endParaRPr kumimoji="1" lang="zh-CN" altLang="en-US"/>
           </a:p>
@@ -3747,7 +4009,7 @@
           <a:p>
             <a:fld id="{33D19E0F-282C-354B-AB8B-E0DAD0966E5D}" type="datetimeFigureOut">
               <a:rPr kumimoji="1" lang="zh-CN" altLang="en-US" smtClean="0"/>
-              <a:t>2018/11/7</a:t>
+              <a:t>2018/11/9</a:t>
             </a:fld>
             <a:endParaRPr kumimoji="1" lang="zh-CN" altLang="en-US"/>
           </a:p>
@@ -4379,8 +4641,8 @@
           <a:lstStyle/>
           <a:p>
             <a:r>
-              <a:rPr kumimoji="1" lang="en-US" altLang="zh-CN" dirty="0" smtClean="0"/>
-              <a:t>Introduction</a:t>
+              <a:rPr lang="en-US" altLang="zh-CN" dirty="0"/>
+              <a:t>2. Sarcasm Studies in Linguistics</a:t>
             </a:r>
             <a:endParaRPr kumimoji="1" lang="zh-CN" altLang="en-US" dirty="0"/>
           </a:p>
@@ -4490,10 +4752,22 @@
             </a:r>
             <a:r>
               <a:rPr kumimoji="1" lang="en-US" altLang="zh-CN" dirty="0"/>
-              <a:t>1) Identification of shared </a:t>
-            </a:r>
-            <a:r>
-              <a:rPr kumimoji="1" lang="en-US" altLang="zh-CN" dirty="0" smtClean="0"/>
+              <a:t>1) Identification of </a:t>
+            </a:r>
+            <a:r>
+              <a:rPr kumimoji="1" lang="en-US" altLang="zh-CN" b="1" dirty="0">
+                <a:solidFill>
+                  <a:srgbClr val="FF0000"/>
+                </a:solidFill>
+              </a:rPr>
+              <a:t>shared </a:t>
+            </a:r>
+            <a:r>
+              <a:rPr kumimoji="1" lang="en-US" altLang="zh-CN" b="1" dirty="0" smtClean="0">
+                <a:solidFill>
+                  <a:srgbClr val="FF0000"/>
+                </a:solidFill>
+              </a:rPr>
               <a:t>knowledge</a:t>
             </a:r>
           </a:p>
@@ -4550,7 +4824,11 @@
               <a:t>what constitutes </a:t>
             </a:r>
             <a:r>
-              <a:rPr kumimoji="1" lang="en-US" altLang="zh-CN" dirty="0" smtClean="0"/>
+              <a:rPr kumimoji="1" lang="en-US" altLang="zh-CN" b="1" dirty="0" smtClean="0">
+                <a:solidFill>
+                  <a:srgbClr val="FF0000"/>
+                </a:solidFill>
+              </a:rPr>
               <a:t>ridicule</a:t>
             </a:r>
           </a:p>
@@ -4650,8 +4928,8 @@
           <a:lstStyle/>
           <a:p>
             <a:r>
-              <a:rPr kumimoji="1" lang="en-US" altLang="zh-CN" dirty="0" smtClean="0"/>
-              <a:t>Introduction</a:t>
+              <a:rPr lang="en-US" altLang="zh-CN" dirty="0"/>
+              <a:t>2. Sarcasm Studies in Linguistics</a:t>
             </a:r>
             <a:endParaRPr kumimoji="1" lang="zh-CN" altLang="en-US" dirty="0"/>
           </a:p>
@@ -4889,7 +5167,7 @@
           <a:p>
             <a:r>
               <a:rPr kumimoji="1" lang="en-US" altLang="zh-CN" dirty="0" smtClean="0"/>
-              <a:t>Problem Definition</a:t>
+              <a:t>3. Problem Definition</a:t>
             </a:r>
             <a:endParaRPr kumimoji="1" lang="zh-CN" altLang="en-US" dirty="0"/>
           </a:p>
@@ -5236,7 +5514,7 @@
           <a:p>
             <a:r>
               <a:rPr kumimoji="1" lang="en-US" altLang="zh-CN" dirty="0" smtClean="0"/>
-              <a:t>Dataset - </a:t>
+              <a:t>4.1 Dataset - </a:t>
             </a:r>
             <a:r>
               <a:rPr lang="en-US" altLang="zh-CN" dirty="0"/>
@@ -5477,6 +5755,10 @@
           <a:lstStyle/>
           <a:p>
             <a:r>
+              <a:rPr kumimoji="1" lang="en-US" altLang="zh-CN" dirty="0" smtClean="0"/>
+              <a:t>4.1 </a:t>
+            </a:r>
+            <a:r>
               <a:rPr kumimoji="1" lang="en-US" altLang="zh-CN" dirty="0"/>
               <a:t>Dataset - </a:t>
             </a:r>
@@ -5755,6 +6037,10 @@
           <a:lstStyle/>
           <a:p>
             <a:r>
+              <a:rPr kumimoji="1" lang="en-US" altLang="zh-CN" dirty="0" smtClean="0"/>
+              <a:t>4.1 </a:t>
+            </a:r>
+            <a:r>
               <a:rPr kumimoji="1" lang="en-US" altLang="zh-CN" dirty="0"/>
               <a:t>Dataset - </a:t>
             </a:r>
@@ -5971,7 +6257,15 @@
           <a:p>
             <a:r>
               <a:rPr kumimoji="1" lang="en-US" altLang="zh-CN" dirty="0" smtClean="0"/>
-              <a:t>Dataset - </a:t>
+              <a:t>4.2 </a:t>
+            </a:r>
+            <a:r>
+              <a:rPr kumimoji="1" lang="en-US" altLang="zh-CN" dirty="0"/>
+              <a:t>Dataset </a:t>
+            </a:r>
+            <a:r>
+              <a:rPr kumimoji="1" lang="en-US" altLang="zh-CN" dirty="0" smtClean="0"/>
+              <a:t>- </a:t>
             </a:r>
             <a:r>
               <a:rPr lang="en-US" altLang="zh-CN" dirty="0"/>
@@ -6497,7 +6791,15 @@
           <a:p>
             <a:r>
               <a:rPr kumimoji="1" lang="en-US" altLang="zh-CN" dirty="0" smtClean="0"/>
-              <a:t>Dataset - </a:t>
+              <a:t>4.3 </a:t>
+            </a:r>
+            <a:r>
+              <a:rPr kumimoji="1" lang="en-US" altLang="zh-CN" dirty="0"/>
+              <a:t>Dataset </a:t>
+            </a:r>
+            <a:r>
+              <a:rPr kumimoji="1" lang="en-US" altLang="zh-CN" dirty="0" smtClean="0"/>
+              <a:t>- </a:t>
             </a:r>
             <a:r>
               <a:rPr kumimoji="1" lang="en-US" altLang="zh-CN" dirty="0"/>
@@ -6788,7 +7090,15 @@
           <a:p>
             <a:r>
               <a:rPr kumimoji="1" lang="en-US" altLang="zh-CN" dirty="0" smtClean="0"/>
-              <a:t>Dataset - </a:t>
+              <a:t>4.4 </a:t>
+            </a:r>
+            <a:r>
+              <a:rPr kumimoji="1" lang="en-US" altLang="zh-CN" dirty="0"/>
+              <a:t>Dataset </a:t>
+            </a:r>
+            <a:r>
+              <a:rPr kumimoji="1" lang="en-US" altLang="zh-CN" dirty="0" smtClean="0"/>
+              <a:t>- </a:t>
             </a:r>
             <a:r>
               <a:rPr lang="en-US" altLang="zh-CN" dirty="0"/>
@@ -7176,7 +7486,7 @@
           <a:p>
             <a:r>
               <a:rPr kumimoji="1" lang="en-US" altLang="zh-CN" dirty="0" smtClean="0"/>
-              <a:t>Approaches</a:t>
+              <a:t>5. Approaches</a:t>
             </a:r>
             <a:endParaRPr kumimoji="1" lang="zh-CN" altLang="en-US" dirty="0"/>
           </a:p>
@@ -7223,6 +7533,10 @@
           </a:p>
           <a:p>
             <a:pPr lvl="1"/>
+            <a:endParaRPr lang="en-US" altLang="zh-CN" dirty="0" smtClean="0"/>
+          </a:p>
+          <a:p>
+            <a:pPr lvl="1"/>
             <a:r>
               <a:rPr lang="en-US" altLang="zh-CN" dirty="0" smtClean="0"/>
               <a:t>Rule-based</a:t>
@@ -7230,6 +7544,10 @@
           </a:p>
           <a:p>
             <a:pPr lvl="1"/>
+            <a:endParaRPr lang="en-US" altLang="zh-CN" dirty="0" smtClean="0"/>
+          </a:p>
+          <a:p>
+            <a:pPr lvl="1"/>
             <a:r>
               <a:rPr lang="en-US" altLang="zh-CN" dirty="0" smtClean="0"/>
               <a:t>Statistical</a:t>
@@ -7237,13 +7555,13 @@
           </a:p>
           <a:p>
             <a:pPr lvl="1"/>
-            <a:r>
-              <a:rPr lang="en-US" altLang="zh-CN" dirty="0"/>
-              <a:t>D</a:t>
-            </a:r>
-            <a:r>
-              <a:rPr lang="en-US" altLang="zh-CN" dirty="0" smtClean="0"/>
-              <a:t>eep </a:t>
+            <a:endParaRPr lang="en-US" altLang="zh-CN" dirty="0" smtClean="0"/>
+          </a:p>
+          <a:p>
+            <a:pPr lvl="1"/>
+            <a:r>
+              <a:rPr lang="en-US" altLang="zh-CN" dirty="0" smtClean="0"/>
+              <a:t>Deep </a:t>
             </a:r>
             <a:r>
               <a:rPr lang="en-US" altLang="zh-CN" dirty="0"/>
@@ -7304,7 +7622,7 @@
           <a:p>
             <a:r>
               <a:rPr kumimoji="1" lang="en-US" altLang="zh-CN" dirty="0" smtClean="0"/>
-              <a:t>Introduction</a:t>
+              <a:t>1. Introduction</a:t>
             </a:r>
             <a:endParaRPr kumimoji="1" lang="zh-CN" altLang="en-US" dirty="0"/>
           </a:p>
@@ -7611,10 +7929,13 @@
           <a:lstStyle/>
           <a:p>
             <a:r>
-              <a:rPr lang="en-US" altLang="zh-CN" dirty="0"/>
-              <a:t>Rule-Based Approaches</a:t>
-            </a:r>
-            <a:endParaRPr lang="en-US" altLang="zh-CN" dirty="0"/>
+              <a:rPr lang="en-US" altLang="zh-CN" dirty="0" smtClean="0"/>
+              <a:t>5.1 Rule-Based </a:t>
+            </a:r>
+            <a:r>
+              <a:rPr lang="en-US" altLang="zh-CN" dirty="0"/>
+              <a:t>Approaches</a:t>
+            </a:r>
           </a:p>
         </p:txBody>
       </p:sp>
@@ -7905,7 +8226,7 @@
           <a:p>
             <a:r>
               <a:rPr kumimoji="1" lang="en-US" altLang="zh-CN" dirty="0" smtClean="0"/>
-              <a:t>Feature Sets</a:t>
+              <a:t>5.2 Feature Sets</a:t>
             </a:r>
             <a:endParaRPr kumimoji="1" lang="zh-CN" altLang="en-US" dirty="0"/>
           </a:p>
@@ -7933,7 +8254,7 @@
         </p:blipFill>
         <p:spPr>
           <a:xfrm>
-            <a:off x="3145437" y="1828527"/>
+            <a:off x="3122287" y="1851676"/>
             <a:ext cx="6195333" cy="4466653"/>
           </a:xfrm>
           <a:prstGeom prst="rect">
@@ -7987,10 +8308,13 @@
           <a:lstStyle/>
           <a:p>
             <a:r>
-              <a:rPr lang="en-US" altLang="zh-CN" dirty="0"/>
-              <a:t>Learning Algorithms</a:t>
-            </a:r>
-            <a:endParaRPr lang="en-US" altLang="zh-CN" dirty="0"/>
+              <a:rPr lang="en-US" altLang="zh-CN" dirty="0" smtClean="0"/>
+              <a:t>5.3 Learning </a:t>
+            </a:r>
+            <a:r>
+              <a:rPr lang="en-US" altLang="zh-CN" dirty="0"/>
+              <a:t>Algorithms</a:t>
+            </a:r>
           </a:p>
         </p:txBody>
       </p:sp>
@@ -8488,8 +8812,12 @@
           <a:lstStyle/>
           <a:p>
             <a:r>
-              <a:rPr lang="en-US" altLang="zh-CN" dirty="0"/>
-              <a:t>Deep Learning-Based </a:t>
+              <a:rPr lang="en-US" altLang="zh-CN" dirty="0" smtClean="0"/>
+              <a:t>5.4 Deep </a:t>
+            </a:r>
+            <a:r>
+              <a:rPr lang="en-US" altLang="zh-CN" dirty="0"/>
+              <a:t>Learning-Based </a:t>
             </a:r>
             <a:r>
               <a:rPr lang="en-US" altLang="zh-CN" dirty="0" smtClean="0"/>
@@ -8900,7 +9228,7 @@
           <a:p>
             <a:r>
               <a:rPr lang="en-US" altLang="zh-CN" dirty="0" smtClean="0"/>
-              <a:t>Shared </a:t>
+              <a:t>5.5 Shared </a:t>
             </a:r>
             <a:r>
               <a:rPr lang="en-US" altLang="zh-CN" dirty="0"/>
@@ -9444,29 +9772,44 @@
           <a:bodyPr/>
           <a:lstStyle/>
           <a:p>
-            <a:endParaRPr kumimoji="1" lang="zh-CN" altLang="en-US"/>
+            <a:r>
+              <a:rPr kumimoji="1" lang="en-US" altLang="zh-CN" dirty="0" smtClean="0"/>
+              <a:t>7. Trends in Sarcasm Detection</a:t>
+            </a:r>
+            <a:endParaRPr kumimoji="1" lang="zh-CN" altLang="en-US" dirty="0"/>
           </a:p>
         </p:txBody>
       </p:sp>
-      <p:sp>
-        <p:nvSpPr>
-          <p:cNvPr id="3" name="内容占位符 2"/>
-          <p:cNvSpPr>
-            <a:spLocks noGrp="1"/>
-          </p:cNvSpPr>
-          <p:nvPr>
-            <p:ph idx="1"/>
-          </p:nvPr>
-        </p:nvSpPr>
-        <p:spPr/>
-        <p:txBody>
-          <a:bodyPr/>
-          <a:lstStyle/>
-          <a:p>
-            <a:endParaRPr kumimoji="1" lang="zh-CN" altLang="en-US"/>
-          </a:p>
-        </p:txBody>
-      </p:sp>
+      <p:pic>
+        <p:nvPicPr>
+          <p:cNvPr id="4" name="图片 3"/>
+          <p:cNvPicPr>
+            <a:picLocks noChangeAspect="1"/>
+          </p:cNvPicPr>
+          <p:nvPr/>
+        </p:nvPicPr>
+        <p:blipFill>
+          <a:blip r:embed="rId2">
+            <a:extLst>
+              <a:ext uri="{28A0092B-C50C-407E-A947-70E740481C1C}">
+                <a14:useLocalDpi xmlns:a14="http://schemas.microsoft.com/office/drawing/2010/main" val="0"/>
+              </a:ext>
+            </a:extLst>
+          </a:blip>
+          <a:stretch>
+            <a:fillRect/>
+          </a:stretch>
+        </p:blipFill>
+        <p:spPr>
+          <a:xfrm>
+            <a:off x="1525784" y="1836402"/>
+            <a:ext cx="9201391" cy="4392385"/>
+          </a:xfrm>
+          <a:prstGeom prst="rect">
+            <a:avLst/>
+          </a:prstGeom>
+        </p:spPr>
+      </p:pic>
     </p:spTree>
     <p:extLst>
       <p:ext uri="{BB962C8B-B14F-4D97-AF65-F5344CB8AC3E}">
@@ -9513,8 +9856,12 @@
           <a:lstStyle/>
           <a:p>
             <a:r>
-              <a:rPr kumimoji="1" lang="en-US" altLang="zh-CN" dirty="0" smtClean="0"/>
-              <a:t>Reference</a:t>
+              <a:rPr lang="en-US" altLang="zh-CN" dirty="0"/>
+              <a:t>7.1 Pattern </a:t>
+            </a:r>
+            <a:r>
+              <a:rPr lang="en-US" altLang="zh-CN" dirty="0" smtClean="0"/>
+              <a:t>Discovery</a:t>
             </a:r>
             <a:endParaRPr kumimoji="1" lang="zh-CN" altLang="en-US" dirty="0"/>
           </a:p>
@@ -9532,21 +9879,284 @@
         </p:nvSpPr>
         <p:spPr/>
         <p:txBody>
-          <a:bodyPr/>
+          <a:bodyPr>
+            <a:normAutofit/>
+          </a:bodyPr>
           <a:lstStyle/>
           <a:p>
+            <a:endParaRPr lang="en-US" altLang="zh-CN" dirty="0" smtClean="0"/>
+          </a:p>
+          <a:p>
+            <a:r>
+              <a:rPr lang="en-US" altLang="zh-CN" dirty="0" smtClean="0"/>
+              <a:t>Sarcasm </a:t>
+            </a:r>
+            <a:r>
+              <a:rPr lang="en-US" altLang="zh-CN" dirty="0"/>
+              <a:t>may contain </a:t>
+            </a:r>
+            <a:r>
+              <a:rPr lang="en-US" altLang="zh-CN" b="1" dirty="0">
+                <a:solidFill>
+                  <a:srgbClr val="FF0000"/>
+                </a:solidFill>
+              </a:rPr>
+              <a:t>implicit sentiment </a:t>
+            </a:r>
+            <a:r>
+              <a:rPr lang="en-US" altLang="zh-CN" b="1" dirty="0" smtClean="0">
+                <a:solidFill>
+                  <a:srgbClr val="FF0000"/>
+                </a:solidFill>
+              </a:rPr>
+              <a:t>phrases</a:t>
+            </a:r>
+          </a:p>
+          <a:p>
             <a:pPr lvl="1"/>
             <a:r>
-              <a:rPr lang="en-US" altLang="zh-CN" dirty="0"/>
-              <a:t>Carman, M. J., Carman, M. J., &amp; Carman, M. J. (2017). </a:t>
-            </a:r>
-            <a:r>
-              <a:rPr lang="en-US" altLang="zh-CN" i="1" dirty="0"/>
-              <a:t>Automatic Sarcasm Detection: A Survey</a:t>
-            </a:r>
-            <a:r>
-              <a:rPr lang="en-US" altLang="zh-CN" dirty="0"/>
-              <a:t>. ACM.</a:t>
+              <a:rPr lang="en-US" altLang="zh-CN" dirty="0" smtClean="0"/>
+              <a:t>e.g. </a:t>
+            </a:r>
+            <a:r>
+              <a:rPr lang="en-US" altLang="zh-CN" dirty="0"/>
+              <a:t>“just got off a wonderful 12 </a:t>
+            </a:r>
+            <a:r>
+              <a:rPr lang="en-US" altLang="zh-CN" dirty="0" smtClean="0"/>
+              <a:t>hour</a:t>
+            </a:r>
+            <a:r>
+              <a:rPr lang="zh-TW" altLang="en-US" dirty="0" smtClean="0"/>
+              <a:t> </a:t>
+            </a:r>
+            <a:r>
+              <a:rPr lang="en-US" altLang="zh-CN" dirty="0" smtClean="0"/>
+              <a:t>flight </a:t>
+            </a:r>
+            <a:r>
+              <a:rPr lang="en-US" altLang="zh-CN" dirty="0"/>
+              <a:t>sitting next to a crying baby</a:t>
+            </a:r>
+            <a:r>
+              <a:rPr lang="en-US" altLang="zh-CN" dirty="0" smtClean="0"/>
+              <a:t>”</a:t>
+            </a:r>
+          </a:p>
+          <a:p>
+            <a:endParaRPr lang="en-US" altLang="zh-CN" dirty="0" smtClean="0"/>
+          </a:p>
+          <a:p>
+            <a:r>
+              <a:rPr lang="en-US" altLang="zh-CN" dirty="0" smtClean="0"/>
+              <a:t>Reference </a:t>
+            </a:r>
+            <a:r>
+              <a:rPr lang="en-US" altLang="zh-CN" dirty="0"/>
+              <a:t>[68</a:t>
+            </a:r>
+            <a:r>
+              <a:rPr lang="en-US" altLang="zh-CN" dirty="0" smtClean="0"/>
+              <a:t>]</a:t>
+            </a:r>
+          </a:p>
+          <a:p>
+            <a:pPr lvl="1"/>
+            <a:r>
+              <a:rPr lang="en-US" altLang="zh-CN" dirty="0" smtClean="0"/>
+              <a:t>extracts </a:t>
+            </a:r>
+            <a:r>
+              <a:rPr lang="en-US" altLang="zh-CN" dirty="0"/>
+              <a:t>sarcastic patterns from a </a:t>
+            </a:r>
+            <a:r>
+              <a:rPr lang="en-US" altLang="zh-CN" b="1" dirty="0" smtClean="0">
+                <a:solidFill>
+                  <a:srgbClr val="FF0000"/>
+                </a:solidFill>
+              </a:rPr>
+              <a:t>seed</a:t>
+            </a:r>
+            <a:r>
+              <a:rPr lang="zh-TW" altLang="en-US" dirty="0" smtClean="0">
+                <a:solidFill>
+                  <a:srgbClr val="FF0000"/>
+                </a:solidFill>
+              </a:rPr>
+              <a:t> </a:t>
+            </a:r>
+            <a:r>
+              <a:rPr lang="en-US" altLang="zh-CN" dirty="0" smtClean="0"/>
+              <a:t>set </a:t>
+            </a:r>
+            <a:r>
+              <a:rPr lang="en-US" altLang="zh-CN" dirty="0"/>
+              <a:t>of labeled </a:t>
+            </a:r>
+            <a:r>
+              <a:rPr lang="en-US" altLang="zh-CN" dirty="0" smtClean="0"/>
+              <a:t>sentences.</a:t>
+            </a:r>
+          </a:p>
+          <a:p>
+            <a:pPr lvl="1"/>
+            <a:r>
+              <a:rPr lang="en-US" altLang="zh-CN" dirty="0" smtClean="0"/>
+              <a:t>first </a:t>
+            </a:r>
+            <a:r>
+              <a:rPr lang="en-US" altLang="zh-CN" dirty="0"/>
+              <a:t>select words that either </a:t>
+            </a:r>
+            <a:r>
+              <a:rPr lang="en-US" altLang="zh-CN" b="1" dirty="0">
+                <a:solidFill>
+                  <a:srgbClr val="FF0000"/>
+                </a:solidFill>
+              </a:rPr>
+              <a:t>occur more frequently</a:t>
+            </a:r>
+            <a:r>
+              <a:rPr lang="en-US" altLang="zh-CN" dirty="0"/>
+              <a:t> than an </a:t>
+            </a:r>
+            <a:r>
+              <a:rPr lang="en-US" altLang="zh-CN" dirty="0" smtClean="0"/>
+              <a:t>upper</a:t>
+            </a:r>
+            <a:r>
+              <a:rPr lang="zh-TW" altLang="en-US" dirty="0" smtClean="0"/>
+              <a:t> </a:t>
+            </a:r>
+            <a:r>
+              <a:rPr lang="en-US" altLang="zh-CN" dirty="0" smtClean="0"/>
+              <a:t>threshold </a:t>
+            </a:r>
+            <a:r>
+              <a:rPr lang="en-US" altLang="zh-CN" dirty="0"/>
+              <a:t>or </a:t>
+            </a:r>
+            <a:r>
+              <a:rPr lang="en-US" altLang="zh-CN" b="1" dirty="0">
+                <a:solidFill>
+                  <a:srgbClr val="FF0000"/>
+                </a:solidFill>
+              </a:rPr>
+              <a:t>less frequently than</a:t>
+            </a:r>
+            <a:r>
+              <a:rPr lang="en-US" altLang="zh-CN" dirty="0"/>
+              <a:t> a lower threshold</a:t>
+            </a:r>
+            <a:r>
+              <a:rPr lang="en-US" altLang="zh-CN" dirty="0" smtClean="0"/>
+              <a:t>.</a:t>
+            </a:r>
+          </a:p>
+          <a:p>
+            <a:pPr lvl="1"/>
+            <a:r>
+              <a:rPr lang="en-US" altLang="zh-CN" dirty="0" smtClean="0"/>
+              <a:t>identify </a:t>
+            </a:r>
+            <a:r>
+              <a:rPr lang="en-US" altLang="zh-CN" dirty="0"/>
+              <a:t>a large set of </a:t>
+            </a:r>
+            <a:r>
+              <a:rPr lang="en-US" altLang="zh-CN" b="1" dirty="0">
+                <a:solidFill>
+                  <a:srgbClr val="FF0000"/>
+                </a:solidFill>
+              </a:rPr>
+              <a:t>candidate </a:t>
+            </a:r>
+            <a:r>
+              <a:rPr lang="en-US" altLang="zh-CN" b="1" dirty="0" smtClean="0">
+                <a:solidFill>
+                  <a:srgbClr val="FF0000"/>
+                </a:solidFill>
+              </a:rPr>
+              <a:t>patterns</a:t>
+            </a:r>
+            <a:r>
+              <a:rPr lang="zh-TW" altLang="en-US" b="1" dirty="0" smtClean="0">
+                <a:solidFill>
+                  <a:srgbClr val="FF0000"/>
+                </a:solidFill>
+              </a:rPr>
+              <a:t> </a:t>
+            </a:r>
+            <a:r>
+              <a:rPr lang="en-US" altLang="zh-CN" dirty="0"/>
+              <a:t>from among these extracted words</a:t>
+            </a:r>
+            <a:r>
+              <a:rPr lang="en-US" altLang="zh-CN" dirty="0" smtClean="0"/>
+              <a:t>.</a:t>
+            </a:r>
+          </a:p>
+          <a:p>
+            <a:pPr lvl="1"/>
+            <a:r>
+              <a:rPr lang="en-US" altLang="zh-CN" dirty="0" smtClean="0"/>
+              <a:t>The </a:t>
+            </a:r>
+            <a:r>
+              <a:rPr lang="en-US" altLang="zh-CN" dirty="0"/>
+              <a:t>patterns that </a:t>
+            </a:r>
+            <a:r>
+              <a:rPr lang="en-US" altLang="zh-CN" b="1" dirty="0">
+                <a:solidFill>
+                  <a:srgbClr val="FF0000"/>
+                </a:solidFill>
+              </a:rPr>
+              <a:t>occur discriminatively </a:t>
+            </a:r>
+            <a:r>
+              <a:rPr lang="en-US" altLang="zh-CN" dirty="0"/>
+              <a:t>in either classes </a:t>
+            </a:r>
+            <a:r>
+              <a:rPr lang="en-US" altLang="zh-CN" dirty="0" smtClean="0"/>
+              <a:t>are</a:t>
+            </a:r>
+            <a:r>
+              <a:rPr lang="zh-TW" altLang="en-US" dirty="0" smtClean="0"/>
+              <a:t> </a:t>
+            </a:r>
+            <a:r>
+              <a:rPr lang="en-US" altLang="zh-CN" dirty="0" smtClean="0"/>
+              <a:t>then </a:t>
+            </a:r>
+            <a:r>
+              <a:rPr lang="en-US" altLang="zh-CN" dirty="0"/>
+              <a:t>selected</a:t>
+            </a:r>
+            <a:r>
+              <a:rPr lang="en-US" altLang="zh-CN" dirty="0" smtClean="0"/>
+              <a:t>.</a:t>
+            </a:r>
+          </a:p>
+          <a:p>
+            <a:pPr lvl="1"/>
+            <a:r>
+              <a:rPr lang="en-US" altLang="zh-CN" dirty="0" smtClean="0"/>
+              <a:t>References </a:t>
+            </a:r>
+            <a:r>
+              <a:rPr lang="en-US" altLang="zh-CN" dirty="0"/>
+              <a:t>[53] and [</a:t>
+            </a:r>
+            <a:r>
+              <a:rPr lang="en-US" altLang="zh-CN" dirty="0" smtClean="0"/>
+              <a:t>8] use </a:t>
+            </a:r>
+            <a:r>
+              <a:rPr lang="en-US" altLang="zh-CN" dirty="0"/>
+              <a:t>a similar approach for Czech and English tweets.</a:t>
             </a:r>
             <a:endParaRPr kumimoji="1" lang="zh-CN" altLang="en-US" dirty="0"/>
           </a:p>
@@ -9555,7 +10165,745 @@
     </p:spTree>
     <p:extLst>
       <p:ext uri="{BB962C8B-B14F-4D97-AF65-F5344CB8AC3E}">
-        <p14:creationId xmlns:p14="http://schemas.microsoft.com/office/powerpoint/2010/main" val="1302696452"/>
+        <p14:creationId xmlns:p14="http://schemas.microsoft.com/office/powerpoint/2010/main" val="321022811"/>
+      </p:ext>
+    </p:extLst>
+  </p:cSld>
+  <p:clrMapOvr>
+    <a:masterClrMapping/>
+  </p:clrMapOvr>
+</p:sld>
+</file>
+
+<file path=ppt/slides/slide27.xml><?xml version="1.0" encoding="utf-8"?>
+<p:sld xmlns:a="http://schemas.openxmlformats.org/drawingml/2006/main" xmlns:r="http://schemas.openxmlformats.org/officeDocument/2006/relationships" xmlns:p="http://schemas.openxmlformats.org/presentationml/2006/main">
+  <p:cSld>
+    <p:spTree>
+      <p:nvGrpSpPr>
+        <p:cNvPr id="1" name=""/>
+        <p:cNvGrpSpPr/>
+        <p:nvPr/>
+      </p:nvGrpSpPr>
+      <p:grpSpPr>
+        <a:xfrm>
+          <a:off x="0" y="0"/>
+          <a:ext cx="0" cy="0"/>
+          <a:chOff x="0" y="0"/>
+          <a:chExt cx="0" cy="0"/>
+        </a:xfrm>
+      </p:grpSpPr>
+      <p:sp>
+        <p:nvSpPr>
+          <p:cNvPr id="2" name="标题 1"/>
+          <p:cNvSpPr>
+            <a:spLocks noGrp="1"/>
+          </p:cNvSpPr>
+          <p:nvPr>
+            <p:ph type="title"/>
+          </p:nvPr>
+        </p:nvSpPr>
+        <p:spPr/>
+        <p:txBody>
+          <a:bodyPr/>
+          <a:lstStyle/>
+          <a:p>
+            <a:r>
+              <a:rPr lang="en-US" altLang="zh-CN" dirty="0"/>
+              <a:t>7.1 Pattern Discovery</a:t>
+            </a:r>
+            <a:endParaRPr kumimoji="1" lang="zh-CN" altLang="en-US" dirty="0"/>
+          </a:p>
+        </p:txBody>
+      </p:sp>
+      <p:sp>
+        <p:nvSpPr>
+          <p:cNvPr id="3" name="内容占位符 2"/>
+          <p:cNvSpPr>
+            <a:spLocks noGrp="1"/>
+          </p:cNvSpPr>
+          <p:nvPr>
+            <p:ph idx="1"/>
+          </p:nvPr>
+        </p:nvSpPr>
+        <p:spPr/>
+        <p:txBody>
+          <a:bodyPr>
+            <a:normAutofit/>
+          </a:bodyPr>
+          <a:lstStyle/>
+          <a:p>
+            <a:r>
+              <a:rPr lang="en-US" altLang="zh-CN" dirty="0" smtClean="0"/>
+              <a:t>Reference </a:t>
+            </a:r>
+            <a:r>
+              <a:rPr lang="en-US" altLang="zh-CN" dirty="0"/>
+              <a:t>[60 </a:t>
+            </a:r>
+            <a:r>
+              <a:rPr lang="en-US" altLang="zh-CN" dirty="0" smtClean="0"/>
+              <a:t>]</a:t>
+            </a:r>
+          </a:p>
+          <a:p>
+            <a:pPr lvl="1"/>
+            <a:r>
+              <a:rPr lang="en-US" altLang="zh-CN" dirty="0" smtClean="0"/>
+              <a:t>Hypothesize </a:t>
+            </a:r>
+            <a:r>
+              <a:rPr lang="en-US" altLang="zh-CN" dirty="0"/>
+              <a:t>that sarcasm occurs due to a contrast between </a:t>
+            </a:r>
+            <a:r>
+              <a:rPr lang="en-US" altLang="zh-CN" b="1" dirty="0">
+                <a:solidFill>
+                  <a:srgbClr val="FF0000"/>
+                </a:solidFill>
+              </a:rPr>
+              <a:t>positive verbs </a:t>
+            </a:r>
+            <a:r>
+              <a:rPr lang="en-US" altLang="zh-CN" dirty="0" smtClean="0">
+                <a:solidFill>
+                  <a:srgbClr val="40403D"/>
+                </a:solidFill>
+              </a:rPr>
+              <a:t>and</a:t>
+            </a:r>
+            <a:r>
+              <a:rPr lang="en-US" altLang="zh-CN" b="1" dirty="0" smtClean="0">
+                <a:solidFill>
+                  <a:srgbClr val="FF0000"/>
+                </a:solidFill>
+              </a:rPr>
+              <a:t> phrases </a:t>
+            </a:r>
+            <a:r>
+              <a:rPr lang="en-US" altLang="zh-CN" b="1" dirty="0">
+                <a:solidFill>
+                  <a:srgbClr val="FF0000"/>
+                </a:solidFill>
+              </a:rPr>
+              <a:t>indicating negative situations</a:t>
+            </a:r>
+            <a:r>
+              <a:rPr lang="en-US" altLang="zh-CN" dirty="0"/>
+              <a:t> </a:t>
+            </a:r>
+            <a:endParaRPr lang="en-US" altLang="zh-CN" dirty="0" smtClean="0"/>
+          </a:p>
+          <a:p>
+            <a:pPr lvl="2"/>
+            <a:r>
+              <a:rPr lang="en-US" altLang="zh-CN" dirty="0" smtClean="0"/>
+              <a:t>e.g. “I love being awake at 4 am with a headache”</a:t>
+            </a:r>
+          </a:p>
+          <a:p>
+            <a:pPr lvl="1"/>
+            <a:r>
+              <a:rPr lang="en-US" altLang="zh-CN" dirty="0" smtClean="0"/>
+              <a:t>The algorithm also </a:t>
+            </a:r>
+            <a:r>
+              <a:rPr lang="en-US" altLang="zh-CN" dirty="0"/>
+              <a:t>incorporates </a:t>
+            </a:r>
+            <a:r>
+              <a:rPr lang="en-US" altLang="zh-CN" dirty="0" err="1"/>
+              <a:t>subsumption</a:t>
+            </a:r>
+            <a:r>
+              <a:rPr lang="en-US" altLang="zh-CN" dirty="0"/>
+              <a:t> of shorter situation phrases by longer situation phrases</a:t>
+            </a:r>
+            <a:r>
+              <a:rPr lang="en-US" altLang="zh-CN" dirty="0" smtClean="0"/>
+              <a:t>.</a:t>
+            </a:r>
+          </a:p>
+          <a:p>
+            <a:pPr lvl="2"/>
+            <a:r>
+              <a:rPr lang="en-US" altLang="zh-CN" dirty="0" smtClean="0"/>
+              <a:t>e.g. “being </a:t>
+            </a:r>
+            <a:r>
+              <a:rPr lang="en-US" altLang="zh-CN" dirty="0"/>
+              <a:t>awake at 4 am ” as in the previous example has an implicit negative sentiment in </a:t>
+            </a:r>
+            <a:r>
+              <a:rPr lang="en-US" altLang="zh-CN" dirty="0" smtClean="0"/>
+              <a:t>itself as </a:t>
+            </a:r>
+            <a:r>
+              <a:rPr lang="en-US" altLang="zh-CN" dirty="0"/>
+              <a:t>compared to the longer phrase “being awake at 4am with a headache </a:t>
+            </a:r>
+            <a:r>
+              <a:rPr lang="en-US" altLang="zh-CN" dirty="0" smtClean="0"/>
+              <a:t>.”</a:t>
+            </a:r>
+          </a:p>
+          <a:p>
+            <a:pPr lvl="1"/>
+            <a:r>
+              <a:rPr lang="en-US" altLang="zh-CN" dirty="0" smtClean="0"/>
+              <a:t>Reference </a:t>
+            </a:r>
+            <a:r>
+              <a:rPr lang="en-US" altLang="zh-CN" dirty="0"/>
+              <a:t>[32 ] </a:t>
+            </a:r>
+            <a:r>
+              <a:rPr lang="en-US" altLang="zh-CN" dirty="0" smtClean="0"/>
+              <a:t>adapts this </a:t>
+            </a:r>
+            <a:r>
+              <a:rPr lang="en-US" altLang="zh-CN" dirty="0"/>
+              <a:t>algorithm by eliminating </a:t>
+            </a:r>
+            <a:r>
+              <a:rPr lang="en-US" altLang="zh-CN" dirty="0" err="1"/>
+              <a:t>subsumption</a:t>
+            </a:r>
+            <a:r>
+              <a:rPr lang="en-US" altLang="zh-CN" dirty="0" smtClean="0"/>
+              <a:t>.</a:t>
+            </a:r>
+          </a:p>
+          <a:p>
+            <a:r>
+              <a:rPr lang="en-US" altLang="zh-CN" dirty="0" smtClean="0"/>
+              <a:t>Reference </a:t>
+            </a:r>
+            <a:r>
+              <a:rPr lang="en-US" altLang="zh-CN" dirty="0"/>
+              <a:t>[45 </a:t>
+            </a:r>
+            <a:r>
+              <a:rPr lang="en-US" altLang="zh-CN" dirty="0" smtClean="0"/>
+              <a:t>]</a:t>
+            </a:r>
+          </a:p>
+          <a:p>
+            <a:pPr lvl="1"/>
+            <a:r>
+              <a:rPr lang="en-US" altLang="zh-CN" dirty="0" smtClean="0"/>
+              <a:t>begins </a:t>
+            </a:r>
+            <a:r>
+              <a:rPr lang="en-US" altLang="zh-CN" dirty="0"/>
+              <a:t>with a seed set of </a:t>
+            </a:r>
+            <a:r>
+              <a:rPr lang="en-US" altLang="zh-CN" b="1" dirty="0">
+                <a:solidFill>
+                  <a:srgbClr val="FF0000"/>
+                </a:solidFill>
+              </a:rPr>
+              <a:t>nastiness</a:t>
+            </a:r>
+            <a:r>
+              <a:rPr lang="en-US" altLang="zh-CN" dirty="0"/>
+              <a:t> </a:t>
+            </a:r>
+            <a:r>
+              <a:rPr lang="en-US" altLang="zh-CN" dirty="0" smtClean="0"/>
+              <a:t>and </a:t>
+            </a:r>
+            <a:r>
+              <a:rPr lang="en-US" altLang="zh-CN" b="1" dirty="0" smtClean="0">
+                <a:solidFill>
+                  <a:srgbClr val="FF0000"/>
+                </a:solidFill>
+              </a:rPr>
+              <a:t>sarcasm </a:t>
+            </a:r>
+            <a:r>
+              <a:rPr lang="en-US" altLang="zh-CN" b="1" dirty="0">
+                <a:solidFill>
+                  <a:srgbClr val="FF0000"/>
+                </a:solidFill>
+              </a:rPr>
+              <a:t>patterns</a:t>
+            </a:r>
+            <a:r>
+              <a:rPr lang="en-US" altLang="zh-CN" dirty="0"/>
+              <a:t>, created using Amazon Mechanical Turk</a:t>
+            </a:r>
+            <a:r>
+              <a:rPr lang="en-US" altLang="zh-CN" dirty="0" smtClean="0"/>
+              <a:t>.</a:t>
+            </a:r>
+          </a:p>
+          <a:p>
+            <a:pPr lvl="1"/>
+            <a:r>
+              <a:rPr lang="en-US" altLang="zh-CN" dirty="0" smtClean="0"/>
+              <a:t>Train a </a:t>
+            </a:r>
+            <a:r>
+              <a:rPr lang="en-US" altLang="zh-CN" b="1" dirty="0" smtClean="0">
+                <a:solidFill>
+                  <a:srgbClr val="FF0000"/>
+                </a:solidFill>
+              </a:rPr>
+              <a:t>high </a:t>
+            </a:r>
+            <a:r>
+              <a:rPr lang="en-US" altLang="zh-CN" b="1" dirty="0">
+                <a:solidFill>
+                  <a:srgbClr val="FF0000"/>
+                </a:solidFill>
+              </a:rPr>
+              <a:t>precision sarcastic post classifier</a:t>
+            </a:r>
+            <a:r>
+              <a:rPr lang="en-US" altLang="zh-CN" dirty="0"/>
+              <a:t>, followed by a </a:t>
+            </a:r>
+            <a:r>
+              <a:rPr lang="en-US" altLang="zh-CN" b="1" dirty="0">
+                <a:solidFill>
+                  <a:srgbClr val="FF0000"/>
+                </a:solidFill>
+              </a:rPr>
+              <a:t>high precision non-sarcastic post </a:t>
+            </a:r>
+            <a:r>
+              <a:rPr lang="en-US" altLang="zh-CN" b="1" dirty="0" smtClean="0">
+                <a:solidFill>
+                  <a:srgbClr val="FF0000"/>
+                </a:solidFill>
+              </a:rPr>
+              <a:t>classifier</a:t>
+            </a:r>
+            <a:r>
+              <a:rPr lang="en-US" altLang="zh-CN" dirty="0" smtClean="0"/>
+              <a:t>.</a:t>
+            </a:r>
+          </a:p>
+          <a:p>
+            <a:pPr lvl="1"/>
+            <a:r>
+              <a:rPr lang="en-US" altLang="zh-CN" dirty="0" smtClean="0"/>
+              <a:t>These </a:t>
+            </a:r>
+            <a:r>
+              <a:rPr lang="en-US" altLang="zh-CN" dirty="0"/>
+              <a:t>two classifiers are then used to generate a large labeled dataset, which is in turn used </a:t>
+            </a:r>
+            <a:r>
+              <a:rPr lang="en-US" altLang="zh-CN" dirty="0" smtClean="0"/>
+              <a:t>to train </a:t>
+            </a:r>
+            <a:r>
+              <a:rPr lang="en-US" altLang="zh-CN" dirty="0"/>
+              <a:t>a classifier.</a:t>
+            </a:r>
+            <a:endParaRPr kumimoji="1" lang="zh-CN" altLang="en-US" dirty="0"/>
+          </a:p>
+        </p:txBody>
+      </p:sp>
+    </p:spTree>
+    <p:extLst>
+      <p:ext uri="{BB962C8B-B14F-4D97-AF65-F5344CB8AC3E}">
+        <p14:creationId xmlns:p14="http://schemas.microsoft.com/office/powerpoint/2010/main" val="1321962000"/>
+      </p:ext>
+    </p:extLst>
+  </p:cSld>
+  <p:clrMapOvr>
+    <a:masterClrMapping/>
+  </p:clrMapOvr>
+</p:sld>
+</file>
+
+<file path=ppt/slides/slide28.xml><?xml version="1.0" encoding="utf-8"?>
+<p:sld xmlns:a="http://schemas.openxmlformats.org/drawingml/2006/main" xmlns:r="http://schemas.openxmlformats.org/officeDocument/2006/relationships" xmlns:p="http://schemas.openxmlformats.org/presentationml/2006/main">
+  <p:cSld>
+    <p:spTree>
+      <p:nvGrpSpPr>
+        <p:cNvPr id="1" name=""/>
+        <p:cNvGrpSpPr/>
+        <p:nvPr/>
+      </p:nvGrpSpPr>
+      <p:grpSpPr>
+        <a:xfrm>
+          <a:off x="0" y="0"/>
+          <a:ext cx="0" cy="0"/>
+          <a:chOff x="0" y="0"/>
+          <a:chExt cx="0" cy="0"/>
+        </a:xfrm>
+      </p:grpSpPr>
+      <p:sp>
+        <p:nvSpPr>
+          <p:cNvPr id="2" name="标题 1"/>
+          <p:cNvSpPr>
+            <a:spLocks noGrp="1"/>
+          </p:cNvSpPr>
+          <p:nvPr>
+            <p:ph type="title"/>
+          </p:nvPr>
+        </p:nvSpPr>
+        <p:spPr/>
+        <p:txBody>
+          <a:bodyPr/>
+          <a:lstStyle/>
+          <a:p>
+            <a:r>
+              <a:rPr lang="en-US" altLang="zh-CN" dirty="0"/>
+              <a:t>7.2 Role of Context in Sarcasm Detection</a:t>
+            </a:r>
+            <a:endParaRPr kumimoji="1" lang="zh-CN" altLang="en-US" dirty="0"/>
+          </a:p>
+        </p:txBody>
+      </p:sp>
+      <p:sp>
+        <p:nvSpPr>
+          <p:cNvPr id="3" name="内容占位符 2"/>
+          <p:cNvSpPr>
+            <a:spLocks noGrp="1"/>
+          </p:cNvSpPr>
+          <p:nvPr>
+            <p:ph idx="1"/>
+          </p:nvPr>
+        </p:nvSpPr>
+        <p:spPr/>
+        <p:txBody>
+          <a:bodyPr/>
+          <a:lstStyle/>
+          <a:p>
+            <a:endParaRPr kumimoji="1" lang="en-US" altLang="zh-CN" dirty="0" smtClean="0"/>
+          </a:p>
+          <a:p>
+            <a:r>
+              <a:rPr kumimoji="1" lang="en-US" altLang="zh-CN" dirty="0" smtClean="0"/>
+              <a:t>(skipped)</a:t>
+            </a:r>
+            <a:endParaRPr kumimoji="1" lang="zh-CN" altLang="en-US" dirty="0"/>
+          </a:p>
+        </p:txBody>
+      </p:sp>
+    </p:spTree>
+    <p:extLst>
+      <p:ext uri="{BB962C8B-B14F-4D97-AF65-F5344CB8AC3E}">
+        <p14:creationId xmlns:p14="http://schemas.microsoft.com/office/powerpoint/2010/main" val="2070042538"/>
+      </p:ext>
+    </p:extLst>
+  </p:cSld>
+  <p:clrMapOvr>
+    <a:masterClrMapping/>
+  </p:clrMapOvr>
+</p:sld>
+</file>
+
+<file path=ppt/slides/slide29.xml><?xml version="1.0" encoding="utf-8"?>
+<p:sld xmlns:a="http://schemas.openxmlformats.org/drawingml/2006/main" xmlns:r="http://schemas.openxmlformats.org/officeDocument/2006/relationships" xmlns:p="http://schemas.openxmlformats.org/presentationml/2006/main">
+  <p:cSld>
+    <p:spTree>
+      <p:nvGrpSpPr>
+        <p:cNvPr id="1" name=""/>
+        <p:cNvGrpSpPr/>
+        <p:nvPr/>
+      </p:nvGrpSpPr>
+      <p:grpSpPr>
+        <a:xfrm>
+          <a:off x="0" y="0"/>
+          <a:ext cx="0" cy="0"/>
+          <a:chOff x="0" y="0"/>
+          <a:chExt cx="0" cy="0"/>
+        </a:xfrm>
+      </p:grpSpPr>
+      <p:sp>
+        <p:nvSpPr>
+          <p:cNvPr id="2" name="标题 1"/>
+          <p:cNvSpPr>
+            <a:spLocks noGrp="1"/>
+          </p:cNvSpPr>
+          <p:nvPr>
+            <p:ph type="title"/>
+          </p:nvPr>
+        </p:nvSpPr>
+        <p:spPr/>
+        <p:txBody>
+          <a:bodyPr/>
+          <a:lstStyle/>
+          <a:p>
+            <a:r>
+              <a:rPr lang="en-US" altLang="zh-CN" dirty="0"/>
+              <a:t>8.1 Issues with Annotation</a:t>
+            </a:r>
+            <a:endParaRPr kumimoji="1" lang="zh-CN" altLang="en-US" dirty="0"/>
+          </a:p>
+        </p:txBody>
+      </p:sp>
+      <p:sp>
+        <p:nvSpPr>
+          <p:cNvPr id="3" name="内容占位符 2"/>
+          <p:cNvSpPr>
+            <a:spLocks noGrp="1"/>
+          </p:cNvSpPr>
+          <p:nvPr>
+            <p:ph idx="1"/>
+          </p:nvPr>
+        </p:nvSpPr>
+        <p:spPr/>
+        <p:txBody>
+          <a:bodyPr>
+            <a:normAutofit/>
+          </a:bodyPr>
+          <a:lstStyle/>
+          <a:p>
+            <a:r>
+              <a:rPr lang="en-US" altLang="zh-CN" dirty="0"/>
+              <a:t>Although </a:t>
+            </a:r>
+            <a:r>
+              <a:rPr lang="en-US" altLang="zh-CN" b="1" dirty="0">
+                <a:solidFill>
+                  <a:srgbClr val="FF0000"/>
+                </a:solidFill>
+              </a:rPr>
+              <a:t>hashtag-based labeling</a:t>
+            </a:r>
+            <a:r>
+              <a:rPr lang="en-US" altLang="zh-CN" dirty="0"/>
+              <a:t> can provide large-scale supervision, the </a:t>
+            </a:r>
+            <a:r>
+              <a:rPr lang="en-US" altLang="zh-CN" b="1" dirty="0">
+                <a:solidFill>
+                  <a:srgbClr val="FF0000"/>
+                </a:solidFill>
+              </a:rPr>
+              <a:t>quality</a:t>
+            </a:r>
+            <a:r>
+              <a:rPr lang="en-US" altLang="zh-CN" dirty="0"/>
+              <a:t> of the </a:t>
+            </a:r>
+            <a:r>
+              <a:rPr lang="en-US" altLang="zh-CN" dirty="0" smtClean="0"/>
+              <a:t>dataset may </a:t>
+            </a:r>
+            <a:r>
+              <a:rPr lang="en-US" altLang="zh-CN" dirty="0"/>
+              <a:t>be </a:t>
+            </a:r>
+            <a:r>
+              <a:rPr lang="en-US" altLang="zh-CN" b="1" dirty="0">
+                <a:solidFill>
+                  <a:srgbClr val="FF0000"/>
+                </a:solidFill>
+              </a:rPr>
+              <a:t>dubious</a:t>
+            </a:r>
+            <a:r>
+              <a:rPr lang="en-US" altLang="zh-CN" dirty="0"/>
+              <a:t>. This is particularly true in the case of using #not to indicate insincere </a:t>
+            </a:r>
+            <a:r>
+              <a:rPr lang="en-US" altLang="zh-CN" dirty="0" smtClean="0"/>
+              <a:t>sentiment. </a:t>
+            </a:r>
+          </a:p>
+          <a:p>
+            <a:pPr lvl="1"/>
+            <a:r>
+              <a:rPr lang="en-US" altLang="zh-CN" dirty="0" smtClean="0"/>
+              <a:t>Reference </a:t>
+            </a:r>
+            <a:r>
+              <a:rPr lang="en-US" altLang="zh-CN" dirty="0"/>
+              <a:t>[41</a:t>
+            </a:r>
+            <a:r>
+              <a:rPr lang="en-US" altLang="zh-CN" dirty="0" smtClean="0"/>
+              <a:t>]</a:t>
+            </a:r>
+          </a:p>
+          <a:p>
+            <a:pPr lvl="2"/>
+            <a:r>
+              <a:rPr lang="en-US" altLang="zh-CN" dirty="0" smtClean="0"/>
+              <a:t>shows </a:t>
+            </a:r>
+            <a:r>
+              <a:rPr lang="en-US" altLang="zh-CN" dirty="0"/>
+              <a:t>that #not is often used to express sarcasm—while the rest of the </a:t>
+            </a:r>
+            <a:r>
+              <a:rPr lang="en-US" altLang="zh-CN" dirty="0" smtClean="0"/>
+              <a:t>sentence is </a:t>
+            </a:r>
+            <a:r>
+              <a:rPr lang="en-US" altLang="zh-CN" dirty="0"/>
+              <a:t>not sufficient for identifying the sarcasm</a:t>
+            </a:r>
+            <a:r>
+              <a:rPr lang="en-US" altLang="zh-CN" dirty="0" smtClean="0"/>
+              <a:t>.</a:t>
+            </a:r>
+          </a:p>
+          <a:p>
+            <a:pPr lvl="3"/>
+            <a:r>
+              <a:rPr lang="en-US" altLang="zh-CN" dirty="0" smtClean="0"/>
+              <a:t>For </a:t>
+            </a:r>
+            <a:r>
+              <a:rPr lang="en-US" altLang="zh-CN" dirty="0"/>
+              <a:t>example, “Looking forward to going back to </a:t>
+            </a:r>
+            <a:r>
+              <a:rPr lang="en-US" altLang="zh-CN" dirty="0" smtClean="0"/>
+              <a:t>school tomorrow </a:t>
+            </a:r>
+            <a:r>
+              <a:rPr lang="en-US" altLang="zh-CN" dirty="0"/>
+              <a:t>#not</a:t>
+            </a:r>
+            <a:r>
+              <a:rPr lang="en-US" altLang="zh-CN" dirty="0" smtClean="0"/>
+              <a:t>.”</a:t>
+            </a:r>
+          </a:p>
+          <a:p>
+            <a:pPr lvl="3"/>
+            <a:r>
+              <a:rPr lang="en-US" altLang="zh-CN" dirty="0"/>
+              <a:t>“Looking forward to going back to school tomorrow ”—which may not have a sarcastic interpretation</a:t>
+            </a:r>
+          </a:p>
+          <a:p>
+            <a:pPr lvl="2"/>
+            <a:r>
+              <a:rPr lang="en-US" altLang="zh-CN" dirty="0"/>
+              <a:t>hashtag-based supervision may cause </a:t>
+            </a:r>
+            <a:r>
+              <a:rPr lang="en-US" altLang="zh-CN" b="1" dirty="0">
+                <a:solidFill>
+                  <a:srgbClr val="FF0000"/>
+                </a:solidFill>
+              </a:rPr>
+              <a:t>ambiguities</a:t>
+            </a:r>
+            <a:r>
+              <a:rPr lang="en-US" altLang="zh-CN" dirty="0"/>
+              <a:t> (or be incorrect) in some cases</a:t>
+            </a:r>
+            <a:r>
+              <a:rPr lang="en-US" altLang="zh-CN" dirty="0" smtClean="0"/>
+              <a:t>.</a:t>
+            </a:r>
+          </a:p>
+          <a:p>
+            <a:pPr lvl="1"/>
+            <a:r>
+              <a:rPr lang="en-US" altLang="zh-CN" dirty="0" smtClean="0"/>
+              <a:t>Reference </a:t>
+            </a:r>
+            <a:r>
+              <a:rPr lang="en-US" altLang="zh-CN" dirty="0"/>
+              <a:t>[21 </a:t>
+            </a:r>
+            <a:r>
+              <a:rPr lang="en-US" altLang="zh-CN" dirty="0" smtClean="0"/>
+              <a:t>]</a:t>
+            </a:r>
+          </a:p>
+          <a:p>
+            <a:pPr lvl="2"/>
+            <a:r>
+              <a:rPr lang="en-US" altLang="zh-CN" dirty="0" smtClean="0"/>
+              <a:t>train </a:t>
+            </a:r>
+            <a:r>
+              <a:rPr lang="en-US" altLang="zh-CN" dirty="0"/>
+              <a:t>their deep learning-based model using a </a:t>
+            </a:r>
+            <a:r>
+              <a:rPr lang="en-US" altLang="zh-CN" dirty="0" smtClean="0"/>
+              <a:t>large dataset </a:t>
+            </a:r>
+            <a:r>
+              <a:rPr lang="en-US" altLang="zh-CN" dirty="0"/>
+              <a:t>of hashtag-annotated </a:t>
+            </a:r>
+            <a:r>
+              <a:rPr lang="en-US" altLang="zh-CN" dirty="0" smtClean="0"/>
+              <a:t>tweets</a:t>
+            </a:r>
+          </a:p>
+          <a:p>
+            <a:pPr lvl="2"/>
+            <a:r>
+              <a:rPr lang="en-US" altLang="zh-CN" dirty="0" smtClean="0"/>
+              <a:t>use </a:t>
+            </a:r>
+            <a:r>
+              <a:rPr lang="en-US" altLang="zh-CN" dirty="0"/>
+              <a:t>a test set of manually annotated </a:t>
+            </a:r>
+            <a:r>
+              <a:rPr lang="en-US" altLang="zh-CN" dirty="0" smtClean="0"/>
+              <a:t>tweets</a:t>
+            </a:r>
+          </a:p>
+          <a:p>
+            <a:r>
+              <a:rPr lang="en-US" altLang="zh-CN" dirty="0" smtClean="0"/>
+              <a:t>In </a:t>
+            </a:r>
+            <a:r>
+              <a:rPr lang="en-US" altLang="zh-CN" dirty="0"/>
+              <a:t>most reported works that use hashtag-based supervision, the </a:t>
+            </a:r>
+            <a:r>
+              <a:rPr lang="en-US" altLang="zh-CN" b="1" dirty="0">
+                <a:solidFill>
+                  <a:srgbClr val="FF0000"/>
+                </a:solidFill>
+              </a:rPr>
+              <a:t>hashtag </a:t>
+            </a:r>
+            <a:r>
+              <a:rPr lang="en-US" altLang="zh-CN" dirty="0">
+                <a:solidFill>
+                  <a:srgbClr val="40403D"/>
+                </a:solidFill>
+              </a:rPr>
+              <a:t>is</a:t>
+            </a:r>
+            <a:r>
+              <a:rPr lang="en-US" altLang="zh-CN" b="1" dirty="0">
+                <a:solidFill>
+                  <a:srgbClr val="FF0000"/>
+                </a:solidFill>
+              </a:rPr>
+              <a:t> removed </a:t>
+            </a:r>
+            <a:r>
+              <a:rPr lang="en-US" altLang="zh-CN" dirty="0"/>
+              <a:t>in the pre-processing </a:t>
+            </a:r>
+            <a:r>
+              <a:rPr lang="en-US" altLang="zh-CN" dirty="0" smtClean="0"/>
+              <a:t>step.</a:t>
+            </a:r>
+          </a:p>
+          <a:p>
+            <a:endParaRPr kumimoji="1" lang="zh-CN" altLang="en-US" dirty="0"/>
+          </a:p>
+        </p:txBody>
+      </p:sp>
+    </p:spTree>
+    <p:extLst>
+      <p:ext uri="{BB962C8B-B14F-4D97-AF65-F5344CB8AC3E}">
+        <p14:creationId xmlns:p14="http://schemas.microsoft.com/office/powerpoint/2010/main" val="596652657"/>
       </p:ext>
     </p:extLst>
   </p:cSld>
@@ -9598,8 +10946,8 @@
           <a:lstStyle/>
           <a:p>
             <a:r>
-              <a:rPr kumimoji="1" lang="en-US" altLang="zh-CN" dirty="0" smtClean="0"/>
-              <a:t>Introduction</a:t>
+              <a:rPr lang="en-US" altLang="zh-CN" dirty="0" smtClean="0"/>
+              <a:t>2. Sarcasm Studies in Linguistics</a:t>
             </a:r>
             <a:endParaRPr kumimoji="1" lang="zh-CN" altLang="en-US" dirty="0"/>
           </a:p>
@@ -9623,32 +10971,22 @@
             <a:endParaRPr lang="en-US" altLang="zh-CN" dirty="0" smtClean="0"/>
           </a:p>
           <a:p>
-            <a:r>
-              <a:rPr lang="en-US" altLang="zh-CN" dirty="0" smtClean="0"/>
-              <a:t>Several linguistic </a:t>
-            </a:r>
-            <a:r>
-              <a:rPr lang="en-US" altLang="zh-CN" dirty="0"/>
-              <a:t>studies describe different aspects of </a:t>
-            </a:r>
-            <a:r>
-              <a:rPr lang="en-US" altLang="zh-CN" dirty="0" smtClean="0"/>
+            <a:pPr lvl="1"/>
+            <a:r>
+              <a:rPr kumimoji="1" lang="en-US" altLang="zh-CN" dirty="0" smtClean="0"/>
+              <a:t>Characteristics </a:t>
+            </a:r>
+            <a:r>
+              <a:rPr kumimoji="1" lang="en-US" altLang="zh-CN" dirty="0"/>
+              <a:t>of </a:t>
+            </a:r>
+            <a:r>
+              <a:rPr kumimoji="1" lang="en-US" altLang="zh-CN" dirty="0" smtClean="0"/>
               <a:t>sarcasm</a:t>
             </a:r>
           </a:p>
           <a:p>
-            <a:pPr lvl="1"/>
-            <a:r>
-              <a:rPr kumimoji="1" lang="en-US" altLang="zh-CN" dirty="0"/>
-              <a:t>Characteristics of </a:t>
-            </a:r>
-            <a:r>
-              <a:rPr kumimoji="1" lang="en-US" altLang="zh-CN" dirty="0" smtClean="0"/>
-              <a:t>sarcasm</a:t>
-            </a:r>
-          </a:p>
-          <a:p>
-            <a:pPr lvl="1"/>
+            <a:pPr lvl="2"/>
             <a:r>
               <a:rPr kumimoji="1" lang="en-US" altLang="zh-CN" dirty="0" smtClean="0"/>
               <a:t>Occurs </a:t>
@@ -9696,7 +11034,7 @@
             <a:endParaRPr kumimoji="1" lang="en-US" altLang="zh-CN" dirty="0" smtClean="0"/>
           </a:p>
           <a:p>
-            <a:pPr lvl="2"/>
+            <a:pPr lvl="3"/>
             <a:r>
               <a:rPr kumimoji="1" lang="en-US" altLang="zh-CN" dirty="0" smtClean="0"/>
               <a:t>namely</a:t>
@@ -9719,7 +11057,7 @@
             </a:r>
           </a:p>
           <a:p>
-            <a:pPr lvl="1"/>
+            <a:pPr lvl="2"/>
             <a:r>
               <a:rPr kumimoji="1" lang="en-US" altLang="zh-CN" dirty="0" smtClean="0"/>
               <a:t>Can </a:t>
@@ -9771,7 +11109,7 @@
             <a:endParaRPr kumimoji="1" lang="en-US" altLang="zh-CN" dirty="0" smtClean="0"/>
           </a:p>
           <a:p>
-            <a:pPr lvl="2"/>
+            <a:pPr lvl="3"/>
             <a:r>
               <a:rPr kumimoji="1" lang="en-US" altLang="zh-CN" dirty="0" smtClean="0"/>
               <a:t>may </a:t>
@@ -9803,7 +11141,7 @@
             <a:endParaRPr kumimoji="1" lang="en-US" altLang="zh-CN" dirty="0"/>
           </a:p>
           <a:p>
-            <a:pPr lvl="1"/>
+            <a:pPr lvl="2"/>
             <a:r>
               <a:rPr kumimoji="1" lang="en-US" altLang="zh-CN" dirty="0" smtClean="0"/>
               <a:t>Arises </a:t>
@@ -9822,11 +11160,39 @@
             </a:r>
             <a:r>
               <a:rPr kumimoji="1" lang="en-US" altLang="zh-CN" dirty="0"/>
-              <a:t>between text and contextual </a:t>
-            </a:r>
-            <a:r>
-              <a:rPr kumimoji="1" lang="en-US" altLang="zh-CN" dirty="0" smtClean="0"/>
-              <a:t>information [</a:t>
+              <a:t>between </a:t>
+            </a:r>
+            <a:r>
+              <a:rPr kumimoji="1" lang="en-US" altLang="zh-CN" b="1" dirty="0">
+                <a:solidFill>
+                  <a:srgbClr val="FF0000"/>
+                </a:solidFill>
+              </a:rPr>
+              <a:t>text</a:t>
+            </a:r>
+            <a:r>
+              <a:rPr kumimoji="1" lang="en-US" altLang="zh-CN" dirty="0"/>
+              <a:t> and </a:t>
+            </a:r>
+            <a:r>
+              <a:rPr kumimoji="1" lang="en-US" altLang="zh-CN" b="1" dirty="0">
+                <a:solidFill>
+                  <a:srgbClr val="FF0000"/>
+                </a:solidFill>
+              </a:rPr>
+              <a:t>contextual </a:t>
+            </a:r>
+            <a:r>
+              <a:rPr kumimoji="1" lang="en-US" altLang="zh-CN" b="1" dirty="0" smtClean="0">
+                <a:solidFill>
+                  <a:srgbClr val="FF0000"/>
+                </a:solidFill>
+              </a:rPr>
+              <a:t>information </a:t>
+            </a:r>
+            <a:r>
+              <a:rPr kumimoji="1" lang="en-US" altLang="zh-CN" dirty="0" smtClean="0"/>
+              <a:t>[</a:t>
             </a:r>
             <a:r>
               <a:rPr kumimoji="1" lang="en-US" altLang="zh-CN" dirty="0"/>
@@ -9835,10 +11201,14 @@
             <a:endParaRPr kumimoji="1" lang="en-US" altLang="zh-CN" dirty="0" smtClean="0"/>
           </a:p>
           <a:p>
-            <a:pPr lvl="2"/>
-            <a:r>
-              <a:rPr kumimoji="1" lang="en-US" altLang="zh-CN" dirty="0" smtClean="0"/>
-              <a:t>E.g. “I </a:t>
+            <a:pPr lvl="3"/>
+            <a:r>
+              <a:rPr kumimoji="1" lang="en-US" altLang="zh-CN" smtClean="0"/>
+              <a:t>e.g</a:t>
+            </a:r>
+            <a:r>
+              <a:rPr kumimoji="1" lang="en-US" altLang="zh-CN" dirty="0" smtClean="0"/>
+              <a:t>. “I </a:t>
             </a:r>
             <a:r>
               <a:rPr kumimoji="1" lang="en-US" altLang="zh-CN" dirty="0"/>
@@ -9850,7 +11220,7 @@
             </a:r>
           </a:p>
           <a:p>
-            <a:pPr lvl="1"/>
+            <a:pPr lvl="2"/>
             <a:endParaRPr kumimoji="1" lang="zh-CN" altLang="en-US" dirty="0"/>
           </a:p>
         </p:txBody>
@@ -9859,6 +11229,2447 @@
     <p:extLst>
       <p:ext uri="{BB962C8B-B14F-4D97-AF65-F5344CB8AC3E}">
         <p14:creationId xmlns:p14="http://schemas.microsoft.com/office/powerpoint/2010/main" val="276469706"/>
+      </p:ext>
+    </p:extLst>
+  </p:cSld>
+  <p:clrMapOvr>
+    <a:masterClrMapping/>
+  </p:clrMapOvr>
+</p:sld>
+</file>
+
+<file path=ppt/slides/slide30.xml><?xml version="1.0" encoding="utf-8"?>
+<p:sld xmlns:a="http://schemas.openxmlformats.org/drawingml/2006/main" xmlns:r="http://schemas.openxmlformats.org/officeDocument/2006/relationships" xmlns:p="http://schemas.openxmlformats.org/presentationml/2006/main">
+  <p:cSld>
+    <p:spTree>
+      <p:nvGrpSpPr>
+        <p:cNvPr id="1" name=""/>
+        <p:cNvGrpSpPr/>
+        <p:nvPr/>
+      </p:nvGrpSpPr>
+      <p:grpSpPr>
+        <a:xfrm>
+          <a:off x="0" y="0"/>
+          <a:ext cx="0" cy="0"/>
+          <a:chOff x="0" y="0"/>
+          <a:chExt cx="0" cy="0"/>
+        </a:xfrm>
+      </p:grpSpPr>
+      <p:sp>
+        <p:nvSpPr>
+          <p:cNvPr id="2" name="标题 1"/>
+          <p:cNvSpPr>
+            <a:spLocks noGrp="1"/>
+          </p:cNvSpPr>
+          <p:nvPr>
+            <p:ph type="title"/>
+          </p:nvPr>
+        </p:nvSpPr>
+        <p:spPr/>
+        <p:txBody>
+          <a:bodyPr/>
+          <a:lstStyle/>
+          <a:p>
+            <a:r>
+              <a:rPr lang="en-US" altLang="zh-CN" dirty="0"/>
+              <a:t>8.1 Issues with Annotation</a:t>
+            </a:r>
+            <a:endParaRPr kumimoji="1" lang="zh-CN" altLang="en-US" dirty="0"/>
+          </a:p>
+        </p:txBody>
+      </p:sp>
+      <p:sp>
+        <p:nvSpPr>
+          <p:cNvPr id="3" name="内容占位符 2"/>
+          <p:cNvSpPr>
+            <a:spLocks noGrp="1"/>
+          </p:cNvSpPr>
+          <p:nvPr>
+            <p:ph idx="1"/>
+          </p:nvPr>
+        </p:nvSpPr>
+        <p:spPr/>
+        <p:txBody>
+          <a:bodyPr>
+            <a:normAutofit/>
+          </a:bodyPr>
+          <a:lstStyle/>
+          <a:p>
+            <a:endParaRPr lang="en-US" altLang="zh-CN" dirty="0" smtClean="0"/>
+          </a:p>
+          <a:p>
+            <a:r>
+              <a:rPr lang="en-US" altLang="zh-CN" dirty="0" smtClean="0"/>
+              <a:t>Even </a:t>
+            </a:r>
+            <a:r>
+              <a:rPr lang="en-US" altLang="zh-CN" dirty="0"/>
+              <a:t>in the case </a:t>
+            </a:r>
+            <a:r>
+              <a:rPr lang="en-US" altLang="zh-CN" dirty="0" smtClean="0"/>
+              <a:t>of</a:t>
+            </a:r>
+            <a:r>
+              <a:rPr lang="zh-TW" altLang="en-US" dirty="0" smtClean="0"/>
+              <a:t> </a:t>
+            </a:r>
+            <a:r>
+              <a:rPr lang="en-US" altLang="zh-CN" dirty="0" smtClean="0"/>
+              <a:t>manually </a:t>
+            </a:r>
+            <a:r>
+              <a:rPr lang="en-US" altLang="zh-CN" dirty="0"/>
+              <a:t>annotated datasets, the quality of the annotation is a concern. </a:t>
+            </a:r>
+            <a:r>
+              <a:rPr lang="en-US" altLang="zh-CN" dirty="0" smtClean="0"/>
+              <a:t>Since</a:t>
+            </a:r>
+            <a:r>
+              <a:rPr lang="zh-TW" altLang="en-US" dirty="0" smtClean="0"/>
+              <a:t> </a:t>
+            </a:r>
+            <a:r>
+              <a:rPr lang="en-US" altLang="zh-CN" dirty="0" smtClean="0"/>
+              <a:t>sarcasm </a:t>
+            </a:r>
+            <a:r>
+              <a:rPr lang="en-US" altLang="zh-CN" dirty="0"/>
+              <a:t>is a </a:t>
+            </a:r>
+            <a:r>
+              <a:rPr lang="en-US" altLang="zh-CN" b="1" dirty="0">
+                <a:solidFill>
+                  <a:srgbClr val="FF0000"/>
+                </a:solidFill>
+              </a:rPr>
+              <a:t>subjective</a:t>
+            </a:r>
+            <a:r>
+              <a:rPr lang="en-US" altLang="zh-CN" dirty="0"/>
+              <a:t> phenomenon, the </a:t>
+            </a:r>
+            <a:r>
+              <a:rPr lang="en-US" altLang="zh-CN" b="1" dirty="0">
+                <a:solidFill>
+                  <a:srgbClr val="FF0000"/>
+                </a:solidFill>
+              </a:rPr>
+              <a:t>inter-annotator agreement </a:t>
+            </a:r>
+            <a:r>
+              <a:rPr lang="en-US" altLang="zh-CN" dirty="0"/>
+              <a:t>values reported in past </a:t>
+            </a:r>
+            <a:r>
+              <a:rPr lang="en-US" altLang="zh-CN" dirty="0" smtClean="0"/>
+              <a:t>work</a:t>
+            </a:r>
+            <a:r>
+              <a:rPr lang="zh-TW" altLang="en-US" dirty="0" smtClean="0"/>
+              <a:t> </a:t>
+            </a:r>
+            <a:r>
+              <a:rPr lang="en-US" altLang="zh-CN" dirty="0" smtClean="0"/>
+              <a:t>are </a:t>
+            </a:r>
+            <a:r>
+              <a:rPr lang="en-US" altLang="zh-CN" b="1" dirty="0">
+                <a:solidFill>
+                  <a:srgbClr val="FF0000"/>
+                </a:solidFill>
+              </a:rPr>
+              <a:t>diverse</a:t>
+            </a:r>
+            <a:r>
+              <a:rPr lang="en-US" altLang="zh-CN" dirty="0" smtClean="0"/>
+              <a:t>.</a:t>
+            </a:r>
+          </a:p>
+          <a:p>
+            <a:pPr lvl="1"/>
+            <a:r>
+              <a:rPr lang="en-US" altLang="zh-CN" dirty="0" smtClean="0"/>
+              <a:t>Reference </a:t>
+            </a:r>
+            <a:r>
+              <a:rPr lang="en-US" altLang="zh-CN" dirty="0"/>
+              <a:t>[68 ] indicates an agreement of </a:t>
+            </a:r>
+            <a:r>
+              <a:rPr lang="en-US" altLang="zh-CN" dirty="0" smtClean="0"/>
+              <a:t>0.34.</a:t>
+            </a:r>
+            <a:r>
+              <a:rPr lang="zh-TW" altLang="en-US" dirty="0" smtClean="0"/>
+              <a:t> </a:t>
+            </a:r>
+            <a:r>
+              <a:rPr lang="en-US" altLang="zh-CN" dirty="0" smtClean="0"/>
+              <a:t>The </a:t>
+            </a:r>
+            <a:r>
+              <a:rPr lang="en-US" altLang="zh-CN" dirty="0"/>
+              <a:t>value in the case of Reference [18 </a:t>
+            </a:r>
+            <a:r>
+              <a:rPr lang="en-US" altLang="zh-CN" dirty="0" smtClean="0"/>
+              <a:t>]</a:t>
+            </a:r>
+            <a:r>
+              <a:rPr lang="zh-TW" altLang="en-US" dirty="0" smtClean="0"/>
+              <a:t> </a:t>
+            </a:r>
+            <a:r>
+              <a:rPr lang="en-US" altLang="zh-CN" dirty="0" smtClean="0"/>
+              <a:t>is </a:t>
+            </a:r>
+            <a:r>
+              <a:rPr lang="en-US" altLang="zh-CN" dirty="0"/>
+              <a:t>0.79, while for Reference [60 ], it is 0.81</a:t>
+            </a:r>
+            <a:r>
+              <a:rPr lang="en-US" altLang="zh-CN" dirty="0" smtClean="0"/>
+              <a:t>.</a:t>
+            </a:r>
+          </a:p>
+          <a:p>
+            <a:pPr lvl="1"/>
+            <a:r>
+              <a:rPr lang="en-US" altLang="zh-CN" dirty="0" smtClean="0"/>
+              <a:t>Reference </a:t>
+            </a:r>
+            <a:r>
+              <a:rPr lang="en-US" altLang="zh-CN" dirty="0"/>
+              <a:t>[30 ] performs an interesting study on </a:t>
+            </a:r>
+            <a:r>
+              <a:rPr lang="en-US" altLang="zh-CN" dirty="0" smtClean="0"/>
+              <a:t>cross</a:t>
+            </a:r>
+            <a:r>
+              <a:rPr lang="en-US" altLang="zh-TW" dirty="0" smtClean="0"/>
+              <a:t>-</a:t>
+            </a:r>
+            <a:r>
+              <a:rPr lang="en-US" altLang="zh-CN" dirty="0" smtClean="0"/>
+              <a:t>cultural</a:t>
+            </a:r>
+            <a:r>
+              <a:rPr lang="zh-TW" altLang="en-US" dirty="0"/>
+              <a:t> </a:t>
+            </a:r>
+            <a:r>
+              <a:rPr lang="en-US" altLang="zh-CN" dirty="0" smtClean="0"/>
+              <a:t>sarcasm </a:t>
+            </a:r>
+            <a:r>
+              <a:rPr lang="en-US" altLang="zh-CN" dirty="0"/>
+              <a:t>annotation. </a:t>
+            </a:r>
+            <a:endParaRPr lang="en-US" altLang="zh-CN" dirty="0" smtClean="0"/>
+          </a:p>
+          <a:p>
+            <a:pPr lvl="2"/>
+            <a:r>
+              <a:rPr lang="en-US" altLang="zh-CN" dirty="0" smtClean="0"/>
+              <a:t>compare </a:t>
+            </a:r>
+            <a:r>
+              <a:rPr lang="en-US" altLang="zh-CN" dirty="0"/>
+              <a:t>annotations by Indian and American annotators </a:t>
+            </a:r>
+            <a:r>
+              <a:rPr lang="en-US" altLang="zh-CN" dirty="0" smtClean="0"/>
+              <a:t>and</a:t>
+            </a:r>
+            <a:r>
+              <a:rPr lang="zh-TW" altLang="en-US" dirty="0" smtClean="0"/>
+              <a:t> </a:t>
+            </a:r>
+            <a:r>
+              <a:rPr lang="en-US" altLang="zh-CN" dirty="0" smtClean="0"/>
+              <a:t>show </a:t>
+            </a:r>
+            <a:r>
+              <a:rPr lang="en-US" altLang="zh-CN" dirty="0"/>
+              <a:t>that Indian annotators agree with each other more than their American counterparts. </a:t>
+            </a:r>
+            <a:endParaRPr lang="en-US" altLang="zh-CN" dirty="0" smtClean="0"/>
+          </a:p>
+          <a:p>
+            <a:pPr lvl="3"/>
+            <a:r>
+              <a:rPr lang="en-US" altLang="zh-CN" dirty="0" smtClean="0"/>
+              <a:t>e.g.  </a:t>
+            </a:r>
+            <a:r>
+              <a:rPr lang="en-US" altLang="zh-CN" dirty="0"/>
+              <a:t>“It’s sunny outside and I am at </a:t>
+            </a:r>
+            <a:r>
+              <a:rPr lang="en-US" altLang="zh-CN" dirty="0" smtClean="0"/>
+              <a:t>work.</a:t>
+            </a:r>
+            <a:r>
+              <a:rPr lang="zh-TW" altLang="en-US" dirty="0" smtClean="0"/>
+              <a:t> </a:t>
+            </a:r>
+            <a:r>
+              <a:rPr lang="en-US" altLang="zh-CN" dirty="0" smtClean="0"/>
+              <a:t>Yay </a:t>
+            </a:r>
+            <a:r>
+              <a:rPr lang="en-US" altLang="zh-CN" dirty="0"/>
+              <a:t>” is considered sarcastic by the American annotators, but non-sarcastic by Indian </a:t>
+            </a:r>
+            <a:r>
+              <a:rPr lang="en-US" altLang="zh-CN" dirty="0" smtClean="0"/>
+              <a:t>annotators</a:t>
+            </a:r>
+            <a:r>
+              <a:rPr lang="zh-TW" altLang="en-US" dirty="0" smtClean="0"/>
+              <a:t> </a:t>
+            </a:r>
+            <a:r>
+              <a:rPr lang="en-US" altLang="zh-CN" dirty="0" smtClean="0"/>
+              <a:t>due </a:t>
+            </a:r>
+            <a:r>
+              <a:rPr lang="en-US" altLang="zh-CN" dirty="0"/>
+              <a:t>to typical Indian climate.</a:t>
+            </a:r>
+            <a:endParaRPr kumimoji="1" lang="zh-CN" altLang="en-US" dirty="0"/>
+          </a:p>
+        </p:txBody>
+      </p:sp>
+    </p:spTree>
+    <p:extLst>
+      <p:ext uri="{BB962C8B-B14F-4D97-AF65-F5344CB8AC3E}">
+        <p14:creationId xmlns:p14="http://schemas.microsoft.com/office/powerpoint/2010/main" val="377976784"/>
+      </p:ext>
+    </p:extLst>
+  </p:cSld>
+  <p:clrMapOvr>
+    <a:masterClrMapping/>
+  </p:clrMapOvr>
+</p:sld>
+</file>
+
+<file path=ppt/slides/slide31.xml><?xml version="1.0" encoding="utf-8"?>
+<p:sld xmlns:a="http://schemas.openxmlformats.org/drawingml/2006/main" xmlns:r="http://schemas.openxmlformats.org/officeDocument/2006/relationships" xmlns:p="http://schemas.openxmlformats.org/presentationml/2006/main">
+  <p:cSld>
+    <p:spTree>
+      <p:nvGrpSpPr>
+        <p:cNvPr id="1" name=""/>
+        <p:cNvGrpSpPr/>
+        <p:nvPr/>
+      </p:nvGrpSpPr>
+      <p:grpSpPr>
+        <a:xfrm>
+          <a:off x="0" y="0"/>
+          <a:ext cx="0" cy="0"/>
+          <a:chOff x="0" y="0"/>
+          <a:chExt cx="0" cy="0"/>
+        </a:xfrm>
+      </p:grpSpPr>
+      <p:sp>
+        <p:nvSpPr>
+          <p:cNvPr id="2" name="标题 1"/>
+          <p:cNvSpPr>
+            <a:spLocks noGrp="1"/>
+          </p:cNvSpPr>
+          <p:nvPr>
+            <p:ph type="title"/>
+          </p:nvPr>
+        </p:nvSpPr>
+        <p:spPr/>
+        <p:txBody>
+          <a:bodyPr/>
+          <a:lstStyle/>
+          <a:p>
+            <a:r>
+              <a:rPr lang="en-US" altLang="zh-CN" dirty="0" smtClean="0"/>
+              <a:t>8.2 </a:t>
+            </a:r>
+            <a:r>
+              <a:rPr lang="en-US" altLang="zh-CN" dirty="0"/>
+              <a:t>Issues with Sentiment as a </a:t>
+            </a:r>
+            <a:r>
+              <a:rPr lang="en-US" altLang="zh-CN" dirty="0" smtClean="0"/>
+              <a:t>Feature</a:t>
+            </a:r>
+            <a:endParaRPr kumimoji="1" lang="zh-CN" altLang="en-US" dirty="0"/>
+          </a:p>
+        </p:txBody>
+      </p:sp>
+      <p:sp>
+        <p:nvSpPr>
+          <p:cNvPr id="3" name="内容占位符 2"/>
+          <p:cNvSpPr>
+            <a:spLocks noGrp="1"/>
+          </p:cNvSpPr>
+          <p:nvPr>
+            <p:ph idx="1"/>
+          </p:nvPr>
+        </p:nvSpPr>
+        <p:spPr/>
+        <p:txBody>
+          <a:bodyPr>
+            <a:normAutofit fontScale="92500"/>
+          </a:bodyPr>
+          <a:lstStyle/>
+          <a:p>
+            <a:r>
+              <a:rPr lang="en-US" altLang="zh-CN" dirty="0" smtClean="0"/>
+              <a:t>Several </a:t>
+            </a:r>
+            <a:r>
+              <a:rPr lang="en-US" altLang="zh-CN" dirty="0"/>
+              <a:t>approaches use </a:t>
+            </a:r>
+            <a:r>
+              <a:rPr lang="en-US" altLang="zh-CN" b="1" dirty="0">
+                <a:solidFill>
+                  <a:srgbClr val="FF0000"/>
+                </a:solidFill>
+              </a:rPr>
+              <a:t>lexical sentiment </a:t>
+            </a:r>
+            <a:r>
+              <a:rPr lang="en-US" altLang="zh-CN" dirty="0"/>
+              <a:t>as a feature to the sarcasm classifier. </a:t>
+            </a:r>
+            <a:endParaRPr lang="en-US" altLang="zh-CN" dirty="0" smtClean="0"/>
+          </a:p>
+          <a:p>
+            <a:pPr lvl="1"/>
+            <a:r>
+              <a:rPr lang="en-US" altLang="zh-CN" dirty="0" smtClean="0"/>
+              <a:t>these </a:t>
+            </a:r>
+            <a:r>
+              <a:rPr lang="en-US" altLang="zh-CN" dirty="0"/>
+              <a:t>approaches </a:t>
+            </a:r>
+            <a:r>
+              <a:rPr lang="en-US" altLang="zh-CN" b="1" dirty="0">
+                <a:solidFill>
+                  <a:srgbClr val="FF0000"/>
+                </a:solidFill>
+              </a:rPr>
+              <a:t>require ‘surface polarity’</a:t>
+            </a:r>
+            <a:r>
+              <a:rPr lang="en-US" altLang="zh-CN" dirty="0"/>
+              <a:t>: the apparent polarity of a sentence</a:t>
+            </a:r>
+            <a:r>
+              <a:rPr lang="en-US" altLang="zh-CN" dirty="0" smtClean="0"/>
+              <a:t>.</a:t>
+            </a:r>
+          </a:p>
+          <a:p>
+            <a:pPr lvl="1"/>
+            <a:r>
+              <a:rPr lang="en-US" altLang="zh-CN" dirty="0" smtClean="0"/>
+              <a:t>Reference [6] predicts </a:t>
+            </a:r>
+            <a:r>
+              <a:rPr lang="en-US" altLang="zh-CN" dirty="0"/>
+              <a:t>a sentence as sarcastic if a </a:t>
+            </a:r>
+            <a:r>
+              <a:rPr lang="en-US" altLang="zh-CN" b="1" dirty="0">
+                <a:solidFill>
+                  <a:srgbClr val="FF0000"/>
+                </a:solidFill>
+              </a:rPr>
+              <a:t>negative </a:t>
+            </a:r>
+            <a:r>
+              <a:rPr lang="en-US" altLang="zh-CN" b="1" dirty="0" smtClean="0">
+                <a:solidFill>
+                  <a:srgbClr val="FF0000"/>
+                </a:solidFill>
+              </a:rPr>
+              <a:t>phrase </a:t>
+            </a:r>
+            <a:r>
+              <a:rPr lang="en-US" altLang="zh-CN" dirty="0" smtClean="0"/>
+              <a:t>occurs </a:t>
+            </a:r>
+            <a:r>
+              <a:rPr lang="en-US" altLang="zh-CN" b="1" dirty="0">
+                <a:solidFill>
+                  <a:srgbClr val="FF0000"/>
+                </a:solidFill>
+              </a:rPr>
+              <a:t>in a positive sentence</a:t>
+            </a:r>
+            <a:r>
+              <a:rPr lang="en-US" altLang="zh-CN" dirty="0" smtClean="0"/>
+              <a:t>.</a:t>
+            </a:r>
+          </a:p>
+          <a:p>
+            <a:pPr lvl="1"/>
+            <a:r>
+              <a:rPr lang="en-US" altLang="zh-CN" dirty="0" smtClean="0"/>
+              <a:t>Reference </a:t>
+            </a:r>
+            <a:r>
+              <a:rPr lang="en-US" altLang="zh-CN" dirty="0"/>
+              <a:t>[</a:t>
+            </a:r>
+            <a:r>
+              <a:rPr lang="en-US" altLang="zh-CN" dirty="0" smtClean="0"/>
+              <a:t>36] uses </a:t>
+            </a:r>
+            <a:r>
+              <a:rPr lang="en-US" altLang="zh-CN" b="1" dirty="0">
+                <a:solidFill>
+                  <a:srgbClr val="FF0000"/>
+                </a:solidFill>
+              </a:rPr>
+              <a:t>sentiment of a past </a:t>
+            </a:r>
+            <a:r>
+              <a:rPr lang="en-US" altLang="zh-CN" b="1" dirty="0" smtClean="0">
+                <a:solidFill>
+                  <a:srgbClr val="FF0000"/>
+                </a:solidFill>
+              </a:rPr>
+              <a:t>tweet</a:t>
+            </a:r>
+            <a:r>
+              <a:rPr lang="zh-TW" altLang="en-US" b="1" dirty="0" smtClean="0">
+                <a:solidFill>
+                  <a:srgbClr val="FF0000"/>
+                </a:solidFill>
+              </a:rPr>
+              <a:t> </a:t>
+            </a:r>
+            <a:r>
+              <a:rPr lang="en-US" altLang="zh-CN" dirty="0" smtClean="0"/>
+              <a:t>by </a:t>
+            </a:r>
+            <a:r>
+              <a:rPr lang="en-US" altLang="zh-CN" dirty="0"/>
+              <a:t>the author to predict sarcasm. </a:t>
+            </a:r>
+            <a:endParaRPr lang="en-US" altLang="zh-CN" dirty="0" smtClean="0"/>
+          </a:p>
+          <a:p>
+            <a:pPr lvl="1"/>
+            <a:r>
+              <a:rPr lang="en-US" altLang="zh-CN" dirty="0" smtClean="0"/>
+              <a:t>Reference </a:t>
+            </a:r>
+            <a:r>
+              <a:rPr lang="en-US" altLang="zh-CN" dirty="0"/>
+              <a:t>[</a:t>
+            </a:r>
+            <a:r>
+              <a:rPr lang="en-US" altLang="zh-CN" dirty="0" smtClean="0"/>
+              <a:t>59] captures </a:t>
+            </a:r>
+            <a:r>
+              <a:rPr lang="en-US" altLang="zh-CN" b="1" dirty="0">
+                <a:solidFill>
+                  <a:srgbClr val="FF0000"/>
+                </a:solidFill>
+              </a:rPr>
+              <a:t>polarity</a:t>
+            </a:r>
+            <a:r>
+              <a:rPr lang="en-US" altLang="zh-CN" dirty="0"/>
+              <a:t> in terms of two emotion </a:t>
+            </a:r>
+            <a:r>
+              <a:rPr lang="en-US" altLang="zh-CN" dirty="0" smtClean="0"/>
+              <a:t>dimensions: </a:t>
+            </a:r>
+            <a:r>
+              <a:rPr lang="en-US" altLang="zh-CN" b="1" dirty="0" smtClean="0">
+                <a:solidFill>
+                  <a:srgbClr val="FF0000"/>
+                </a:solidFill>
+              </a:rPr>
+              <a:t>activation </a:t>
+            </a:r>
+            <a:r>
+              <a:rPr lang="en-US" altLang="zh-CN" dirty="0">
+                <a:solidFill>
+                  <a:srgbClr val="40403D"/>
+                </a:solidFill>
+              </a:rPr>
+              <a:t>and</a:t>
+            </a:r>
+            <a:r>
+              <a:rPr lang="en-US" altLang="zh-CN" b="1" dirty="0">
+                <a:solidFill>
+                  <a:srgbClr val="FF0000"/>
+                </a:solidFill>
+              </a:rPr>
+              <a:t> pleasantness</a:t>
+            </a:r>
+            <a:r>
+              <a:rPr lang="en-US" altLang="zh-CN" dirty="0" smtClean="0"/>
+              <a:t>.</a:t>
+            </a:r>
+          </a:p>
+          <a:p>
+            <a:pPr lvl="1"/>
+            <a:r>
+              <a:rPr lang="en-US" altLang="zh-CN" dirty="0" smtClean="0"/>
+              <a:t>Reference </a:t>
+            </a:r>
+            <a:r>
+              <a:rPr lang="en-US" altLang="zh-CN" dirty="0"/>
+              <a:t>[9] uses a </a:t>
+            </a:r>
+            <a:r>
+              <a:rPr lang="en-US" altLang="zh-CN" b="1" dirty="0">
+                <a:solidFill>
+                  <a:srgbClr val="FF0000"/>
+                </a:solidFill>
+              </a:rPr>
+              <a:t>sentiment imbalance </a:t>
+            </a:r>
+            <a:r>
+              <a:rPr lang="en-US" altLang="zh-CN" dirty="0"/>
+              <a:t>feature that is </a:t>
+            </a:r>
+            <a:r>
+              <a:rPr lang="en-US" altLang="zh-CN" dirty="0" smtClean="0"/>
+              <a:t>represented</a:t>
+            </a:r>
+            <a:r>
+              <a:rPr lang="zh-TW" altLang="en-US" dirty="0" smtClean="0"/>
+              <a:t> </a:t>
+            </a:r>
+            <a:r>
+              <a:rPr lang="en-US" altLang="zh-CN" dirty="0" smtClean="0"/>
+              <a:t>by </a:t>
+            </a:r>
+            <a:r>
+              <a:rPr lang="en-US" altLang="zh-CN" dirty="0"/>
+              <a:t>star rating of a review disagreeing with the surface polarity</a:t>
+            </a:r>
+            <a:r>
+              <a:rPr lang="en-US" altLang="zh-CN" dirty="0" smtClean="0"/>
+              <a:t>.</a:t>
+            </a:r>
+          </a:p>
+          <a:p>
+            <a:pPr lvl="1"/>
+            <a:r>
+              <a:rPr lang="en-US" altLang="zh-CN" dirty="0" smtClean="0"/>
+              <a:t>Reference </a:t>
+            </a:r>
+            <a:r>
+              <a:rPr lang="en-US" altLang="zh-CN" dirty="0"/>
+              <a:t>[7] cascades </a:t>
+            </a:r>
+            <a:r>
+              <a:rPr lang="en-US" altLang="zh-CN" dirty="0" smtClean="0"/>
+              <a:t>sarcasm detection </a:t>
+            </a:r>
+            <a:r>
+              <a:rPr lang="en-US" altLang="zh-CN" dirty="0"/>
+              <a:t>and sentiment </a:t>
+            </a:r>
+            <a:r>
+              <a:rPr lang="en-US" altLang="zh-CN" dirty="0" smtClean="0"/>
+              <a:t>detection</a:t>
+            </a:r>
+          </a:p>
+          <a:p>
+            <a:pPr lvl="2"/>
+            <a:r>
+              <a:rPr lang="en-US" altLang="zh-CN" dirty="0" smtClean="0"/>
+              <a:t>observes </a:t>
+            </a:r>
+            <a:r>
+              <a:rPr lang="en-US" altLang="zh-CN" dirty="0"/>
+              <a:t>an </a:t>
+            </a:r>
+            <a:r>
+              <a:rPr lang="en-US" altLang="zh-CN" b="1" dirty="0">
+                <a:solidFill>
+                  <a:srgbClr val="FF0000"/>
+                </a:solidFill>
+              </a:rPr>
+              <a:t>improvement</a:t>
+            </a:r>
+            <a:r>
+              <a:rPr lang="en-US" altLang="zh-CN" dirty="0"/>
+              <a:t> of 4% in accuracy for </a:t>
+            </a:r>
+            <a:r>
+              <a:rPr lang="en-US" altLang="zh-CN" b="1" dirty="0" smtClean="0">
+                <a:solidFill>
+                  <a:srgbClr val="FF0000"/>
+                </a:solidFill>
+              </a:rPr>
+              <a:t>sentiment classification</a:t>
+            </a:r>
+            <a:r>
+              <a:rPr lang="en-US" altLang="zh-CN" dirty="0"/>
+              <a:t>, when sentiment detection is aware of sarcastic nature of text</a:t>
+            </a:r>
+            <a:r>
+              <a:rPr lang="en-US" altLang="zh-CN" dirty="0" smtClean="0"/>
+              <a:t>.</a:t>
+            </a:r>
+          </a:p>
+          <a:p>
+            <a:pPr lvl="1"/>
+            <a:r>
+              <a:rPr lang="en-US" altLang="zh-CN" dirty="0" smtClean="0"/>
+              <a:t>Reference </a:t>
+            </a:r>
+            <a:r>
+              <a:rPr lang="en-US" altLang="zh-CN" dirty="0"/>
+              <a:t>[47] </a:t>
+            </a:r>
+            <a:r>
+              <a:rPr lang="en-US" altLang="zh-CN" dirty="0" smtClean="0"/>
+              <a:t>also demonstrates </a:t>
+            </a:r>
+            <a:r>
+              <a:rPr lang="en-US" altLang="zh-CN" dirty="0"/>
+              <a:t>the </a:t>
+            </a:r>
+            <a:r>
+              <a:rPr lang="en-US" altLang="zh-CN" b="1" dirty="0">
+                <a:solidFill>
+                  <a:srgbClr val="FF0000"/>
+                </a:solidFill>
+              </a:rPr>
+              <a:t>impact of sarcasm detection </a:t>
+            </a:r>
+            <a:r>
+              <a:rPr lang="en-US" altLang="zh-CN" dirty="0"/>
+              <a:t>on </a:t>
+            </a:r>
+            <a:r>
+              <a:rPr lang="en-US" altLang="zh-CN" b="1" dirty="0">
+                <a:solidFill>
+                  <a:srgbClr val="FF0000"/>
+                </a:solidFill>
+              </a:rPr>
+              <a:t>sentiment classification </a:t>
+            </a:r>
+            <a:r>
+              <a:rPr lang="en-US" altLang="zh-CN" dirty="0"/>
+              <a:t>using modules from </a:t>
+            </a:r>
+            <a:r>
+              <a:rPr lang="en-US" altLang="zh-CN" dirty="0" smtClean="0"/>
+              <a:t>the GATE </a:t>
+            </a:r>
+            <a:r>
+              <a:rPr lang="en-US" altLang="zh-CN" dirty="0"/>
+              <a:t>framework</a:t>
+            </a:r>
+            <a:r>
+              <a:rPr lang="en-US" altLang="zh-CN" dirty="0" smtClean="0"/>
+              <a:t>.</a:t>
+            </a:r>
+          </a:p>
+          <a:p>
+            <a:pPr lvl="2"/>
+            <a:r>
+              <a:rPr lang="en-US" altLang="zh-CN" dirty="0" smtClean="0"/>
+              <a:t>Using </a:t>
+            </a:r>
+            <a:r>
+              <a:rPr lang="en-US" altLang="zh-CN" dirty="0"/>
+              <a:t>simple rules to detect sarcasm expressed through hashtags, they </a:t>
+            </a:r>
+            <a:r>
+              <a:rPr lang="en-US" altLang="zh-CN" dirty="0" smtClean="0"/>
+              <a:t>improve the </a:t>
+            </a:r>
+            <a:r>
+              <a:rPr lang="en-US" altLang="zh-CN" dirty="0"/>
+              <a:t>performance of sentiment classification by detecting sarcasm. </a:t>
+            </a:r>
+            <a:endParaRPr lang="en-US" altLang="zh-CN" dirty="0" smtClean="0"/>
+          </a:p>
+          <a:p>
+            <a:pPr lvl="2"/>
+            <a:r>
+              <a:rPr lang="en-US" altLang="zh-CN" dirty="0"/>
+              <a:t>O</a:t>
+            </a:r>
+            <a:r>
+              <a:rPr lang="en-US" altLang="zh-CN" dirty="0" smtClean="0"/>
+              <a:t>bserves </a:t>
+            </a:r>
+            <a:r>
+              <a:rPr lang="en-US" altLang="zh-CN" dirty="0"/>
+              <a:t>that sarcasm may not always </a:t>
+            </a:r>
+            <a:r>
+              <a:rPr lang="en-US" altLang="zh-CN" b="1" dirty="0">
+                <a:solidFill>
+                  <a:srgbClr val="FF0000"/>
+                </a:solidFill>
+              </a:rPr>
+              <a:t>flip</a:t>
+            </a:r>
+            <a:r>
+              <a:rPr lang="en-US" altLang="zh-CN" dirty="0"/>
+              <a:t> the </a:t>
+            </a:r>
+            <a:r>
+              <a:rPr lang="en-US" altLang="zh-CN" b="1" dirty="0">
+                <a:solidFill>
+                  <a:srgbClr val="FF0000"/>
+                </a:solidFill>
+              </a:rPr>
+              <a:t>polarity</a:t>
+            </a:r>
+            <a:r>
+              <a:rPr lang="en-US" altLang="zh-CN" dirty="0"/>
+              <a:t>. The example they quote is: “</a:t>
+            </a:r>
+            <a:r>
+              <a:rPr lang="en-US" altLang="zh-CN" dirty="0" smtClean="0"/>
+              <a:t>Its not </a:t>
+            </a:r>
+            <a:r>
+              <a:rPr lang="en-US" altLang="zh-CN" dirty="0"/>
+              <a:t>like I wanted to eat breakfast anyway. #sarcasm.”</a:t>
+            </a:r>
+            <a:endParaRPr kumimoji="1" lang="zh-CN" altLang="en-US" dirty="0"/>
+          </a:p>
+        </p:txBody>
+      </p:sp>
+    </p:spTree>
+    <p:extLst>
+      <p:ext uri="{BB962C8B-B14F-4D97-AF65-F5344CB8AC3E}">
+        <p14:creationId xmlns:p14="http://schemas.microsoft.com/office/powerpoint/2010/main" val="397577622"/>
+      </p:ext>
+    </p:extLst>
+  </p:cSld>
+  <p:clrMapOvr>
+    <a:masterClrMapping/>
+  </p:clrMapOvr>
+</p:sld>
+</file>
+
+<file path=ppt/slides/slide32.xml><?xml version="1.0" encoding="utf-8"?>
+<p:sld xmlns:a="http://schemas.openxmlformats.org/drawingml/2006/main" xmlns:r="http://schemas.openxmlformats.org/officeDocument/2006/relationships" xmlns:p="http://schemas.openxmlformats.org/presentationml/2006/main">
+  <p:cSld>
+    <p:spTree>
+      <p:nvGrpSpPr>
+        <p:cNvPr id="1" name=""/>
+        <p:cNvGrpSpPr/>
+        <p:nvPr/>
+      </p:nvGrpSpPr>
+      <p:grpSpPr>
+        <a:xfrm>
+          <a:off x="0" y="0"/>
+          <a:ext cx="0" cy="0"/>
+          <a:chOff x="0" y="0"/>
+          <a:chExt cx="0" cy="0"/>
+        </a:xfrm>
+      </p:grpSpPr>
+      <p:sp>
+        <p:nvSpPr>
+          <p:cNvPr id="2" name="标题 1"/>
+          <p:cNvSpPr>
+            <a:spLocks noGrp="1"/>
+          </p:cNvSpPr>
+          <p:nvPr>
+            <p:ph type="title"/>
+          </p:nvPr>
+        </p:nvSpPr>
+        <p:spPr/>
+        <p:txBody>
+          <a:bodyPr/>
+          <a:lstStyle/>
+          <a:p>
+            <a:r>
+              <a:rPr lang="en-US" altLang="zh-CN" dirty="0" smtClean="0"/>
+              <a:t>8.3 Dealing </a:t>
+            </a:r>
+            <a:r>
+              <a:rPr lang="en-US" altLang="zh-CN" dirty="0"/>
+              <a:t>with Skewed </a:t>
+            </a:r>
+            <a:r>
+              <a:rPr lang="en-US" altLang="zh-CN" dirty="0" smtClean="0"/>
+              <a:t>Datasets</a:t>
+            </a:r>
+            <a:endParaRPr kumimoji="1" lang="zh-CN" altLang="en-US" dirty="0"/>
+          </a:p>
+        </p:txBody>
+      </p:sp>
+      <p:sp>
+        <p:nvSpPr>
+          <p:cNvPr id="3" name="内容占位符 2"/>
+          <p:cNvSpPr>
+            <a:spLocks noGrp="1"/>
+          </p:cNvSpPr>
+          <p:nvPr>
+            <p:ph idx="1"/>
+          </p:nvPr>
+        </p:nvSpPr>
+        <p:spPr/>
+        <p:txBody>
+          <a:bodyPr>
+            <a:normAutofit fontScale="85000" lnSpcReduction="10000"/>
+          </a:bodyPr>
+          <a:lstStyle/>
+          <a:p>
+            <a:r>
+              <a:rPr lang="en-US" altLang="zh-CN" dirty="0" smtClean="0"/>
+              <a:t>Sarcasm </a:t>
+            </a:r>
+            <a:r>
+              <a:rPr lang="en-US" altLang="zh-CN" dirty="0"/>
+              <a:t>is an </a:t>
+            </a:r>
+            <a:r>
+              <a:rPr lang="en-US" altLang="zh-CN" b="1" dirty="0">
+                <a:solidFill>
+                  <a:srgbClr val="FF0000"/>
+                </a:solidFill>
+              </a:rPr>
+              <a:t>infrequent</a:t>
+            </a:r>
+            <a:r>
+              <a:rPr lang="en-US" altLang="zh-CN" dirty="0"/>
+              <a:t> phenomenon of sentiment expression. This </a:t>
+            </a:r>
+            <a:r>
+              <a:rPr lang="en-US" altLang="zh-CN" b="1" dirty="0">
+                <a:solidFill>
+                  <a:srgbClr val="FF0000"/>
+                </a:solidFill>
+              </a:rPr>
+              <a:t>skew</a:t>
+            </a:r>
+            <a:r>
+              <a:rPr lang="en-US" altLang="zh-CN" dirty="0"/>
+              <a:t> also reflects in </a:t>
+            </a:r>
+            <a:r>
+              <a:rPr lang="en-US" altLang="zh-CN" dirty="0" smtClean="0"/>
+              <a:t>datasets.</a:t>
+            </a:r>
+          </a:p>
+          <a:p>
+            <a:pPr lvl="1"/>
+            <a:r>
+              <a:rPr lang="en-US" altLang="zh-CN" dirty="0" smtClean="0"/>
+              <a:t>Reference </a:t>
+            </a:r>
+            <a:r>
+              <a:rPr lang="en-US" altLang="zh-CN" dirty="0"/>
+              <a:t>[68] uses a dataset with a small set of sentences are marked as sarcastic</a:t>
+            </a:r>
+            <a:r>
+              <a:rPr lang="en-US" altLang="zh-CN" dirty="0" smtClean="0"/>
+              <a:t>.</a:t>
+            </a:r>
+          </a:p>
+          <a:p>
+            <a:pPr lvl="1"/>
+            <a:r>
+              <a:rPr lang="en-US" altLang="zh-CN" dirty="0" smtClean="0"/>
+              <a:t>12.5</a:t>
+            </a:r>
+            <a:r>
+              <a:rPr lang="en-US" altLang="zh-CN" dirty="0"/>
+              <a:t>% of </a:t>
+            </a:r>
+            <a:r>
+              <a:rPr lang="en-US" altLang="zh-CN" dirty="0" smtClean="0"/>
+              <a:t>tweets in </a:t>
+            </a:r>
+            <a:r>
+              <a:rPr lang="en-US" altLang="zh-CN" dirty="0"/>
+              <a:t>the Italian dataset given by </a:t>
+            </a:r>
+            <a:r>
+              <a:rPr lang="en-US" altLang="zh-CN" dirty="0" smtClean="0"/>
+              <a:t>Reference [3] are sarcastic.</a:t>
+            </a:r>
+          </a:p>
+          <a:p>
+            <a:pPr lvl="1"/>
+            <a:r>
+              <a:rPr lang="en-US" altLang="zh-CN" dirty="0" smtClean="0"/>
+              <a:t>Reference </a:t>
+            </a:r>
+            <a:r>
+              <a:rPr lang="en-US" altLang="zh-CN" dirty="0"/>
+              <a:t>[</a:t>
+            </a:r>
+            <a:r>
+              <a:rPr lang="en-US" altLang="zh-CN" dirty="0" smtClean="0"/>
+              <a:t>55] presents </a:t>
+            </a:r>
+            <a:r>
+              <a:rPr lang="en-US" altLang="zh-CN" dirty="0"/>
+              <a:t>a balanced dataset of 15k tweets</a:t>
+            </a:r>
+            <a:r>
+              <a:rPr lang="en-US" altLang="zh-CN" dirty="0" smtClean="0"/>
+              <a:t>.</a:t>
+            </a:r>
+          </a:p>
+          <a:p>
+            <a:r>
+              <a:rPr lang="en-US" altLang="zh-CN" dirty="0" smtClean="0"/>
+              <a:t>In </a:t>
+            </a:r>
+            <a:r>
+              <a:rPr lang="en-US" altLang="zh-CN" dirty="0"/>
+              <a:t>some articles, specialized techniques are used </a:t>
+            </a:r>
+            <a:r>
+              <a:rPr lang="en-US" altLang="zh-CN" dirty="0" smtClean="0"/>
+              <a:t>to deal </a:t>
+            </a:r>
+            <a:r>
+              <a:rPr lang="en-US" altLang="zh-CN" dirty="0"/>
+              <a:t>with the dataset </a:t>
+            </a:r>
+            <a:r>
+              <a:rPr lang="en-US" altLang="zh-CN" dirty="0" smtClean="0"/>
+              <a:t>imbalances.</a:t>
+            </a:r>
+          </a:p>
+          <a:p>
+            <a:pPr lvl="1"/>
+            <a:r>
+              <a:rPr lang="en-US" altLang="zh-CN" dirty="0" smtClean="0"/>
+              <a:t>Reference </a:t>
+            </a:r>
+            <a:r>
+              <a:rPr lang="en-US" altLang="zh-CN" dirty="0"/>
+              <a:t>[43] presents a </a:t>
+            </a:r>
+            <a:r>
+              <a:rPr lang="en-US" altLang="zh-CN" b="1" dirty="0">
+                <a:solidFill>
+                  <a:srgbClr val="FF0000"/>
+                </a:solidFill>
+              </a:rPr>
+              <a:t>multi-strategy </a:t>
+            </a:r>
+            <a:r>
+              <a:rPr lang="en-US" altLang="zh-CN" b="1" dirty="0" smtClean="0">
+                <a:solidFill>
+                  <a:srgbClr val="FF0000"/>
+                </a:solidFill>
+              </a:rPr>
+              <a:t>ensemble </a:t>
+            </a:r>
+            <a:r>
+              <a:rPr lang="en-US" altLang="zh-CN" dirty="0" smtClean="0"/>
+              <a:t>learning </a:t>
+            </a:r>
+            <a:r>
+              <a:rPr lang="en-US" altLang="zh-CN" dirty="0"/>
+              <a:t>approach</a:t>
+            </a:r>
+            <a:r>
+              <a:rPr lang="en-US" altLang="zh-CN" dirty="0" smtClean="0"/>
+              <a:t>.</a:t>
+            </a:r>
+          </a:p>
+          <a:p>
+            <a:pPr lvl="1"/>
+            <a:r>
+              <a:rPr lang="en-US" altLang="zh-CN" dirty="0" smtClean="0"/>
+              <a:t>Reference </a:t>
+            </a:r>
+            <a:r>
+              <a:rPr lang="en-US" altLang="zh-CN" dirty="0"/>
+              <a:t>[34] uses </a:t>
+            </a:r>
+            <a:r>
+              <a:rPr lang="en-US" altLang="zh-CN" b="1" dirty="0">
+                <a:solidFill>
+                  <a:srgbClr val="FF0000"/>
+                </a:solidFill>
+              </a:rPr>
+              <a:t>SVM-perf</a:t>
+            </a:r>
+            <a:r>
+              <a:rPr lang="en-US" altLang="zh-CN" dirty="0"/>
+              <a:t> that performs F-score optimization</a:t>
+            </a:r>
+            <a:r>
+              <a:rPr lang="en-US" altLang="zh-CN" dirty="0" smtClean="0"/>
+              <a:t>.</a:t>
+            </a:r>
+          </a:p>
+          <a:p>
+            <a:r>
+              <a:rPr lang="en-US" altLang="zh-CN" dirty="0" smtClean="0"/>
+              <a:t>Similarly, to </a:t>
+            </a:r>
+            <a:r>
+              <a:rPr lang="en-US" altLang="zh-CN" dirty="0"/>
+              <a:t>deal with sparse features and skewness of </a:t>
+            </a:r>
+            <a:r>
+              <a:rPr lang="en-US" altLang="zh-CN" dirty="0" smtClean="0"/>
+              <a:t>data</a:t>
+            </a:r>
+          </a:p>
+          <a:p>
+            <a:pPr lvl="1"/>
+            <a:r>
+              <a:rPr lang="en-US" altLang="zh-CN" dirty="0" smtClean="0"/>
+              <a:t>Reference </a:t>
+            </a:r>
+            <a:r>
+              <a:rPr lang="en-US" altLang="zh-CN" dirty="0"/>
+              <a:t>[73] introduce an </a:t>
+            </a:r>
+            <a:r>
+              <a:rPr lang="en-US" altLang="zh-CN" b="1" dirty="0" smtClean="0">
+                <a:solidFill>
+                  <a:srgbClr val="FF0000"/>
+                </a:solidFill>
+              </a:rPr>
+              <a:t>LSS-regularization strategy</a:t>
+            </a:r>
+            <a:r>
+              <a:rPr lang="en-US" altLang="zh-CN" dirty="0" smtClean="0"/>
+              <a:t>.</a:t>
+            </a:r>
+          </a:p>
+          <a:p>
+            <a:pPr lvl="2"/>
+            <a:r>
+              <a:rPr lang="en-US" altLang="zh-CN" dirty="0" smtClean="0"/>
+              <a:t>They </a:t>
+            </a:r>
+            <a:r>
+              <a:rPr lang="en-US" altLang="zh-CN" dirty="0"/>
+              <a:t>use a </a:t>
+            </a:r>
+            <a:r>
+              <a:rPr lang="en-US" altLang="zh-CN" dirty="0" err="1"/>
+              <a:t>sparsifying</a:t>
+            </a:r>
+            <a:r>
+              <a:rPr lang="en-US" altLang="zh-CN" dirty="0"/>
+              <a:t> L1 </a:t>
+            </a:r>
+            <a:r>
+              <a:rPr lang="en-US" altLang="zh-CN" dirty="0" err="1"/>
+              <a:t>regularizer</a:t>
+            </a:r>
+            <a:r>
+              <a:rPr lang="en-US" altLang="zh-CN" dirty="0"/>
+              <a:t> over contextual features and L2-norm for bag </a:t>
+            </a:r>
+            <a:r>
+              <a:rPr lang="en-US" altLang="zh-CN" dirty="0" smtClean="0"/>
+              <a:t>of word </a:t>
+            </a:r>
+            <a:r>
+              <a:rPr lang="en-US" altLang="zh-CN" dirty="0"/>
+              <a:t>features</a:t>
+            </a:r>
+            <a:r>
+              <a:rPr lang="en-US" altLang="zh-CN" dirty="0" smtClean="0"/>
+              <a:t>.</a:t>
+            </a:r>
+          </a:p>
+          <a:p>
+            <a:r>
+              <a:rPr lang="en-US" altLang="zh-CN" dirty="0" smtClean="0"/>
+              <a:t>Data </a:t>
+            </a:r>
+            <a:r>
+              <a:rPr lang="en-US" altLang="zh-CN" dirty="0"/>
+              <a:t>imbalance also influences the choice of performance </a:t>
+            </a:r>
+            <a:r>
+              <a:rPr lang="en-US" altLang="zh-CN" b="1" dirty="0">
+                <a:solidFill>
+                  <a:srgbClr val="FF0000"/>
+                </a:solidFill>
+              </a:rPr>
+              <a:t>metrics</a:t>
+            </a:r>
+            <a:r>
+              <a:rPr lang="en-US" altLang="zh-CN" dirty="0"/>
+              <a:t> </a:t>
+            </a:r>
+            <a:r>
+              <a:rPr lang="en-US" altLang="zh-CN" dirty="0" smtClean="0"/>
+              <a:t>reported.</a:t>
+            </a:r>
+          </a:p>
+          <a:p>
+            <a:pPr lvl="1"/>
+            <a:r>
+              <a:rPr lang="en-US" altLang="zh-CN" dirty="0" smtClean="0"/>
+              <a:t>Reference [41</a:t>
+            </a:r>
+            <a:r>
+              <a:rPr lang="en-US" altLang="zh-CN" dirty="0"/>
+              <a:t>] reports AUC for balanced as well as skewed datasets, to demonstrate the benefit of </a:t>
+            </a:r>
+            <a:r>
+              <a:rPr lang="en-US" altLang="zh-CN" dirty="0" smtClean="0"/>
+              <a:t>their classifier.</a:t>
+            </a:r>
+          </a:p>
+          <a:p>
+            <a:pPr lvl="2"/>
+            <a:r>
+              <a:rPr lang="en-US" altLang="zh-CN" dirty="0"/>
+              <a:t>Since </a:t>
+            </a:r>
+            <a:r>
+              <a:rPr lang="en-US" altLang="zh-CN" b="1" dirty="0">
+                <a:solidFill>
+                  <a:srgbClr val="FF0000"/>
+                </a:solidFill>
+              </a:rPr>
+              <a:t>AUC</a:t>
+            </a:r>
+            <a:r>
+              <a:rPr lang="en-US" altLang="zh-CN" dirty="0"/>
+              <a:t> is known to be a </a:t>
+            </a:r>
+            <a:r>
+              <a:rPr lang="en-US" altLang="zh-CN" b="1" dirty="0">
+                <a:solidFill>
+                  <a:srgbClr val="FF0000"/>
+                </a:solidFill>
+              </a:rPr>
+              <a:t>more reliable </a:t>
+            </a:r>
+            <a:r>
+              <a:rPr lang="en-US" altLang="zh-CN" dirty="0"/>
+              <a:t>indicator of performance than F-score for skewed data,</a:t>
+            </a:r>
+            <a:endParaRPr lang="en-US" altLang="zh-CN" dirty="0" smtClean="0"/>
+          </a:p>
+          <a:p>
+            <a:pPr lvl="1"/>
+            <a:r>
+              <a:rPr lang="en-US" altLang="zh-CN" dirty="0" smtClean="0"/>
+              <a:t>Reference </a:t>
+            </a:r>
+            <a:r>
+              <a:rPr lang="en-US" altLang="zh-CN" dirty="0"/>
+              <a:t>[1</a:t>
+            </a:r>
+            <a:r>
+              <a:rPr lang="en-US" altLang="zh-CN" dirty="0" smtClean="0"/>
+              <a:t>] compares </a:t>
+            </a:r>
+            <a:r>
+              <a:rPr lang="en-US" altLang="zh-CN" dirty="0"/>
+              <a:t>performance of sarcasm classification for many </a:t>
+            </a:r>
+            <a:r>
+              <a:rPr lang="en-US" altLang="zh-CN" dirty="0" smtClean="0"/>
+              <a:t>datasets of </a:t>
+            </a:r>
+            <a:r>
+              <a:rPr lang="en-US" altLang="zh-CN" dirty="0"/>
+              <a:t>different data imbalances.</a:t>
+            </a:r>
+            <a:endParaRPr kumimoji="1" lang="zh-CN" altLang="en-US" dirty="0"/>
+          </a:p>
+        </p:txBody>
+      </p:sp>
+    </p:spTree>
+    <p:extLst>
+      <p:ext uri="{BB962C8B-B14F-4D97-AF65-F5344CB8AC3E}">
+        <p14:creationId xmlns:p14="http://schemas.microsoft.com/office/powerpoint/2010/main" val="646640108"/>
+      </p:ext>
+    </p:extLst>
+  </p:cSld>
+  <p:clrMapOvr>
+    <a:masterClrMapping/>
+  </p:clrMapOvr>
+</p:sld>
+</file>
+
+<file path=ppt/slides/slide33.xml><?xml version="1.0" encoding="utf-8"?>
+<p:sld xmlns:a="http://schemas.openxmlformats.org/drawingml/2006/main" xmlns:r="http://schemas.openxmlformats.org/officeDocument/2006/relationships" xmlns:p="http://schemas.openxmlformats.org/presentationml/2006/main">
+  <p:cSld>
+    <p:spTree>
+      <p:nvGrpSpPr>
+        <p:cNvPr id="1" name=""/>
+        <p:cNvGrpSpPr/>
+        <p:nvPr/>
+      </p:nvGrpSpPr>
+      <p:grpSpPr>
+        <a:xfrm>
+          <a:off x="0" y="0"/>
+          <a:ext cx="0" cy="0"/>
+          <a:chOff x="0" y="0"/>
+          <a:chExt cx="0" cy="0"/>
+        </a:xfrm>
+      </p:grpSpPr>
+      <p:sp>
+        <p:nvSpPr>
+          <p:cNvPr id="2" name="标题 1"/>
+          <p:cNvSpPr>
+            <a:spLocks noGrp="1"/>
+          </p:cNvSpPr>
+          <p:nvPr>
+            <p:ph type="title"/>
+          </p:nvPr>
+        </p:nvSpPr>
+        <p:spPr/>
+        <p:txBody>
+          <a:bodyPr/>
+          <a:lstStyle/>
+          <a:p>
+            <a:r>
+              <a:rPr kumimoji="1" lang="en-US" altLang="zh-CN" dirty="0"/>
+              <a:t>9. Conclusion &amp; Future Directions</a:t>
+            </a:r>
+            <a:endParaRPr kumimoji="1" lang="zh-CN" altLang="en-US" dirty="0"/>
+          </a:p>
+        </p:txBody>
+      </p:sp>
+      <p:sp>
+        <p:nvSpPr>
+          <p:cNvPr id="3" name="内容占位符 2"/>
+          <p:cNvSpPr>
+            <a:spLocks noGrp="1"/>
+          </p:cNvSpPr>
+          <p:nvPr>
+            <p:ph idx="1"/>
+          </p:nvPr>
+        </p:nvSpPr>
+        <p:spPr/>
+        <p:txBody>
+          <a:bodyPr>
+            <a:normAutofit fontScale="92500" lnSpcReduction="20000"/>
+          </a:bodyPr>
+          <a:lstStyle/>
+          <a:p>
+            <a:r>
+              <a:rPr lang="en-US" altLang="zh-CN" dirty="0"/>
+              <a:t>The current trend of research in sarcasm detection points to the </a:t>
+            </a:r>
+            <a:r>
+              <a:rPr lang="en-US" altLang="zh-CN" b="1" dirty="0">
+                <a:solidFill>
+                  <a:srgbClr val="FF0000"/>
+                </a:solidFill>
+              </a:rPr>
+              <a:t>discovery of new features </a:t>
+            </a:r>
+            <a:r>
+              <a:rPr lang="en-US" altLang="zh-CN" dirty="0"/>
+              <a:t>and the </a:t>
+            </a:r>
+            <a:r>
+              <a:rPr lang="en-US" altLang="zh-CN" b="1" dirty="0">
+                <a:solidFill>
+                  <a:srgbClr val="FF0000"/>
+                </a:solidFill>
+              </a:rPr>
+              <a:t>incorporation of context</a:t>
+            </a:r>
+            <a:r>
+              <a:rPr lang="en-US" altLang="zh-CN" dirty="0"/>
+              <a:t>. </a:t>
+            </a:r>
+            <a:r>
+              <a:rPr lang="en-US" altLang="zh-CN" dirty="0" smtClean="0"/>
+              <a:t>Based </a:t>
+            </a:r>
+            <a:r>
+              <a:rPr lang="en-US" altLang="zh-CN" dirty="0"/>
+              <a:t>on our survey of these works, </a:t>
+            </a:r>
+            <a:r>
+              <a:rPr lang="en-US" altLang="zh-CN" dirty="0" smtClean="0"/>
+              <a:t>we observe </a:t>
+            </a:r>
+            <a:r>
+              <a:rPr lang="en-US" altLang="zh-CN" dirty="0"/>
+              <a:t>the following emerging directions:</a:t>
+            </a:r>
+            <a:endParaRPr kumimoji="1" lang="zh-CN" altLang="en-US" dirty="0"/>
+          </a:p>
+          <a:p>
+            <a:r>
+              <a:rPr lang="en-US" altLang="zh-CN" dirty="0"/>
+              <a:t>(1) Quality of sarcasm </a:t>
+            </a:r>
+            <a:r>
+              <a:rPr lang="en-US" altLang="zh-CN" b="1" dirty="0" smtClean="0">
+                <a:solidFill>
+                  <a:srgbClr val="FF0000"/>
+                </a:solidFill>
+              </a:rPr>
+              <a:t>annotation</a:t>
+            </a:r>
+            <a:endParaRPr lang="en-US" altLang="zh-CN" dirty="0" smtClean="0"/>
+          </a:p>
+          <a:p>
+            <a:pPr lvl="1"/>
+            <a:r>
+              <a:rPr lang="en-US" altLang="zh-CN" dirty="0" smtClean="0"/>
+              <a:t>Sarcasm </a:t>
+            </a:r>
+            <a:r>
+              <a:rPr lang="en-US" altLang="zh-CN" dirty="0"/>
+              <a:t>is understood on the basis of shared </a:t>
+            </a:r>
+            <a:r>
+              <a:rPr lang="en-US" altLang="zh-CN" dirty="0" smtClean="0"/>
+              <a:t>knowledge. As </a:t>
+            </a:r>
+            <a:r>
+              <a:rPr lang="en-US" altLang="zh-CN" dirty="0"/>
+              <a:t>shown in Reference [43], sarcasm is closely related to </a:t>
+            </a:r>
+            <a:r>
+              <a:rPr lang="en-US" altLang="zh-CN" b="1" dirty="0" smtClean="0">
+                <a:solidFill>
+                  <a:srgbClr val="FF0000"/>
+                </a:solidFill>
+              </a:rPr>
+              <a:t>language/culture-specific traits</a:t>
+            </a:r>
+            <a:r>
+              <a:rPr lang="en-US" altLang="zh-CN" dirty="0" smtClean="0"/>
+              <a:t>.</a:t>
+            </a:r>
+          </a:p>
+          <a:p>
+            <a:pPr lvl="1"/>
+            <a:r>
+              <a:rPr lang="en-US" altLang="zh-CN" dirty="0" smtClean="0"/>
+              <a:t>Future </a:t>
+            </a:r>
+            <a:r>
+              <a:rPr lang="en-US" altLang="zh-CN" dirty="0"/>
+              <a:t>approaches to sarcasm </a:t>
+            </a:r>
+            <a:r>
+              <a:rPr lang="en-US" altLang="zh-CN" dirty="0" smtClean="0"/>
+              <a:t>detection in </a:t>
+            </a:r>
+            <a:r>
+              <a:rPr lang="en-US" altLang="zh-CN" b="1" dirty="0" smtClean="0">
+                <a:solidFill>
+                  <a:srgbClr val="FF0000"/>
+                </a:solidFill>
+              </a:rPr>
+              <a:t>new languages </a:t>
+            </a:r>
+            <a:r>
+              <a:rPr lang="en-US" altLang="zh-CN" dirty="0" smtClean="0"/>
+              <a:t>will benefit from understanding such </a:t>
+            </a:r>
+            <a:r>
+              <a:rPr lang="en-US" altLang="zh-CN" dirty="0"/>
+              <a:t>traits and incorporating them into their classification frameworks</a:t>
+            </a:r>
+            <a:r>
+              <a:rPr lang="en-US" altLang="zh-CN" dirty="0" smtClean="0"/>
+              <a:t>.</a:t>
+            </a:r>
+          </a:p>
+          <a:p>
+            <a:pPr lvl="1"/>
+            <a:r>
+              <a:rPr lang="en-US" altLang="zh-CN" dirty="0" smtClean="0"/>
+              <a:t>Reference [30</a:t>
+            </a:r>
+            <a:r>
+              <a:rPr lang="en-US" altLang="zh-CN" dirty="0"/>
+              <a:t>] shows that American and Indian annotators may have substantial </a:t>
+            </a:r>
+            <a:r>
+              <a:rPr lang="en-US" altLang="zh-CN" dirty="0" smtClean="0"/>
+              <a:t>disagreement in </a:t>
+            </a:r>
+            <a:r>
+              <a:rPr lang="en-US" altLang="zh-CN" dirty="0"/>
+              <a:t>their sarcasm annotations. However, this sees a non-significant degradation in the </a:t>
+            </a:r>
+            <a:r>
+              <a:rPr lang="en-US" altLang="zh-CN" dirty="0" smtClean="0"/>
+              <a:t>performance of </a:t>
+            </a:r>
+            <a:r>
+              <a:rPr lang="en-US" altLang="zh-CN" dirty="0"/>
+              <a:t>sarcasm detection. </a:t>
+            </a:r>
+            <a:endParaRPr lang="en-US" altLang="zh-CN" dirty="0" smtClean="0"/>
+          </a:p>
+          <a:p>
+            <a:r>
+              <a:rPr lang="en-US" altLang="zh-CN" dirty="0" smtClean="0"/>
+              <a:t>(</a:t>
+            </a:r>
+            <a:r>
+              <a:rPr lang="en-US" altLang="zh-CN" dirty="0"/>
+              <a:t>2) </a:t>
+            </a:r>
+            <a:r>
+              <a:rPr lang="en-US" altLang="zh-CN" dirty="0" smtClean="0"/>
+              <a:t>Extraction </a:t>
+            </a:r>
+            <a:r>
+              <a:rPr lang="en-US" altLang="zh-CN" dirty="0"/>
+              <a:t>of </a:t>
+            </a:r>
+            <a:r>
+              <a:rPr lang="en-US" altLang="zh-CN" b="1" dirty="0">
+                <a:solidFill>
+                  <a:srgbClr val="FF0000"/>
+                </a:solidFill>
+              </a:rPr>
+              <a:t>implicit sentiment </a:t>
+            </a:r>
+            <a:r>
+              <a:rPr lang="en-US" altLang="zh-CN" dirty="0"/>
+              <a:t>in </a:t>
+            </a:r>
+            <a:r>
+              <a:rPr lang="en-US" altLang="zh-CN" dirty="0" smtClean="0"/>
+              <a:t>patterns</a:t>
+            </a:r>
+          </a:p>
+          <a:p>
+            <a:pPr lvl="1"/>
+            <a:r>
+              <a:rPr lang="en-US" altLang="zh-CN" dirty="0" smtClean="0"/>
+              <a:t>Sarcasm </a:t>
+            </a:r>
+            <a:r>
+              <a:rPr lang="en-US" altLang="zh-CN" dirty="0"/>
+              <a:t>is closely linked to </a:t>
+            </a:r>
+            <a:r>
+              <a:rPr lang="en-US" altLang="zh-CN" b="1" dirty="0">
+                <a:solidFill>
+                  <a:srgbClr val="FF0000"/>
+                </a:solidFill>
+              </a:rPr>
+              <a:t>sentiment incongruity </a:t>
+            </a:r>
+            <a:r>
+              <a:rPr lang="en-US" altLang="zh-CN" dirty="0"/>
+              <a:t>[32</a:t>
+            </a:r>
+            <a:r>
+              <a:rPr lang="en-US" altLang="zh-CN" dirty="0" smtClean="0"/>
+              <a:t>].</a:t>
+            </a:r>
+          </a:p>
+          <a:p>
+            <a:pPr lvl="1"/>
+            <a:r>
+              <a:rPr lang="en-US" altLang="zh-CN" dirty="0" smtClean="0"/>
+              <a:t>Several related works exist for detection of </a:t>
+            </a:r>
+            <a:r>
+              <a:rPr lang="en-US" altLang="zh-CN" dirty="0"/>
+              <a:t>implicit sentiment </a:t>
+            </a:r>
+            <a:r>
+              <a:rPr lang="en-US" altLang="zh-CN" dirty="0" smtClean="0"/>
+              <a:t>in sentences</a:t>
+            </a:r>
+          </a:p>
+          <a:p>
+            <a:pPr lvl="2"/>
+            <a:r>
+              <a:rPr lang="en-US" altLang="zh-CN" dirty="0" smtClean="0"/>
+              <a:t>e.g. “The phone gets heated quickly ” versus “The induction cooktop gets heated quickly .”</a:t>
+            </a:r>
+            <a:endParaRPr kumimoji="1" lang="zh-CN" altLang="en-US" dirty="0"/>
+          </a:p>
+        </p:txBody>
+      </p:sp>
+    </p:spTree>
+    <p:extLst>
+      <p:ext uri="{BB962C8B-B14F-4D97-AF65-F5344CB8AC3E}">
+        <p14:creationId xmlns:p14="http://schemas.microsoft.com/office/powerpoint/2010/main" val="1273058945"/>
+      </p:ext>
+    </p:extLst>
+  </p:cSld>
+  <p:clrMapOvr>
+    <a:masterClrMapping/>
+  </p:clrMapOvr>
+</p:sld>
+</file>
+
+<file path=ppt/slides/slide34.xml><?xml version="1.0" encoding="utf-8"?>
+<p:sld xmlns:a="http://schemas.openxmlformats.org/drawingml/2006/main" xmlns:r="http://schemas.openxmlformats.org/officeDocument/2006/relationships" xmlns:p="http://schemas.openxmlformats.org/presentationml/2006/main">
+  <p:cSld>
+    <p:spTree>
+      <p:nvGrpSpPr>
+        <p:cNvPr id="1" name=""/>
+        <p:cNvGrpSpPr/>
+        <p:nvPr/>
+      </p:nvGrpSpPr>
+      <p:grpSpPr>
+        <a:xfrm>
+          <a:off x="0" y="0"/>
+          <a:ext cx="0" cy="0"/>
+          <a:chOff x="0" y="0"/>
+          <a:chExt cx="0" cy="0"/>
+        </a:xfrm>
+      </p:grpSpPr>
+      <p:sp>
+        <p:nvSpPr>
+          <p:cNvPr id="2" name="标题 1"/>
+          <p:cNvSpPr>
+            <a:spLocks noGrp="1"/>
+          </p:cNvSpPr>
+          <p:nvPr>
+            <p:ph type="title"/>
+          </p:nvPr>
+        </p:nvSpPr>
+        <p:spPr/>
+        <p:txBody>
+          <a:bodyPr/>
+          <a:lstStyle/>
+          <a:p>
+            <a:r>
+              <a:rPr kumimoji="1" lang="en-US" altLang="zh-CN" dirty="0"/>
+              <a:t>9. Conclusion &amp; Future Directions</a:t>
+            </a:r>
+            <a:endParaRPr kumimoji="1" lang="zh-CN" altLang="en-US" dirty="0"/>
+          </a:p>
+        </p:txBody>
+      </p:sp>
+      <p:sp>
+        <p:nvSpPr>
+          <p:cNvPr id="3" name="内容占位符 2"/>
+          <p:cNvSpPr>
+            <a:spLocks noGrp="1"/>
+          </p:cNvSpPr>
+          <p:nvPr>
+            <p:ph idx="1"/>
+          </p:nvPr>
+        </p:nvSpPr>
+        <p:spPr/>
+        <p:txBody>
+          <a:bodyPr>
+            <a:normAutofit/>
+          </a:bodyPr>
+          <a:lstStyle/>
+          <a:p>
+            <a:r>
+              <a:rPr lang="en-US" altLang="zh-CN" dirty="0"/>
+              <a:t> (3) Analysis based on </a:t>
+            </a:r>
+            <a:r>
+              <a:rPr lang="en-US" altLang="zh-CN" b="1" dirty="0">
+                <a:solidFill>
+                  <a:srgbClr val="FF0000"/>
+                </a:solidFill>
+              </a:rPr>
+              <a:t>types</a:t>
+            </a:r>
+            <a:r>
+              <a:rPr lang="en-US" altLang="zh-CN" dirty="0"/>
+              <a:t> of </a:t>
+            </a:r>
+            <a:r>
+              <a:rPr lang="en-US" altLang="zh-CN" dirty="0" smtClean="0"/>
+              <a:t>sarcasm</a:t>
+            </a:r>
+          </a:p>
+          <a:p>
+            <a:pPr lvl="1"/>
+            <a:r>
+              <a:rPr lang="en-US" altLang="zh-CN" dirty="0" smtClean="0"/>
+              <a:t>Past </a:t>
+            </a:r>
+            <a:r>
+              <a:rPr lang="en-US" altLang="zh-CN" dirty="0"/>
+              <a:t>work does not </a:t>
+            </a:r>
+            <a:r>
+              <a:rPr lang="en-US" altLang="zh-CN" dirty="0" smtClean="0"/>
+              <a:t>report which </a:t>
+            </a:r>
+            <a:r>
+              <a:rPr lang="en-US" altLang="zh-CN" dirty="0"/>
+              <a:t>of the types of sarcasm are correctly handled by existing systems</a:t>
+            </a:r>
+            <a:r>
+              <a:rPr lang="en-US" altLang="zh-CN" dirty="0" smtClean="0"/>
+              <a:t>.</a:t>
+            </a:r>
+          </a:p>
+          <a:p>
+            <a:pPr lvl="1"/>
+            <a:r>
+              <a:rPr lang="en-US" altLang="zh-CN" dirty="0" smtClean="0"/>
+              <a:t>A </a:t>
+            </a:r>
+            <a:r>
+              <a:rPr lang="en-US" altLang="zh-CN" dirty="0"/>
+              <a:t>dataset </a:t>
+            </a:r>
+            <a:r>
+              <a:rPr lang="en-US" altLang="zh-CN" dirty="0" smtClean="0"/>
+              <a:t>that labels </a:t>
+            </a:r>
+            <a:r>
+              <a:rPr lang="en-US" altLang="zh-CN" dirty="0"/>
+              <a:t>sarcastic sentences into one of the four types and then studies the </a:t>
+            </a:r>
+            <a:r>
+              <a:rPr lang="en-US" altLang="zh-CN" b="1" dirty="0" smtClean="0">
+                <a:solidFill>
+                  <a:srgbClr val="FF0000"/>
+                </a:solidFill>
+              </a:rPr>
+              <a:t>performance</a:t>
+            </a:r>
+            <a:r>
+              <a:rPr lang="en-US" altLang="zh-CN" dirty="0" smtClean="0"/>
+              <a:t> of </a:t>
+            </a:r>
+            <a:r>
+              <a:rPr lang="en-US" altLang="zh-CN" dirty="0"/>
+              <a:t>various systems </a:t>
+            </a:r>
+            <a:r>
+              <a:rPr lang="en-US" altLang="zh-CN" b="1" dirty="0">
+                <a:solidFill>
+                  <a:srgbClr val="FF0000"/>
+                </a:solidFill>
+              </a:rPr>
+              <a:t>on each of these types </a:t>
+            </a:r>
+            <a:r>
+              <a:rPr lang="en-US" altLang="zh-CN" dirty="0"/>
+              <a:t>will be helpful</a:t>
+            </a:r>
+            <a:r>
+              <a:rPr lang="en-US" altLang="zh-CN" dirty="0" smtClean="0"/>
+              <a:t>.</a:t>
+            </a:r>
+          </a:p>
+          <a:p>
+            <a:pPr lvl="1"/>
+            <a:r>
+              <a:rPr lang="en-US" altLang="zh-CN" dirty="0" smtClean="0"/>
+              <a:t>Future </a:t>
+            </a:r>
+            <a:r>
+              <a:rPr lang="en-US" altLang="zh-CN" dirty="0"/>
+              <a:t>work can benefit </a:t>
+            </a:r>
+            <a:r>
+              <a:rPr lang="en-US" altLang="zh-CN" dirty="0" smtClean="0"/>
+              <a:t>from reporting </a:t>
+            </a:r>
+            <a:r>
+              <a:rPr lang="en-US" altLang="zh-CN" b="1" dirty="0">
+                <a:solidFill>
+                  <a:srgbClr val="FF0000"/>
+                </a:solidFill>
+              </a:rPr>
+              <a:t>which types </a:t>
+            </a:r>
+            <a:r>
+              <a:rPr lang="en-US" altLang="zh-CN" dirty="0"/>
+              <a:t>of sarcasm are proving to be </a:t>
+            </a:r>
+            <a:r>
+              <a:rPr lang="en-US" altLang="zh-CN" b="1" dirty="0">
+                <a:solidFill>
+                  <a:srgbClr val="FF0000"/>
+                </a:solidFill>
+              </a:rPr>
+              <a:t>difficult</a:t>
+            </a:r>
+            <a:r>
+              <a:rPr lang="en-US" altLang="zh-CN" dirty="0"/>
+              <a:t> for different approaches.</a:t>
+            </a:r>
+          </a:p>
+          <a:p>
+            <a:r>
+              <a:rPr lang="en-US" altLang="zh-CN" dirty="0"/>
+              <a:t>(4) Sarcasm </a:t>
+            </a:r>
+            <a:r>
+              <a:rPr lang="en-US" altLang="zh-CN" b="1" dirty="0">
+                <a:solidFill>
+                  <a:srgbClr val="FF0000"/>
+                </a:solidFill>
+              </a:rPr>
+              <a:t>versus irony </a:t>
+            </a:r>
+            <a:r>
+              <a:rPr lang="en-US" altLang="zh-CN" dirty="0" smtClean="0"/>
+              <a:t>classification</a:t>
+            </a:r>
+          </a:p>
+          <a:p>
+            <a:pPr lvl="1"/>
+            <a:r>
+              <a:rPr lang="en-US" altLang="zh-CN" dirty="0" smtClean="0"/>
+              <a:t>Sarcasm </a:t>
+            </a:r>
+            <a:r>
+              <a:rPr lang="en-US" altLang="zh-CN" dirty="0"/>
+              <a:t>and irony are closely related and </a:t>
+            </a:r>
+            <a:r>
+              <a:rPr lang="en-US" altLang="zh-CN" dirty="0" smtClean="0"/>
+              <a:t>most work </a:t>
+            </a:r>
+            <a:r>
+              <a:rPr lang="en-US" altLang="zh-CN" dirty="0"/>
+              <a:t>so far considers them to be the same. </a:t>
+            </a:r>
+            <a:endParaRPr lang="en-US" altLang="zh-CN" dirty="0" smtClean="0"/>
+          </a:p>
+          <a:p>
+            <a:pPr lvl="1"/>
+            <a:r>
+              <a:rPr lang="en-US" altLang="zh-CN" dirty="0" smtClean="0"/>
+              <a:t>Reference </a:t>
+            </a:r>
+            <a:r>
+              <a:rPr lang="en-US" altLang="zh-CN" dirty="0"/>
+              <a:t>[74 ] presents </a:t>
+            </a:r>
+            <a:r>
+              <a:rPr lang="en-US" altLang="zh-CN" dirty="0" smtClean="0"/>
+              <a:t>that </a:t>
+            </a:r>
+            <a:r>
+              <a:rPr lang="en-US" altLang="zh-CN" b="1" dirty="0" smtClean="0">
+                <a:solidFill>
+                  <a:srgbClr val="FF0000"/>
+                </a:solidFill>
+              </a:rPr>
+              <a:t>aggressiveness</a:t>
+            </a:r>
+            <a:r>
+              <a:rPr lang="en-US" altLang="zh-CN" dirty="0" smtClean="0"/>
+              <a:t> </a:t>
+            </a:r>
+            <a:r>
+              <a:rPr lang="en-US" altLang="zh-CN" dirty="0"/>
+              <a:t>is the distinguishing factor between the two</a:t>
+            </a:r>
+            <a:r>
+              <a:rPr lang="en-US" altLang="zh-CN" dirty="0" smtClean="0"/>
+              <a:t>.</a:t>
+            </a:r>
+          </a:p>
+          <a:p>
+            <a:pPr lvl="1"/>
+            <a:r>
+              <a:rPr lang="en-US" altLang="zh-CN" dirty="0" smtClean="0"/>
+              <a:t>Reference </a:t>
+            </a:r>
+            <a:r>
+              <a:rPr lang="en-US" altLang="zh-CN" dirty="0"/>
+              <a:t>[66 ] presents a </a:t>
+            </a:r>
+            <a:r>
+              <a:rPr lang="en-US" altLang="zh-CN" dirty="0" smtClean="0"/>
+              <a:t>set of </a:t>
+            </a:r>
+            <a:r>
+              <a:rPr lang="en-US" altLang="zh-CN" dirty="0"/>
+              <a:t>classifiers that distinguish between sarcasm and irony</a:t>
+            </a:r>
+            <a:r>
+              <a:rPr lang="en-US" altLang="zh-CN" dirty="0" smtClean="0"/>
+              <a:t>.</a:t>
+            </a:r>
+          </a:p>
+          <a:p>
+            <a:pPr lvl="2"/>
+            <a:r>
+              <a:rPr lang="en-US" altLang="zh-CN" dirty="0" smtClean="0"/>
+              <a:t>describe </a:t>
+            </a:r>
+            <a:r>
+              <a:rPr lang="en-US" altLang="zh-CN" dirty="0"/>
+              <a:t>an </a:t>
+            </a:r>
+            <a:r>
+              <a:rPr lang="en-US" altLang="zh-CN" dirty="0" smtClean="0"/>
+              <a:t>analysis of </a:t>
+            </a:r>
+            <a:r>
+              <a:rPr lang="en-US" altLang="zh-CN" dirty="0"/>
+              <a:t>structural and affective features in tweets</a:t>
+            </a:r>
+            <a:r>
+              <a:rPr lang="en-US" altLang="zh-CN" dirty="0" smtClean="0"/>
+              <a:t>.</a:t>
+            </a:r>
+          </a:p>
+          <a:p>
+            <a:pPr lvl="2"/>
+            <a:r>
+              <a:rPr lang="en-US" altLang="zh-CN" dirty="0" smtClean="0"/>
+              <a:t>An </a:t>
+            </a:r>
+            <a:r>
+              <a:rPr lang="en-US" altLang="zh-CN" dirty="0"/>
+              <a:t>important observation that they make </a:t>
+            </a:r>
+            <a:r>
+              <a:rPr lang="en-US" altLang="zh-CN" dirty="0" smtClean="0"/>
+              <a:t>is the </a:t>
+            </a:r>
+            <a:r>
+              <a:rPr lang="en-US" altLang="zh-CN" dirty="0"/>
+              <a:t>peculiarity of the hashtag </a:t>
+            </a:r>
+            <a:r>
+              <a:rPr lang="en-US" altLang="zh-CN" b="1" dirty="0">
+                <a:solidFill>
+                  <a:srgbClr val="FF0000"/>
+                </a:solidFill>
+              </a:rPr>
+              <a:t>“#not” </a:t>
+            </a:r>
+            <a:r>
+              <a:rPr lang="en-US" altLang="zh-CN" dirty="0"/>
+              <a:t>as a </a:t>
+            </a:r>
+            <a:r>
+              <a:rPr lang="en-US" altLang="zh-CN" b="1" dirty="0">
+                <a:solidFill>
+                  <a:srgbClr val="FF0000"/>
+                </a:solidFill>
+              </a:rPr>
+              <a:t>negation marker for sarcasm</a:t>
+            </a:r>
+            <a:r>
+              <a:rPr lang="en-US" altLang="zh-CN" dirty="0"/>
+              <a:t>.</a:t>
+            </a:r>
+            <a:endParaRPr kumimoji="1" lang="zh-CN" altLang="en-US" dirty="0"/>
+          </a:p>
+        </p:txBody>
+      </p:sp>
+    </p:spTree>
+    <p:extLst>
+      <p:ext uri="{BB962C8B-B14F-4D97-AF65-F5344CB8AC3E}">
+        <p14:creationId xmlns:p14="http://schemas.microsoft.com/office/powerpoint/2010/main" val="2093609740"/>
+      </p:ext>
+    </p:extLst>
+  </p:cSld>
+  <p:clrMapOvr>
+    <a:masterClrMapping/>
+  </p:clrMapOvr>
+</p:sld>
+</file>
+
+<file path=ppt/slides/slide35.xml><?xml version="1.0" encoding="utf-8"?>
+<p:sld xmlns:a="http://schemas.openxmlformats.org/drawingml/2006/main" xmlns:r="http://schemas.openxmlformats.org/officeDocument/2006/relationships" xmlns:p="http://schemas.openxmlformats.org/presentationml/2006/main">
+  <p:cSld>
+    <p:spTree>
+      <p:nvGrpSpPr>
+        <p:cNvPr id="1" name=""/>
+        <p:cNvGrpSpPr/>
+        <p:nvPr/>
+      </p:nvGrpSpPr>
+      <p:grpSpPr>
+        <a:xfrm>
+          <a:off x="0" y="0"/>
+          <a:ext cx="0" cy="0"/>
+          <a:chOff x="0" y="0"/>
+          <a:chExt cx="0" cy="0"/>
+        </a:xfrm>
+      </p:grpSpPr>
+      <p:sp>
+        <p:nvSpPr>
+          <p:cNvPr id="2" name="标题 1"/>
+          <p:cNvSpPr>
+            <a:spLocks noGrp="1"/>
+          </p:cNvSpPr>
+          <p:nvPr>
+            <p:ph type="title"/>
+          </p:nvPr>
+        </p:nvSpPr>
+        <p:spPr/>
+        <p:txBody>
+          <a:bodyPr/>
+          <a:lstStyle/>
+          <a:p>
+            <a:r>
+              <a:rPr kumimoji="1" lang="en-US" altLang="zh-CN" dirty="0"/>
+              <a:t>9. Conclusion &amp; Future Directions</a:t>
+            </a:r>
+            <a:endParaRPr kumimoji="1" lang="zh-CN" altLang="en-US" dirty="0"/>
+          </a:p>
+        </p:txBody>
+      </p:sp>
+      <p:sp>
+        <p:nvSpPr>
+          <p:cNvPr id="3" name="内容占位符 2"/>
+          <p:cNvSpPr>
+            <a:spLocks noGrp="1"/>
+          </p:cNvSpPr>
+          <p:nvPr>
+            <p:ph idx="1"/>
+          </p:nvPr>
+        </p:nvSpPr>
+        <p:spPr/>
+        <p:txBody>
+          <a:bodyPr>
+            <a:normAutofit fontScale="92500" lnSpcReduction="20000"/>
+          </a:bodyPr>
+          <a:lstStyle/>
+          <a:p>
+            <a:r>
+              <a:rPr lang="en-US" altLang="zh-CN" dirty="0"/>
+              <a:t>(5) </a:t>
+            </a:r>
+            <a:r>
+              <a:rPr lang="en-US" altLang="zh-CN" b="1" dirty="0">
+                <a:solidFill>
+                  <a:srgbClr val="FF0000"/>
+                </a:solidFill>
+              </a:rPr>
+              <a:t>Linguistic</a:t>
+            </a:r>
+            <a:r>
+              <a:rPr lang="en-US" altLang="zh-CN" dirty="0"/>
+              <a:t> basis for sarcasm </a:t>
+            </a:r>
+            <a:r>
+              <a:rPr lang="en-US" altLang="zh-CN" dirty="0" smtClean="0"/>
+              <a:t>detection</a:t>
+            </a:r>
+          </a:p>
+          <a:p>
+            <a:pPr lvl="1"/>
+            <a:r>
+              <a:rPr lang="en-US" altLang="zh-CN" dirty="0" smtClean="0"/>
+              <a:t>Many </a:t>
+            </a:r>
+            <a:r>
+              <a:rPr lang="en-US" altLang="zh-CN" dirty="0"/>
+              <a:t>sarcasm theories, except the theory </a:t>
+            </a:r>
+            <a:r>
+              <a:rPr lang="en-US" altLang="zh-CN" dirty="0" smtClean="0"/>
+              <a:t>of dropped </a:t>
+            </a:r>
+            <a:r>
+              <a:rPr lang="en-US" altLang="zh-CN" dirty="0"/>
+              <a:t>negation (described in Section 2), have not been explored as means for </a:t>
+            </a:r>
+            <a:r>
+              <a:rPr lang="en-US" altLang="zh-CN" dirty="0" smtClean="0"/>
+              <a:t>sarcasm detection.</a:t>
+            </a:r>
+          </a:p>
+          <a:p>
+            <a:pPr lvl="1"/>
+            <a:r>
+              <a:rPr lang="en-US" altLang="zh-CN" dirty="0" smtClean="0"/>
+              <a:t>Reference </a:t>
+            </a:r>
+            <a:r>
+              <a:rPr lang="en-US" altLang="zh-CN" dirty="0"/>
+              <a:t>[66] shows that the </a:t>
+            </a:r>
+            <a:r>
+              <a:rPr lang="en-US" altLang="zh-CN" b="1" dirty="0">
+                <a:solidFill>
+                  <a:srgbClr val="FF0000"/>
+                </a:solidFill>
+              </a:rPr>
+              <a:t>hashtag “#not” </a:t>
+            </a:r>
+            <a:r>
+              <a:rPr lang="en-US" altLang="zh-CN" dirty="0"/>
+              <a:t>plays a distinct role in </a:t>
+            </a:r>
+            <a:r>
+              <a:rPr lang="en-US" altLang="zh-CN" dirty="0" smtClean="0"/>
+              <a:t>sarcastic tweets</a:t>
+            </a:r>
+            <a:r>
+              <a:rPr lang="en-US" altLang="zh-CN" dirty="0"/>
+              <a:t>. This may have correlations with this theory of </a:t>
+            </a:r>
+            <a:r>
+              <a:rPr lang="en-US" altLang="zh-CN" b="1" dirty="0">
+                <a:solidFill>
+                  <a:srgbClr val="FF0000"/>
+                </a:solidFill>
+              </a:rPr>
+              <a:t>dropped negation</a:t>
+            </a:r>
+            <a:r>
+              <a:rPr lang="en-US" altLang="zh-CN" dirty="0" smtClean="0"/>
+              <a:t>.</a:t>
+            </a:r>
+          </a:p>
+          <a:p>
+            <a:pPr lvl="1"/>
+            <a:r>
+              <a:rPr lang="en-US" altLang="zh-CN" dirty="0" smtClean="0"/>
+              <a:t>Approaches grounded </a:t>
+            </a:r>
+            <a:r>
+              <a:rPr lang="en-US" altLang="zh-CN" dirty="0"/>
+              <a:t>in linguistic theories may yield good results.</a:t>
+            </a:r>
+          </a:p>
+          <a:p>
+            <a:r>
+              <a:rPr lang="en-US" altLang="zh-CN" dirty="0"/>
+              <a:t>(6) Coverage of </a:t>
+            </a:r>
+            <a:r>
+              <a:rPr lang="en-US" altLang="zh-CN" b="1" dirty="0">
+                <a:solidFill>
+                  <a:srgbClr val="FF0000"/>
+                </a:solidFill>
+              </a:rPr>
+              <a:t>different forms </a:t>
+            </a:r>
+            <a:r>
+              <a:rPr lang="en-US" altLang="zh-CN" dirty="0"/>
+              <a:t>of </a:t>
+            </a:r>
+            <a:r>
+              <a:rPr lang="en-US" altLang="zh-CN" dirty="0" smtClean="0"/>
+              <a:t>sarcasm</a:t>
+            </a:r>
+          </a:p>
+          <a:p>
+            <a:pPr lvl="1"/>
+            <a:r>
+              <a:rPr lang="en-US" altLang="zh-CN" dirty="0" smtClean="0"/>
+              <a:t>In </a:t>
+            </a:r>
+            <a:r>
+              <a:rPr lang="en-US" altLang="zh-CN" dirty="0"/>
+              <a:t>Section 2, we described four species </a:t>
+            </a:r>
+            <a:r>
+              <a:rPr lang="en-US" altLang="zh-CN" dirty="0" smtClean="0"/>
+              <a:t>of sarcasm: </a:t>
+            </a:r>
+            <a:r>
+              <a:rPr lang="en-US" altLang="zh-CN" b="1" dirty="0" smtClean="0">
+                <a:solidFill>
+                  <a:srgbClr val="FF0000"/>
+                </a:solidFill>
+              </a:rPr>
+              <a:t>propositional</a:t>
+            </a:r>
+            <a:r>
+              <a:rPr lang="en-US" altLang="zh-CN" dirty="0" smtClean="0"/>
+              <a:t>, </a:t>
+            </a:r>
+            <a:r>
+              <a:rPr lang="en-US" altLang="zh-CN" b="1" dirty="0" smtClean="0">
+                <a:solidFill>
+                  <a:srgbClr val="FF0000"/>
+                </a:solidFill>
+              </a:rPr>
+              <a:t>lexical</a:t>
+            </a:r>
+            <a:r>
+              <a:rPr lang="en-US" altLang="zh-CN" dirty="0" smtClean="0"/>
+              <a:t>, like-prefixed, and illocutionary sarcasm.</a:t>
+            </a:r>
+          </a:p>
+          <a:p>
+            <a:pPr lvl="2"/>
+            <a:r>
+              <a:rPr lang="en-US" altLang="zh-TW" dirty="0" smtClean="0"/>
+              <a:t>C</a:t>
+            </a:r>
+            <a:r>
+              <a:rPr lang="en-US" altLang="zh-CN" dirty="0" smtClean="0"/>
+              <a:t>urrent </a:t>
+            </a:r>
+            <a:r>
+              <a:rPr lang="en-US" altLang="zh-CN" dirty="0"/>
+              <a:t>approaches are limited in handling the last two forms of sarcasm: </a:t>
+            </a:r>
+            <a:r>
+              <a:rPr lang="en-US" altLang="zh-CN" dirty="0" smtClean="0"/>
+              <a:t>like-prefixed and </a:t>
+            </a:r>
+            <a:r>
+              <a:rPr lang="en-US" altLang="zh-CN" dirty="0"/>
+              <a:t>illocutionary</a:t>
+            </a:r>
+            <a:r>
+              <a:rPr lang="en-US" altLang="zh-CN" dirty="0" smtClean="0"/>
+              <a:t>.</a:t>
+            </a:r>
+          </a:p>
+          <a:p>
+            <a:pPr lvl="1"/>
+            <a:r>
+              <a:rPr lang="en-US" altLang="zh-CN" dirty="0" smtClean="0"/>
+              <a:t>Future </a:t>
+            </a:r>
+            <a:r>
+              <a:rPr lang="en-US" altLang="zh-CN" dirty="0"/>
+              <a:t>work may focus on these forms of sarcasm</a:t>
+            </a:r>
+            <a:r>
+              <a:rPr lang="en-US" altLang="zh-CN" dirty="0" smtClean="0"/>
+              <a:t>.</a:t>
+            </a:r>
+            <a:endParaRPr lang="en-US" altLang="zh-CN" dirty="0"/>
+          </a:p>
+          <a:p>
+            <a:r>
+              <a:rPr lang="en-US" altLang="zh-CN" dirty="0"/>
+              <a:t>(7) Extraction of </a:t>
+            </a:r>
+            <a:r>
+              <a:rPr lang="en-US" altLang="zh-CN" b="1" dirty="0">
+                <a:solidFill>
+                  <a:srgbClr val="FF0000"/>
+                </a:solidFill>
+              </a:rPr>
+              <a:t>Contextual</a:t>
+            </a:r>
+            <a:r>
+              <a:rPr lang="en-US" altLang="zh-CN" dirty="0"/>
+              <a:t> Information using </a:t>
+            </a:r>
+            <a:r>
+              <a:rPr lang="en-US" altLang="zh-CN" b="1" dirty="0">
+                <a:solidFill>
+                  <a:srgbClr val="FF0000"/>
+                </a:solidFill>
+              </a:rPr>
+              <a:t>Deep learning</a:t>
+            </a:r>
+            <a:r>
+              <a:rPr lang="en-US" altLang="zh-CN" dirty="0"/>
+              <a:t>-based </a:t>
+            </a:r>
+            <a:r>
+              <a:rPr lang="en-US" altLang="zh-CN" dirty="0" smtClean="0"/>
+              <a:t>architectures</a:t>
+            </a:r>
+          </a:p>
+          <a:p>
+            <a:pPr lvl="1"/>
+            <a:r>
+              <a:rPr lang="en-US" altLang="zh-CN" dirty="0" smtClean="0"/>
+              <a:t>As shown in </a:t>
+            </a:r>
+            <a:r>
+              <a:rPr lang="en-US" altLang="zh-CN" dirty="0"/>
+              <a:t>Reference [63], </a:t>
+            </a:r>
+            <a:r>
+              <a:rPr lang="en-US" altLang="zh-CN" b="1" dirty="0">
+                <a:solidFill>
+                  <a:srgbClr val="FF0000"/>
+                </a:solidFill>
+              </a:rPr>
+              <a:t>context </a:t>
+            </a:r>
+            <a:r>
+              <a:rPr lang="en-US" altLang="zh-CN" b="1" dirty="0" err="1">
+                <a:solidFill>
+                  <a:srgbClr val="FF0000"/>
+                </a:solidFill>
+              </a:rPr>
+              <a:t>embeddings</a:t>
+            </a:r>
+            <a:r>
+              <a:rPr lang="en-US" altLang="zh-CN" b="1" dirty="0">
+                <a:solidFill>
+                  <a:srgbClr val="FF0000"/>
+                </a:solidFill>
+              </a:rPr>
+              <a:t> </a:t>
+            </a:r>
+            <a:r>
+              <a:rPr lang="en-US" altLang="zh-CN" dirty="0"/>
+              <a:t>can be captured</a:t>
+            </a:r>
+            <a:r>
+              <a:rPr lang="en-US" altLang="zh-CN" dirty="0" smtClean="0"/>
+              <a:t>.</a:t>
+            </a:r>
+          </a:p>
+          <a:p>
+            <a:pPr lvl="1"/>
+            <a:r>
+              <a:rPr lang="en-US" altLang="zh-CN" dirty="0" err="1" smtClean="0"/>
+              <a:t>Embeddings</a:t>
+            </a:r>
+            <a:r>
+              <a:rPr lang="en-US" altLang="zh-CN" dirty="0" smtClean="0"/>
+              <a:t> </a:t>
+            </a:r>
+            <a:r>
+              <a:rPr lang="en-US" altLang="zh-CN" dirty="0"/>
+              <a:t>derived from </a:t>
+            </a:r>
+            <a:r>
+              <a:rPr lang="en-US" altLang="zh-CN" dirty="0" smtClean="0"/>
+              <a:t>other forms </a:t>
+            </a:r>
+            <a:r>
+              <a:rPr lang="en-US" altLang="zh-CN" dirty="0"/>
+              <a:t>of context may be useful to capture the </a:t>
+            </a:r>
+            <a:r>
+              <a:rPr lang="en-US" altLang="zh-CN" b="1" dirty="0">
+                <a:solidFill>
+                  <a:srgbClr val="FF0000"/>
+                </a:solidFill>
+              </a:rPr>
+              <a:t>additional shared </a:t>
+            </a:r>
+            <a:r>
+              <a:rPr lang="en-US" altLang="zh-CN" b="1" dirty="0" smtClean="0">
+                <a:solidFill>
+                  <a:srgbClr val="FF0000"/>
+                </a:solidFill>
+              </a:rPr>
+              <a:t>knowledge</a:t>
+            </a:r>
+            <a:r>
+              <a:rPr lang="zh-TW" altLang="en-US" b="1" dirty="0" smtClean="0">
+                <a:solidFill>
+                  <a:srgbClr val="FF0000"/>
+                </a:solidFill>
+              </a:rPr>
+              <a:t> </a:t>
+            </a:r>
+            <a:r>
+              <a:rPr lang="en-US" altLang="zh-CN" dirty="0" smtClean="0"/>
+              <a:t>that </a:t>
+            </a:r>
+            <a:r>
+              <a:rPr lang="en-US" altLang="zh-CN" dirty="0"/>
+              <a:t>is required to understand certain forms of sarcasm.</a:t>
+            </a:r>
+            <a:endParaRPr kumimoji="1" lang="zh-CN" altLang="en-US" dirty="0"/>
+          </a:p>
+        </p:txBody>
+      </p:sp>
+    </p:spTree>
+    <p:extLst>
+      <p:ext uri="{BB962C8B-B14F-4D97-AF65-F5344CB8AC3E}">
+        <p14:creationId xmlns:p14="http://schemas.microsoft.com/office/powerpoint/2010/main" val="2142598889"/>
+      </p:ext>
+    </p:extLst>
+  </p:cSld>
+  <p:clrMapOvr>
+    <a:masterClrMapping/>
+  </p:clrMapOvr>
+</p:sld>
+</file>
+
+<file path=ppt/slides/slide36.xml><?xml version="1.0" encoding="utf-8"?>
+<p:sld xmlns:a="http://schemas.openxmlformats.org/drawingml/2006/main" xmlns:r="http://schemas.openxmlformats.org/officeDocument/2006/relationships" xmlns:p="http://schemas.openxmlformats.org/presentationml/2006/main">
+  <p:cSld>
+    <p:spTree>
+      <p:nvGrpSpPr>
+        <p:cNvPr id="1" name=""/>
+        <p:cNvGrpSpPr/>
+        <p:nvPr/>
+      </p:nvGrpSpPr>
+      <p:grpSpPr>
+        <a:xfrm>
+          <a:off x="0" y="0"/>
+          <a:ext cx="0" cy="0"/>
+          <a:chOff x="0" y="0"/>
+          <a:chExt cx="0" cy="0"/>
+        </a:xfrm>
+      </p:grpSpPr>
+      <p:sp>
+        <p:nvSpPr>
+          <p:cNvPr id="2" name="标题 1"/>
+          <p:cNvSpPr>
+            <a:spLocks noGrp="1"/>
+          </p:cNvSpPr>
+          <p:nvPr>
+            <p:ph type="title"/>
+          </p:nvPr>
+        </p:nvSpPr>
+        <p:spPr/>
+        <p:txBody>
+          <a:bodyPr/>
+          <a:lstStyle/>
+          <a:p>
+            <a:r>
+              <a:rPr kumimoji="1" lang="en-US" altLang="zh-CN" dirty="0" smtClean="0"/>
+              <a:t>Reference</a:t>
+            </a:r>
+            <a:endParaRPr kumimoji="1" lang="zh-CN" altLang="en-US" dirty="0"/>
+          </a:p>
+        </p:txBody>
+      </p:sp>
+      <p:sp>
+        <p:nvSpPr>
+          <p:cNvPr id="3" name="内容占位符 2"/>
+          <p:cNvSpPr>
+            <a:spLocks noGrp="1"/>
+          </p:cNvSpPr>
+          <p:nvPr>
+            <p:ph idx="1"/>
+          </p:nvPr>
+        </p:nvSpPr>
+        <p:spPr/>
+        <p:txBody>
+          <a:bodyPr/>
+          <a:lstStyle/>
+          <a:p>
+            <a:pPr lvl="1"/>
+            <a:r>
+              <a:rPr lang="en-US" altLang="zh-CN" dirty="0"/>
+              <a:t>Carman, M. J., Carman, M. J., &amp; Carman, M. J. (2017). </a:t>
+            </a:r>
+            <a:r>
+              <a:rPr lang="en-US" altLang="zh-CN" i="1" dirty="0"/>
+              <a:t>Automatic Sarcasm Detection: A Survey</a:t>
+            </a:r>
+            <a:r>
+              <a:rPr lang="en-US" altLang="zh-CN" dirty="0"/>
+              <a:t>. ACM.</a:t>
+            </a:r>
+            <a:endParaRPr kumimoji="1" lang="zh-CN" altLang="en-US" dirty="0"/>
+          </a:p>
+        </p:txBody>
+      </p:sp>
+    </p:spTree>
+    <p:extLst>
+      <p:ext uri="{BB962C8B-B14F-4D97-AF65-F5344CB8AC3E}">
+        <p14:creationId xmlns:p14="http://schemas.microsoft.com/office/powerpoint/2010/main" val="1302696452"/>
       </p:ext>
     </p:extLst>
   </p:cSld>
@@ -9901,8 +13712,8 @@
           <a:lstStyle/>
           <a:p>
             <a:r>
-              <a:rPr kumimoji="1" lang="en-US" altLang="zh-CN" dirty="0" smtClean="0"/>
-              <a:t>Introduction</a:t>
+              <a:rPr lang="en-US" altLang="zh-CN" dirty="0"/>
+              <a:t>2. Sarcasm Studies in Linguistics</a:t>
             </a:r>
             <a:endParaRPr kumimoji="1" lang="zh-CN" altLang="en-US" dirty="0"/>
           </a:p>
@@ -10296,8 +14107,8 @@
           <a:lstStyle/>
           <a:p>
             <a:r>
-              <a:rPr kumimoji="1" lang="en-US" altLang="zh-CN" dirty="0" smtClean="0"/>
-              <a:t>Introduction</a:t>
+              <a:rPr lang="en-US" altLang="zh-CN" dirty="0"/>
+              <a:t>2. Sarcasm Studies in Linguistics</a:t>
             </a:r>
             <a:endParaRPr kumimoji="1" lang="zh-CN" altLang="en-US" dirty="0"/>
           </a:p>
@@ -10591,8 +14402,8 @@
           <a:lstStyle/>
           <a:p>
             <a:r>
-              <a:rPr kumimoji="1" lang="en-US" altLang="zh-CN" dirty="0" smtClean="0"/>
-              <a:t>Introduction</a:t>
+              <a:rPr lang="en-US" altLang="zh-CN" dirty="0"/>
+              <a:t>2. Sarcasm Studies in Linguistics</a:t>
             </a:r>
             <a:endParaRPr kumimoji="1" lang="zh-CN" altLang="en-US" dirty="0"/>
           </a:p>
@@ -11103,8 +14914,8 @@
           <a:lstStyle/>
           <a:p>
             <a:r>
-              <a:rPr kumimoji="1" lang="en-US" altLang="zh-CN" dirty="0"/>
-              <a:t>Introduction</a:t>
+              <a:rPr lang="en-US" altLang="zh-CN" dirty="0"/>
+              <a:t>2. Sarcasm Studies in Linguistics</a:t>
             </a:r>
             <a:endParaRPr kumimoji="1" lang="zh-CN" altLang="en-US" dirty="0"/>
           </a:p>
@@ -11299,8 +15110,8 @@
           <a:lstStyle/>
           <a:p>
             <a:r>
-              <a:rPr kumimoji="1" lang="en-US" altLang="zh-CN" dirty="0" smtClean="0"/>
-              <a:t>Introduction</a:t>
+              <a:rPr lang="en-US" altLang="zh-CN" dirty="0"/>
+              <a:t>2. Sarcasm Studies in Linguistics</a:t>
             </a:r>
             <a:endParaRPr kumimoji="1" lang="zh-CN" altLang="en-US" dirty="0"/>
           </a:p>
@@ -11508,8 +15319,8 @@
           <a:lstStyle/>
           <a:p>
             <a:r>
-              <a:rPr kumimoji="1" lang="en-US" altLang="zh-CN" dirty="0" smtClean="0"/>
-              <a:t>Introduction</a:t>
+              <a:rPr lang="en-US" altLang="zh-CN" dirty="0"/>
+              <a:t>2. Sarcasm Studies in Linguistics</a:t>
             </a:r>
             <a:endParaRPr kumimoji="1" lang="zh-CN" altLang="en-US" dirty="0"/>
           </a:p>
